--- a/FinalPresentation.pptx
+++ b/FinalPresentation.pptx
@@ -5,10 +5,10 @@
     <p:sldMasterId id="2147483696" r:id="rId4"/>
   </p:sldMasterIdLst>
   <p:notesMasterIdLst>
-    <p:notesMasterId r:id="rId10"/>
+    <p:notesMasterId r:id="rId12"/>
   </p:notesMasterIdLst>
   <p:handoutMasterIdLst>
-    <p:handoutMasterId r:id="rId11"/>
+    <p:handoutMasterId r:id="rId13"/>
   </p:handoutMasterIdLst>
   <p:sldIdLst>
     <p:sldId id="258" r:id="rId5"/>
@@ -16,6 +16,8 @@
     <p:sldId id="263" r:id="rId7"/>
     <p:sldId id="261" r:id="rId8"/>
     <p:sldId id="262" r:id="rId9"/>
+    <p:sldId id="264" r:id="rId10"/>
+    <p:sldId id="265" r:id="rId11"/>
   </p:sldIdLst>
   <p:sldSz cx="12192000" cy="6858000"/>
   <p:notesSz cx="6858000" cy="9144000"/>
@@ -116,7 +118,7 @@
   </p:defaultTextStyle>
   <p:extLst>
     <p:ext uri="{EFAFB233-063F-42B5-8137-9DF3F51BA10A}">
-      <p15:sldGuideLst xmlns:p15="http://schemas.microsoft.com/office/powerpoint/2012/main">
+      <p15:sldGuideLst xmlns:p15="http://schemas.microsoft.com/office/powerpoint/2012/main" xmlns="">
         <p15:guide id="1" orient="horz" pos="2160" userDrawn="1">
           <p15:clr>
             <a:srgbClr val="A4A3A4"/>
@@ -130,7 +132,7 @@
       </p15:sldGuideLst>
     </p:ext>
     <p:ext uri="{2D200454-40CA-4A62-9FC3-DE9A4176ACB9}">
-      <p15:notesGuideLst xmlns:p15="http://schemas.microsoft.com/office/powerpoint/2012/main"/>
+      <p15:notesGuideLst xmlns:p15="http://schemas.microsoft.com/office/powerpoint/2012/main" xmlns=""/>
     </p:ext>
   </p:extLst>
 </p:presentation>
@@ -138,3209 +140,6 @@
 
 <file path=ppt/revisionInfo.xml><?xml version="1.0" encoding="utf-8"?>
 <p1510:revInfo xmlns:a="http://schemas.openxmlformats.org/drawingml/2006/main" xmlns:r="http://schemas.openxmlformats.org/officeDocument/2006/relationships" xmlns:p1510="http://schemas.microsoft.com/office/powerpoint/2015/10/main"/>
-</file>
-
-<file path=ppt/diagrams/colors1.xml><?xml version="1.0" encoding="utf-8"?>
-<dgm:colorsDef xmlns:dgm="http://schemas.openxmlformats.org/drawingml/2006/diagram" xmlns:a="http://schemas.openxmlformats.org/drawingml/2006/main" uniqueId="urn:microsoft.com/office/officeart/2005/8/colors/colorful2">
-  <dgm:title val=""/>
-  <dgm:desc val=""/>
-  <dgm:catLst>
-    <dgm:cat type="colorful" pri="10200"/>
-  </dgm:catLst>
-  <dgm:styleLbl name="node0">
-    <dgm:fillClrLst meth="repeat">
-      <a:schemeClr val="accent1"/>
-    </dgm:fillClrLst>
-    <dgm:linClrLst meth="repeat">
-      <a:schemeClr val="lt1"/>
-    </dgm:linClrLst>
-    <dgm:effectClrLst/>
-    <dgm:txLinClrLst/>
-    <dgm:txFillClrLst/>
-    <dgm:txEffectClrLst/>
-  </dgm:styleLbl>
-  <dgm:styleLbl name="node1">
-    <dgm:fillClrLst>
-      <a:schemeClr val="accent2"/>
-      <a:schemeClr val="accent3"/>
-    </dgm:fillClrLst>
-    <dgm:linClrLst meth="repeat">
-      <a:schemeClr val="lt1"/>
-    </dgm:linClrLst>
-    <dgm:effectClrLst/>
-    <dgm:txLinClrLst/>
-    <dgm:txFillClrLst/>
-    <dgm:txEffectClrLst/>
-  </dgm:styleLbl>
-  <dgm:styleLbl name="alignNode1">
-    <dgm:fillClrLst>
-      <a:schemeClr val="accent2"/>
-      <a:schemeClr val="accent3"/>
-    </dgm:fillClrLst>
-    <dgm:linClrLst>
-      <a:schemeClr val="accent2"/>
-      <a:schemeClr val="accent3"/>
-    </dgm:linClrLst>
-    <dgm:effectClrLst/>
-    <dgm:txLinClrLst/>
-    <dgm:txFillClrLst/>
-    <dgm:txEffectClrLst/>
-  </dgm:styleLbl>
-  <dgm:styleLbl name="lnNode1">
-    <dgm:fillClrLst>
-      <a:schemeClr val="accent2"/>
-      <a:schemeClr val="accent3"/>
-    </dgm:fillClrLst>
-    <dgm:linClrLst meth="repeat">
-      <a:schemeClr val="lt1"/>
-    </dgm:linClrLst>
-    <dgm:effectClrLst/>
-    <dgm:txLinClrLst/>
-    <dgm:txFillClrLst/>
-    <dgm:txEffectClrLst/>
-  </dgm:styleLbl>
-  <dgm:styleLbl name="vennNode1">
-    <dgm:fillClrLst>
-      <a:schemeClr val="accent2">
-        <a:alpha val="50000"/>
-      </a:schemeClr>
-      <a:schemeClr val="accent3">
-        <a:alpha val="50000"/>
-      </a:schemeClr>
-    </dgm:fillClrLst>
-    <dgm:linClrLst meth="repeat">
-      <a:schemeClr val="lt1"/>
-    </dgm:linClrLst>
-    <dgm:effectClrLst/>
-    <dgm:txLinClrLst/>
-    <dgm:txFillClrLst/>
-    <dgm:txEffectClrLst/>
-  </dgm:styleLbl>
-  <dgm:styleLbl name="node2">
-    <dgm:fillClrLst>
-      <a:schemeClr val="accent3"/>
-    </dgm:fillClrLst>
-    <dgm:linClrLst meth="repeat">
-      <a:schemeClr val="lt1"/>
-    </dgm:linClrLst>
-    <dgm:effectClrLst/>
-    <dgm:txLinClrLst/>
-    <dgm:txFillClrLst/>
-    <dgm:txEffectClrLst/>
-  </dgm:styleLbl>
-  <dgm:styleLbl name="node3">
-    <dgm:fillClrLst>
-      <a:schemeClr val="accent4"/>
-    </dgm:fillClrLst>
-    <dgm:linClrLst meth="repeat">
-      <a:schemeClr val="lt1"/>
-    </dgm:linClrLst>
-    <dgm:effectClrLst/>
-    <dgm:txLinClrLst/>
-    <dgm:txFillClrLst/>
-    <dgm:txEffectClrLst/>
-  </dgm:styleLbl>
-  <dgm:styleLbl name="node4">
-    <dgm:fillClrLst>
-      <a:schemeClr val="accent5"/>
-    </dgm:fillClrLst>
-    <dgm:linClrLst meth="repeat">
-      <a:schemeClr val="lt1"/>
-    </dgm:linClrLst>
-    <dgm:effectClrLst/>
-    <dgm:txLinClrLst/>
-    <dgm:txFillClrLst/>
-    <dgm:txEffectClrLst/>
-  </dgm:styleLbl>
-  <dgm:styleLbl name="fgImgPlace1">
-    <dgm:fillClrLst>
-      <a:schemeClr val="accent2">
-        <a:tint val="50000"/>
-      </a:schemeClr>
-      <a:schemeClr val="accent3">
-        <a:tint val="50000"/>
-      </a:schemeClr>
-    </dgm:fillClrLst>
-    <dgm:linClrLst meth="repeat">
-      <a:schemeClr val="lt1"/>
-    </dgm:linClrLst>
-    <dgm:effectClrLst/>
-    <dgm:txLinClrLst/>
-    <dgm:txFillClrLst meth="repeat">
-      <a:schemeClr val="lt1"/>
-    </dgm:txFillClrLst>
-    <dgm:txEffectClrLst/>
-  </dgm:styleLbl>
-  <dgm:styleLbl name="alignImgPlace1">
-    <dgm:fillClrLst>
-      <a:schemeClr val="accent2">
-        <a:tint val="50000"/>
-      </a:schemeClr>
-      <a:schemeClr val="accent3">
-        <a:tint val="20000"/>
-      </a:schemeClr>
-    </dgm:fillClrLst>
-    <dgm:linClrLst meth="repeat">
-      <a:schemeClr val="lt1"/>
-    </dgm:linClrLst>
-    <dgm:effectClrLst/>
-    <dgm:txLinClrLst/>
-    <dgm:txFillClrLst meth="repeat">
-      <a:schemeClr val="lt1"/>
-    </dgm:txFillClrLst>
-    <dgm:txEffectClrLst/>
-  </dgm:styleLbl>
-  <dgm:styleLbl name="bgImgPlace1">
-    <dgm:fillClrLst>
-      <a:schemeClr val="accent2">
-        <a:tint val="50000"/>
-      </a:schemeClr>
-      <a:schemeClr val="accent3">
-        <a:tint val="20000"/>
-      </a:schemeClr>
-    </dgm:fillClrLst>
-    <dgm:linClrLst meth="repeat">
-      <a:schemeClr val="lt1"/>
-    </dgm:linClrLst>
-    <dgm:effectClrLst/>
-    <dgm:txLinClrLst/>
-    <dgm:txFillClrLst meth="repeat">
-      <a:schemeClr val="lt1"/>
-    </dgm:txFillClrLst>
-    <dgm:txEffectClrLst/>
-  </dgm:styleLbl>
-  <dgm:styleLbl name="sibTrans2D1">
-    <dgm:fillClrLst>
-      <a:schemeClr val="accent2"/>
-      <a:schemeClr val="accent3"/>
-    </dgm:fillClrLst>
-    <dgm:linClrLst meth="repeat">
-      <a:schemeClr val="lt1"/>
-    </dgm:linClrLst>
-    <dgm:effectClrLst/>
-    <dgm:txLinClrLst/>
-    <dgm:txFillClrLst/>
-    <dgm:txEffectClrLst/>
-  </dgm:styleLbl>
-  <dgm:styleLbl name="fgSibTrans2D1">
-    <dgm:fillClrLst>
-      <a:schemeClr val="accent2"/>
-      <a:schemeClr val="accent3"/>
-    </dgm:fillClrLst>
-    <dgm:linClrLst meth="repeat">
-      <a:schemeClr val="lt1"/>
-    </dgm:linClrLst>
-    <dgm:effectClrLst/>
-    <dgm:txLinClrLst/>
-    <dgm:txFillClrLst meth="repeat">
-      <a:schemeClr val="lt1"/>
-    </dgm:txFillClrLst>
-    <dgm:txEffectClrLst/>
-  </dgm:styleLbl>
-  <dgm:styleLbl name="bgSibTrans2D1">
-    <dgm:fillClrLst>
-      <a:schemeClr val="accent2"/>
-      <a:schemeClr val="accent3"/>
-    </dgm:fillClrLst>
-    <dgm:linClrLst meth="repeat">
-      <a:schemeClr val="lt1"/>
-    </dgm:linClrLst>
-    <dgm:effectClrLst/>
-    <dgm:txLinClrLst/>
-    <dgm:txFillClrLst meth="repeat">
-      <a:schemeClr val="lt1"/>
-    </dgm:txFillClrLst>
-    <dgm:txEffectClrLst/>
-  </dgm:styleLbl>
-  <dgm:styleLbl name="sibTrans1D1">
-    <dgm:fillClrLst/>
-    <dgm:linClrLst>
-      <a:schemeClr val="accent2"/>
-      <a:schemeClr val="accent3"/>
-    </dgm:linClrLst>
-    <dgm:effectClrLst/>
-    <dgm:txLinClrLst/>
-    <dgm:txFillClrLst meth="repeat">
-      <a:schemeClr val="tx1"/>
-    </dgm:txFillClrLst>
-    <dgm:txEffectClrLst/>
-  </dgm:styleLbl>
-  <dgm:styleLbl name="callout">
-    <dgm:fillClrLst meth="repeat">
-      <a:schemeClr val="accent2"/>
-    </dgm:fillClrLst>
-    <dgm:linClrLst meth="repeat">
-      <a:schemeClr val="accent2">
-        <a:tint val="50000"/>
-      </a:schemeClr>
-    </dgm:linClrLst>
-    <dgm:effectClrLst/>
-    <dgm:txLinClrLst/>
-    <dgm:txFillClrLst meth="repeat">
-      <a:schemeClr val="tx1"/>
-    </dgm:txFillClrLst>
-    <dgm:txEffectClrLst/>
-  </dgm:styleLbl>
-  <dgm:styleLbl name="asst0">
-    <dgm:fillClrLst meth="repeat">
-      <a:schemeClr val="accent2"/>
-    </dgm:fillClrLst>
-    <dgm:linClrLst meth="repeat">
-      <a:schemeClr val="lt1">
-        <a:shade val="80000"/>
-      </a:schemeClr>
-    </dgm:linClrLst>
-    <dgm:effectClrLst/>
-    <dgm:txLinClrLst/>
-    <dgm:txFillClrLst/>
-    <dgm:txEffectClrLst/>
-  </dgm:styleLbl>
-  <dgm:styleLbl name="asst1">
-    <dgm:fillClrLst meth="repeat">
-      <a:schemeClr val="accent3"/>
-    </dgm:fillClrLst>
-    <dgm:linClrLst meth="repeat">
-      <a:schemeClr val="lt1">
-        <a:shade val="80000"/>
-      </a:schemeClr>
-    </dgm:linClrLst>
-    <dgm:effectClrLst/>
-    <dgm:txLinClrLst/>
-    <dgm:txFillClrLst/>
-    <dgm:txEffectClrLst/>
-  </dgm:styleLbl>
-  <dgm:styleLbl name="asst2">
-    <dgm:fillClrLst>
-      <a:schemeClr val="accent4"/>
-    </dgm:fillClrLst>
-    <dgm:linClrLst meth="repeat">
-      <a:schemeClr val="lt1"/>
-    </dgm:linClrLst>
-    <dgm:effectClrLst/>
-    <dgm:txLinClrLst/>
-    <dgm:txFillClrLst/>
-    <dgm:txEffectClrLst/>
-  </dgm:styleLbl>
-  <dgm:styleLbl name="asst3">
-    <dgm:fillClrLst>
-      <a:schemeClr val="accent5"/>
-    </dgm:fillClrLst>
-    <dgm:linClrLst meth="repeat">
-      <a:schemeClr val="lt1"/>
-    </dgm:linClrLst>
-    <dgm:effectClrLst/>
-    <dgm:txLinClrLst/>
-    <dgm:txFillClrLst/>
-    <dgm:txEffectClrLst/>
-  </dgm:styleLbl>
-  <dgm:styleLbl name="asst4">
-    <dgm:fillClrLst>
-      <a:schemeClr val="accent6"/>
-    </dgm:fillClrLst>
-    <dgm:linClrLst meth="repeat">
-      <a:schemeClr val="lt1"/>
-    </dgm:linClrLst>
-    <dgm:effectClrLst/>
-    <dgm:txLinClrLst/>
-    <dgm:txFillClrLst/>
-    <dgm:txEffectClrLst/>
-  </dgm:styleLbl>
-  <dgm:styleLbl name="parChTrans2D1">
-    <dgm:fillClrLst meth="repeat">
-      <a:schemeClr val="accent2"/>
-    </dgm:fillClrLst>
-    <dgm:linClrLst meth="repeat">
-      <a:schemeClr val="lt1"/>
-    </dgm:linClrLst>
-    <dgm:effectClrLst/>
-    <dgm:txLinClrLst/>
-    <dgm:txFillClrLst meth="repeat">
-      <a:schemeClr val="lt1"/>
-    </dgm:txFillClrLst>
-    <dgm:txEffectClrLst/>
-  </dgm:styleLbl>
-  <dgm:styleLbl name="parChTrans2D2">
-    <dgm:fillClrLst meth="repeat">
-      <a:schemeClr val="accent3"/>
-    </dgm:fillClrLst>
-    <dgm:linClrLst meth="repeat">
-      <a:schemeClr val="lt1"/>
-    </dgm:linClrLst>
-    <dgm:effectClrLst/>
-    <dgm:txLinClrLst/>
-    <dgm:txFillClrLst/>
-    <dgm:txEffectClrLst/>
-  </dgm:styleLbl>
-  <dgm:styleLbl name="parChTrans2D3">
-    <dgm:fillClrLst meth="repeat">
-      <a:schemeClr val="accent4"/>
-    </dgm:fillClrLst>
-    <dgm:linClrLst meth="repeat">
-      <a:schemeClr val="lt1"/>
-    </dgm:linClrLst>
-    <dgm:effectClrLst/>
-    <dgm:txLinClrLst/>
-    <dgm:txFillClrLst/>
-    <dgm:txEffectClrLst/>
-  </dgm:styleLbl>
-  <dgm:styleLbl name="parChTrans2D4">
-    <dgm:fillClrLst meth="repeat">
-      <a:schemeClr val="accent5"/>
-    </dgm:fillClrLst>
-    <dgm:linClrLst meth="repeat">
-      <a:schemeClr val="lt1"/>
-    </dgm:linClrLst>
-    <dgm:effectClrLst/>
-    <dgm:txLinClrLst/>
-    <dgm:txFillClrLst meth="repeat">
-      <a:schemeClr val="lt1"/>
-    </dgm:txFillClrLst>
-    <dgm:txEffectClrLst/>
-  </dgm:styleLbl>
-  <dgm:styleLbl name="parChTrans1D1">
-    <dgm:fillClrLst meth="repeat">
-      <a:schemeClr val="accent2"/>
-    </dgm:fillClrLst>
-    <dgm:linClrLst meth="repeat">
-      <a:schemeClr val="accent2"/>
-    </dgm:linClrLst>
-    <dgm:effectClrLst/>
-    <dgm:txLinClrLst/>
-    <dgm:txFillClrLst meth="repeat">
-      <a:schemeClr val="tx1"/>
-    </dgm:txFillClrLst>
-    <dgm:txEffectClrLst/>
-  </dgm:styleLbl>
-  <dgm:styleLbl name="parChTrans1D2">
-    <dgm:fillClrLst meth="repeat">
-      <a:schemeClr val="accent2">
-        <a:tint val="90000"/>
-      </a:schemeClr>
-    </dgm:fillClrLst>
-    <dgm:linClrLst meth="repeat">
-      <a:schemeClr val="accent3"/>
-    </dgm:linClrLst>
-    <dgm:effectClrLst/>
-    <dgm:txLinClrLst/>
-    <dgm:txFillClrLst meth="repeat">
-      <a:schemeClr val="tx1"/>
-    </dgm:txFillClrLst>
-    <dgm:txEffectClrLst/>
-  </dgm:styleLbl>
-  <dgm:styleLbl name="parChTrans1D3">
-    <dgm:fillClrLst meth="repeat">
-      <a:schemeClr val="accent2">
-        <a:tint val="70000"/>
-      </a:schemeClr>
-    </dgm:fillClrLst>
-    <dgm:linClrLst meth="repeat">
-      <a:schemeClr val="accent4"/>
-    </dgm:linClrLst>
-    <dgm:effectClrLst/>
-    <dgm:txLinClrLst/>
-    <dgm:txFillClrLst meth="repeat">
-      <a:schemeClr val="tx1"/>
-    </dgm:txFillClrLst>
-    <dgm:txEffectClrLst/>
-  </dgm:styleLbl>
-  <dgm:styleLbl name="parChTrans1D4">
-    <dgm:fillClrLst meth="repeat">
-      <a:schemeClr val="accent2">
-        <a:tint val="50000"/>
-      </a:schemeClr>
-    </dgm:fillClrLst>
-    <dgm:linClrLst meth="repeat">
-      <a:schemeClr val="accent5"/>
-    </dgm:linClrLst>
-    <dgm:effectClrLst/>
-    <dgm:txLinClrLst/>
-    <dgm:txFillClrLst meth="repeat">
-      <a:schemeClr val="tx1"/>
-    </dgm:txFillClrLst>
-    <dgm:txEffectClrLst/>
-  </dgm:styleLbl>
-  <dgm:styleLbl name="fgAcc1">
-    <dgm:fillClrLst meth="repeat">
-      <a:schemeClr val="lt1">
-        <a:alpha val="90000"/>
-      </a:schemeClr>
-    </dgm:fillClrLst>
-    <dgm:linClrLst>
-      <a:schemeClr val="accent2"/>
-      <a:schemeClr val="accent3"/>
-    </dgm:linClrLst>
-    <dgm:effectClrLst/>
-    <dgm:txLinClrLst/>
-    <dgm:txFillClrLst meth="repeat">
-      <a:schemeClr val="dk1"/>
-    </dgm:txFillClrLst>
-    <dgm:txEffectClrLst/>
-  </dgm:styleLbl>
-  <dgm:styleLbl name="conFgAcc1">
-    <dgm:fillClrLst meth="repeat">
-      <a:schemeClr val="lt1">
-        <a:alpha val="90000"/>
-      </a:schemeClr>
-    </dgm:fillClrLst>
-    <dgm:linClrLst>
-      <a:schemeClr val="accent2"/>
-      <a:schemeClr val="accent3"/>
-    </dgm:linClrLst>
-    <dgm:effectClrLst/>
-    <dgm:txLinClrLst/>
-    <dgm:txFillClrLst meth="repeat">
-      <a:schemeClr val="dk1"/>
-    </dgm:txFillClrLst>
-    <dgm:txEffectClrLst/>
-  </dgm:styleLbl>
-  <dgm:styleLbl name="alignAcc1">
-    <dgm:fillClrLst meth="repeat">
-      <a:schemeClr val="lt1">
-        <a:alpha val="90000"/>
-      </a:schemeClr>
-    </dgm:fillClrLst>
-    <dgm:linClrLst>
-      <a:schemeClr val="accent2"/>
-      <a:schemeClr val="accent3"/>
-    </dgm:linClrLst>
-    <dgm:effectClrLst/>
-    <dgm:txLinClrLst/>
-    <dgm:txFillClrLst meth="repeat">
-      <a:schemeClr val="dk1"/>
-    </dgm:txFillClrLst>
-    <dgm:txEffectClrLst/>
-  </dgm:styleLbl>
-  <dgm:styleLbl name="trAlignAcc1">
-    <dgm:fillClrLst meth="repeat">
-      <a:schemeClr val="lt1">
-        <a:alpha val="40000"/>
-      </a:schemeClr>
-    </dgm:fillClrLst>
-    <dgm:linClrLst meth="repeat">
-      <a:schemeClr val="accent2"/>
-    </dgm:linClrLst>
-    <dgm:effectClrLst/>
-    <dgm:txLinClrLst/>
-    <dgm:txFillClrLst meth="repeat">
-      <a:schemeClr val="dk1"/>
-    </dgm:txFillClrLst>
-    <dgm:txEffectClrLst/>
-  </dgm:styleLbl>
-  <dgm:styleLbl name="bgAcc1">
-    <dgm:fillClrLst meth="repeat">
-      <a:schemeClr val="lt1">
-        <a:alpha val="90000"/>
-      </a:schemeClr>
-    </dgm:fillClrLst>
-    <dgm:linClrLst>
-      <a:schemeClr val="accent2"/>
-      <a:schemeClr val="accent3"/>
-    </dgm:linClrLst>
-    <dgm:effectClrLst/>
-    <dgm:txLinClrLst/>
-    <dgm:txFillClrLst meth="repeat">
-      <a:schemeClr val="dk1"/>
-    </dgm:txFillClrLst>
-    <dgm:txEffectClrLst/>
-  </dgm:styleLbl>
-  <dgm:styleLbl name="solidFgAcc1">
-    <dgm:fillClrLst meth="repeat">
-      <a:schemeClr val="lt1"/>
-    </dgm:fillClrLst>
-    <dgm:linClrLst>
-      <a:schemeClr val="accent2"/>
-      <a:schemeClr val="accent3"/>
-    </dgm:linClrLst>
-    <dgm:effectClrLst/>
-    <dgm:txLinClrLst/>
-    <dgm:txFillClrLst meth="repeat">
-      <a:schemeClr val="dk1"/>
-    </dgm:txFillClrLst>
-    <dgm:txEffectClrLst/>
-  </dgm:styleLbl>
-  <dgm:styleLbl name="solidAlignAcc1">
-    <dgm:fillClrLst meth="repeat">
-      <a:schemeClr val="lt1"/>
-    </dgm:fillClrLst>
-    <dgm:linClrLst>
-      <a:schemeClr val="accent2"/>
-      <a:schemeClr val="accent3"/>
-    </dgm:linClrLst>
-    <dgm:effectClrLst/>
-    <dgm:txLinClrLst/>
-    <dgm:txFillClrLst meth="repeat">
-      <a:schemeClr val="dk1"/>
-    </dgm:txFillClrLst>
-    <dgm:txEffectClrLst/>
-  </dgm:styleLbl>
-  <dgm:styleLbl name="solidBgAcc1">
-    <dgm:fillClrLst meth="repeat">
-      <a:schemeClr val="lt1"/>
-    </dgm:fillClrLst>
-    <dgm:linClrLst>
-      <a:schemeClr val="accent2"/>
-      <a:schemeClr val="accent3"/>
-    </dgm:linClrLst>
-    <dgm:effectClrLst/>
-    <dgm:txLinClrLst/>
-    <dgm:txFillClrLst meth="repeat">
-      <a:schemeClr val="dk1"/>
-    </dgm:txFillClrLst>
-    <dgm:txEffectClrLst/>
-  </dgm:styleLbl>
-  <dgm:styleLbl name="fgAccFollowNode1">
-    <dgm:fillClrLst>
-      <a:schemeClr val="accent2">
-        <a:tint val="40000"/>
-        <a:alpha val="90000"/>
-      </a:schemeClr>
-      <a:schemeClr val="accent3">
-        <a:tint val="40000"/>
-        <a:alpha val="90000"/>
-      </a:schemeClr>
-    </dgm:fillClrLst>
-    <dgm:linClrLst>
-      <a:schemeClr val="accent2">
-        <a:tint val="40000"/>
-        <a:alpha val="90000"/>
-      </a:schemeClr>
-      <a:schemeClr val="accent3">
-        <a:tint val="40000"/>
-        <a:alpha val="90000"/>
-      </a:schemeClr>
-    </dgm:linClrLst>
-    <dgm:effectClrLst/>
-    <dgm:txLinClrLst/>
-    <dgm:txFillClrLst meth="repeat">
-      <a:schemeClr val="dk1"/>
-    </dgm:txFillClrLst>
-    <dgm:txEffectClrLst/>
-  </dgm:styleLbl>
-  <dgm:styleLbl name="alignAccFollowNode1">
-    <dgm:fillClrLst>
-      <a:schemeClr val="accent2">
-        <a:tint val="40000"/>
-        <a:alpha val="90000"/>
-      </a:schemeClr>
-      <a:schemeClr val="accent3">
-        <a:tint val="40000"/>
-        <a:alpha val="90000"/>
-      </a:schemeClr>
-    </dgm:fillClrLst>
-    <dgm:linClrLst>
-      <a:schemeClr val="accent2">
-        <a:tint val="40000"/>
-        <a:alpha val="90000"/>
-      </a:schemeClr>
-      <a:schemeClr val="accent3">
-        <a:tint val="40000"/>
-        <a:alpha val="90000"/>
-      </a:schemeClr>
-    </dgm:linClrLst>
-    <dgm:effectClrLst/>
-    <dgm:txLinClrLst/>
-    <dgm:txFillClrLst meth="repeat">
-      <a:schemeClr val="dk1"/>
-    </dgm:txFillClrLst>
-    <dgm:txEffectClrLst/>
-  </dgm:styleLbl>
-  <dgm:styleLbl name="bgAccFollowNode1">
-    <dgm:fillClrLst>
-      <a:schemeClr val="accent2">
-        <a:tint val="40000"/>
-        <a:alpha val="90000"/>
-      </a:schemeClr>
-      <a:schemeClr val="accent3">
-        <a:tint val="40000"/>
-        <a:alpha val="90000"/>
-      </a:schemeClr>
-    </dgm:fillClrLst>
-    <dgm:linClrLst>
-      <a:schemeClr val="accent2">
-        <a:tint val="40000"/>
-        <a:alpha val="90000"/>
-      </a:schemeClr>
-      <a:schemeClr val="accent3">
-        <a:tint val="40000"/>
-        <a:alpha val="90000"/>
-      </a:schemeClr>
-    </dgm:linClrLst>
-    <dgm:effectClrLst/>
-    <dgm:txLinClrLst/>
-    <dgm:txFillClrLst meth="repeat">
-      <a:schemeClr val="dk1"/>
-    </dgm:txFillClrLst>
-    <dgm:txEffectClrLst/>
-  </dgm:styleLbl>
-  <dgm:styleLbl name="fgAcc0">
-    <dgm:fillClrLst meth="repeat">
-      <a:schemeClr val="lt1">
-        <a:alpha val="90000"/>
-      </a:schemeClr>
-    </dgm:fillClrLst>
-    <dgm:linClrLst>
-      <a:schemeClr val="accent1"/>
-    </dgm:linClrLst>
-    <dgm:effectClrLst/>
-    <dgm:txLinClrLst/>
-    <dgm:txFillClrLst meth="repeat">
-      <a:schemeClr val="dk1"/>
-    </dgm:txFillClrLst>
-    <dgm:txEffectClrLst/>
-  </dgm:styleLbl>
-  <dgm:styleLbl name="fgAcc2">
-    <dgm:fillClrLst meth="repeat">
-      <a:schemeClr val="lt1">
-        <a:alpha val="90000"/>
-      </a:schemeClr>
-    </dgm:fillClrLst>
-    <dgm:linClrLst>
-      <a:schemeClr val="accent3"/>
-    </dgm:linClrLst>
-    <dgm:effectClrLst/>
-    <dgm:txLinClrLst/>
-    <dgm:txFillClrLst meth="repeat">
-      <a:schemeClr val="dk1"/>
-    </dgm:txFillClrLst>
-    <dgm:txEffectClrLst/>
-  </dgm:styleLbl>
-  <dgm:styleLbl name="fgAcc3">
-    <dgm:fillClrLst meth="repeat">
-      <a:schemeClr val="lt1">
-        <a:alpha val="90000"/>
-      </a:schemeClr>
-    </dgm:fillClrLst>
-    <dgm:linClrLst>
-      <a:schemeClr val="accent4"/>
-    </dgm:linClrLst>
-    <dgm:effectClrLst/>
-    <dgm:txLinClrLst/>
-    <dgm:txFillClrLst meth="repeat">
-      <a:schemeClr val="dk1"/>
-    </dgm:txFillClrLst>
-    <dgm:txEffectClrLst/>
-  </dgm:styleLbl>
-  <dgm:styleLbl name="fgAcc4">
-    <dgm:fillClrLst meth="repeat">
-      <a:schemeClr val="lt1">
-        <a:alpha val="90000"/>
-      </a:schemeClr>
-    </dgm:fillClrLst>
-    <dgm:linClrLst>
-      <a:schemeClr val="accent5"/>
-    </dgm:linClrLst>
-    <dgm:effectClrLst/>
-    <dgm:txLinClrLst/>
-    <dgm:txFillClrLst meth="repeat">
-      <a:schemeClr val="dk1"/>
-    </dgm:txFillClrLst>
-    <dgm:txEffectClrLst/>
-  </dgm:styleLbl>
-  <dgm:styleLbl name="bgShp">
-    <dgm:fillClrLst meth="repeat">
-      <a:schemeClr val="accent2">
-        <a:tint val="40000"/>
-      </a:schemeClr>
-    </dgm:fillClrLst>
-    <dgm:linClrLst meth="repeat">
-      <a:schemeClr val="dk1"/>
-    </dgm:linClrLst>
-    <dgm:effectClrLst/>
-    <dgm:txLinClrLst/>
-    <dgm:txFillClrLst meth="repeat">
-      <a:schemeClr val="dk1"/>
-    </dgm:txFillClrLst>
-    <dgm:txEffectClrLst/>
-  </dgm:styleLbl>
-  <dgm:styleLbl name="dkBgShp">
-    <dgm:fillClrLst meth="repeat">
-      <a:schemeClr val="accent2">
-        <a:shade val="90000"/>
-      </a:schemeClr>
-    </dgm:fillClrLst>
-    <dgm:linClrLst meth="repeat">
-      <a:schemeClr val="dk1"/>
-    </dgm:linClrLst>
-    <dgm:effectClrLst/>
-    <dgm:txLinClrLst/>
-    <dgm:txFillClrLst meth="repeat">
-      <a:schemeClr val="lt1"/>
-    </dgm:txFillClrLst>
-    <dgm:txEffectClrLst/>
-  </dgm:styleLbl>
-  <dgm:styleLbl name="trBgShp">
-    <dgm:fillClrLst meth="repeat">
-      <a:schemeClr val="accent2">
-        <a:tint val="50000"/>
-        <a:alpha val="40000"/>
-      </a:schemeClr>
-    </dgm:fillClrLst>
-    <dgm:linClrLst meth="repeat">
-      <a:schemeClr val="accent2"/>
-    </dgm:linClrLst>
-    <dgm:effectClrLst/>
-    <dgm:txLinClrLst/>
-    <dgm:txFillClrLst meth="repeat">
-      <a:schemeClr val="lt1"/>
-    </dgm:txFillClrLst>
-    <dgm:txEffectClrLst/>
-  </dgm:styleLbl>
-  <dgm:styleLbl name="fgShp">
-    <dgm:fillClrLst meth="repeat">
-      <a:schemeClr val="accent2">
-        <a:tint val="40000"/>
-      </a:schemeClr>
-    </dgm:fillClrLst>
-    <dgm:linClrLst meth="repeat">
-      <a:schemeClr val="lt1"/>
-    </dgm:linClrLst>
-    <dgm:effectClrLst/>
-    <dgm:txLinClrLst/>
-    <dgm:txFillClrLst meth="repeat">
-      <a:schemeClr val="dk1"/>
-    </dgm:txFillClrLst>
-    <dgm:txEffectClrLst/>
-  </dgm:styleLbl>
-  <dgm:styleLbl name="revTx">
-    <dgm:fillClrLst meth="repeat">
-      <a:schemeClr val="lt1">
-        <a:alpha val="0"/>
-      </a:schemeClr>
-    </dgm:fillClrLst>
-    <dgm:linClrLst meth="repeat">
-      <a:schemeClr val="dk1">
-        <a:alpha val="0"/>
-      </a:schemeClr>
-    </dgm:linClrLst>
-    <dgm:effectClrLst/>
-    <dgm:txLinClrLst/>
-    <dgm:txFillClrLst meth="repeat">
-      <a:schemeClr val="tx1"/>
-    </dgm:txFillClrLst>
-    <dgm:txEffectClrLst/>
-  </dgm:styleLbl>
-</dgm:colorsDef>
-</file>
-
-<file path=ppt/diagrams/data1.xml><?xml version="1.0" encoding="utf-8"?>
-<dgm:dataModel xmlns:dgm="http://schemas.openxmlformats.org/drawingml/2006/diagram" xmlns:a="http://schemas.openxmlformats.org/drawingml/2006/main">
-  <dgm:ptLst>
-    <dgm:pt modelId="{3F442EA2-39BA-4C9A-AD59-755D4917D532}" type="doc">
-      <dgm:prSet loTypeId="urn:microsoft.com/office/officeart/2005/8/layout/list1" loCatId="list" qsTypeId="urn:microsoft.com/office/officeart/2005/8/quickstyle/simple4" qsCatId="simple" csTypeId="urn:microsoft.com/office/officeart/2005/8/colors/colorful2" csCatId="colorful" phldr="1"/>
-      <dgm:spPr/>
-      <dgm:t>
-        <a:bodyPr/>
-        <a:lstStyle/>
-        <a:p>
-          <a:endParaRPr lang="en-US"/>
-        </a:p>
-      </dgm:t>
-    </dgm:pt>
-    <dgm:pt modelId="{4DF9FE7B-F642-4898-A360-D4E3814E1A3D}">
-      <dgm:prSet phldrT="[Text]"/>
-      <dgm:spPr/>
-      <dgm:t>
-        <a:bodyPr/>
-        <a:lstStyle/>
-        <a:p>
-          <a:r>
-            <a:rPr lang="en-US" dirty="0"/>
-            <a:t>Group A</a:t>
-          </a:r>
-        </a:p>
-      </dgm:t>
-      <dgm:extLst>
-        <a:ext uri="{E40237B7-FDA0-4F09-8148-C483321AD2D9}">
-          <dgm14:cNvPr xmlns:dgm14="http://schemas.microsoft.com/office/drawing/2010/diagram" id="0" name="" title="Group A title"/>
-        </a:ext>
-      </dgm:extLst>
-    </dgm:pt>
-    <dgm:pt modelId="{1C10F06D-860A-4604-A7AD-02E614FE3976}" type="parTrans" cxnId="{EBD8BE8D-6018-43E2-B081-034BB5656EB6}">
-      <dgm:prSet/>
-      <dgm:spPr/>
-      <dgm:t>
-        <a:bodyPr/>
-        <a:lstStyle/>
-        <a:p>
-          <a:endParaRPr lang="en-US"/>
-        </a:p>
-      </dgm:t>
-    </dgm:pt>
-    <dgm:pt modelId="{43C18EFF-81FC-4D70-8C6B-E95FF3730413}" type="sibTrans" cxnId="{EBD8BE8D-6018-43E2-B081-034BB5656EB6}">
-      <dgm:prSet/>
-      <dgm:spPr/>
-      <dgm:t>
-        <a:bodyPr/>
-        <a:lstStyle/>
-        <a:p>
-          <a:endParaRPr lang="en-US"/>
-        </a:p>
-      </dgm:t>
-    </dgm:pt>
-    <dgm:pt modelId="{EFF2750D-B4B3-474C-8B62-8B638DC31F7E}">
-      <dgm:prSet phldrT="[Text]"/>
-      <dgm:spPr/>
-      <dgm:t>
-        <a:bodyPr/>
-        <a:lstStyle/>
-        <a:p>
-          <a:r>
-            <a:rPr lang="en-US" dirty="0"/>
-            <a:t>Task 1</a:t>
-          </a:r>
-        </a:p>
-      </dgm:t>
-      <dgm:extLst>
-        <a:ext uri="{E40237B7-FDA0-4F09-8148-C483321AD2D9}">
-          <dgm14:cNvPr xmlns:dgm14="http://schemas.microsoft.com/office/drawing/2010/diagram" id="0" name="" title="task 1 and task 2 under Group A"/>
-        </a:ext>
-      </dgm:extLst>
-    </dgm:pt>
-    <dgm:pt modelId="{AEBC78E6-CDDC-4C8F-A157-3C51E907FACD}" type="parTrans" cxnId="{A058DDA2-48CA-4E5B-B389-F71A59C262B0}">
-      <dgm:prSet/>
-      <dgm:spPr/>
-      <dgm:t>
-        <a:bodyPr/>
-        <a:lstStyle/>
-        <a:p>
-          <a:endParaRPr lang="en-US"/>
-        </a:p>
-      </dgm:t>
-    </dgm:pt>
-    <dgm:pt modelId="{75C067D7-FCD2-4969-8F27-4BBDA88E75ED}" type="sibTrans" cxnId="{A058DDA2-48CA-4E5B-B389-F71A59C262B0}">
-      <dgm:prSet/>
-      <dgm:spPr/>
-      <dgm:t>
-        <a:bodyPr/>
-        <a:lstStyle/>
-        <a:p>
-          <a:endParaRPr lang="en-US"/>
-        </a:p>
-      </dgm:t>
-    </dgm:pt>
-    <dgm:pt modelId="{789CD6DB-3A68-4A41-90BD-4F0CBB3617D1}">
-      <dgm:prSet phldrT="[Text]"/>
-      <dgm:spPr/>
-      <dgm:t>
-        <a:bodyPr/>
-        <a:lstStyle/>
-        <a:p>
-          <a:r>
-            <a:rPr lang="en-US" dirty="0"/>
-            <a:t>Task 2</a:t>
-          </a:r>
-        </a:p>
-      </dgm:t>
-    </dgm:pt>
-    <dgm:pt modelId="{C0BEB5FF-8DFB-40B9-A228-C0C6097DDDC4}" type="parTrans" cxnId="{62C10234-45D3-426A-8820-4C0D1D8CBA21}">
-      <dgm:prSet/>
-      <dgm:spPr/>
-      <dgm:t>
-        <a:bodyPr/>
-        <a:lstStyle/>
-        <a:p>
-          <a:endParaRPr lang="en-US"/>
-        </a:p>
-      </dgm:t>
-    </dgm:pt>
-    <dgm:pt modelId="{1A702531-A59F-4EE2-8246-E2EB0955D8B1}" type="sibTrans" cxnId="{62C10234-45D3-426A-8820-4C0D1D8CBA21}">
-      <dgm:prSet/>
-      <dgm:spPr/>
-      <dgm:t>
-        <a:bodyPr/>
-        <a:lstStyle/>
-        <a:p>
-          <a:endParaRPr lang="en-US"/>
-        </a:p>
-      </dgm:t>
-    </dgm:pt>
-    <dgm:pt modelId="{3929B1E1-4BC4-4C73-ABE8-27CEF96A3652}">
-      <dgm:prSet phldrT="[Text]"/>
-      <dgm:spPr/>
-      <dgm:t>
-        <a:bodyPr/>
-        <a:lstStyle/>
-        <a:p>
-          <a:r>
-            <a:rPr lang="en-US" dirty="0"/>
-            <a:t>Group B</a:t>
-          </a:r>
-        </a:p>
-      </dgm:t>
-      <dgm:extLst>
-        <a:ext uri="{E40237B7-FDA0-4F09-8148-C483321AD2D9}">
-          <dgm14:cNvPr xmlns:dgm14="http://schemas.microsoft.com/office/drawing/2010/diagram" id="0" name="" title="Group B title"/>
-        </a:ext>
-      </dgm:extLst>
-    </dgm:pt>
-    <dgm:pt modelId="{F356CC76-9117-4B79-A270-BBBAFD3E9C79}" type="parTrans" cxnId="{1339090C-9A95-4C05-841C-FA3AF987601B}">
-      <dgm:prSet/>
-      <dgm:spPr/>
-      <dgm:t>
-        <a:bodyPr/>
-        <a:lstStyle/>
-        <a:p>
-          <a:endParaRPr lang="en-US"/>
-        </a:p>
-      </dgm:t>
-    </dgm:pt>
-    <dgm:pt modelId="{19BA0C22-38BB-4E9F-89D5-0FF5FF9F12CE}" type="sibTrans" cxnId="{1339090C-9A95-4C05-841C-FA3AF987601B}">
-      <dgm:prSet/>
-      <dgm:spPr/>
-      <dgm:t>
-        <a:bodyPr/>
-        <a:lstStyle/>
-        <a:p>
-          <a:endParaRPr lang="en-US"/>
-        </a:p>
-      </dgm:t>
-    </dgm:pt>
-    <dgm:pt modelId="{99E0600D-9954-43F4-8926-13B8777FAAA1}">
-      <dgm:prSet phldrT="[Text]"/>
-      <dgm:spPr/>
-      <dgm:t>
-        <a:bodyPr/>
-        <a:lstStyle/>
-        <a:p>
-          <a:r>
-            <a:rPr lang="en-US" dirty="0"/>
-            <a:t>Task 1</a:t>
-          </a:r>
-        </a:p>
-      </dgm:t>
-      <dgm:extLst>
-        <a:ext uri="{E40237B7-FDA0-4F09-8148-C483321AD2D9}">
-          <dgm14:cNvPr xmlns:dgm14="http://schemas.microsoft.com/office/drawing/2010/diagram" id="0" name="" title="task 1 and task 2 under Group B"/>
-        </a:ext>
-      </dgm:extLst>
-    </dgm:pt>
-    <dgm:pt modelId="{BE23F476-2C5C-42ED-BF2B-CD5FC7ADDDF6}" type="parTrans" cxnId="{09FCCB9D-A30A-4326-970E-26252D39327F}">
-      <dgm:prSet/>
-      <dgm:spPr/>
-      <dgm:t>
-        <a:bodyPr/>
-        <a:lstStyle/>
-        <a:p>
-          <a:endParaRPr lang="en-US"/>
-        </a:p>
-      </dgm:t>
-    </dgm:pt>
-    <dgm:pt modelId="{C44937DC-4907-4769-AA8B-1B3E7391D7B0}" type="sibTrans" cxnId="{09FCCB9D-A30A-4326-970E-26252D39327F}">
-      <dgm:prSet/>
-      <dgm:spPr/>
-      <dgm:t>
-        <a:bodyPr/>
-        <a:lstStyle/>
-        <a:p>
-          <a:endParaRPr lang="en-US"/>
-        </a:p>
-      </dgm:t>
-    </dgm:pt>
-    <dgm:pt modelId="{0791135C-9DAB-47F6-BE9C-A3E56A2DDA50}">
-      <dgm:prSet phldrT="[Text]"/>
-      <dgm:spPr/>
-      <dgm:t>
-        <a:bodyPr/>
-        <a:lstStyle/>
-        <a:p>
-          <a:r>
-            <a:rPr lang="en-US" dirty="0"/>
-            <a:t>Task 2</a:t>
-          </a:r>
-        </a:p>
-      </dgm:t>
-    </dgm:pt>
-    <dgm:pt modelId="{D6057E63-9793-4991-97C1-30FC405E95A5}" type="parTrans" cxnId="{B3B26E9A-58E5-497B-BD59-F5567958C609}">
-      <dgm:prSet/>
-      <dgm:spPr/>
-      <dgm:t>
-        <a:bodyPr/>
-        <a:lstStyle/>
-        <a:p>
-          <a:endParaRPr lang="en-US"/>
-        </a:p>
-      </dgm:t>
-    </dgm:pt>
-    <dgm:pt modelId="{B670C2A7-83CB-4F4C-BC19-A3A7C066A822}" type="sibTrans" cxnId="{B3B26E9A-58E5-497B-BD59-F5567958C609}">
-      <dgm:prSet/>
-      <dgm:spPr/>
-      <dgm:t>
-        <a:bodyPr/>
-        <a:lstStyle/>
-        <a:p>
-          <a:endParaRPr lang="en-US"/>
-        </a:p>
-      </dgm:t>
-    </dgm:pt>
-    <dgm:pt modelId="{60CDF8D0-D4FC-4467-A51E-79C5A58B0B2C}">
-      <dgm:prSet phldrT="[Text]"/>
-      <dgm:spPr/>
-      <dgm:t>
-        <a:bodyPr/>
-        <a:lstStyle/>
-        <a:p>
-          <a:r>
-            <a:rPr lang="en-US" dirty="0"/>
-            <a:t>Group C</a:t>
-          </a:r>
-        </a:p>
-      </dgm:t>
-      <dgm:extLst>
-        <a:ext uri="{E40237B7-FDA0-4F09-8148-C483321AD2D9}">
-          <dgm14:cNvPr xmlns:dgm14="http://schemas.microsoft.com/office/drawing/2010/diagram" id="0" name="" title="Group C title"/>
-        </a:ext>
-      </dgm:extLst>
-    </dgm:pt>
-    <dgm:pt modelId="{E12A269F-AB82-486A-9077-80F2BBBE48C2}" type="parTrans" cxnId="{2BA65DEC-E719-4ED3-8135-48349D42DD04}">
-      <dgm:prSet/>
-      <dgm:spPr/>
-      <dgm:t>
-        <a:bodyPr/>
-        <a:lstStyle/>
-        <a:p>
-          <a:endParaRPr lang="en-US"/>
-        </a:p>
-      </dgm:t>
-    </dgm:pt>
-    <dgm:pt modelId="{3F7FD59D-A716-4310-A89A-AB6F740D9FFF}" type="sibTrans" cxnId="{2BA65DEC-E719-4ED3-8135-48349D42DD04}">
-      <dgm:prSet/>
-      <dgm:spPr/>
-      <dgm:t>
-        <a:bodyPr/>
-        <a:lstStyle/>
-        <a:p>
-          <a:endParaRPr lang="en-US"/>
-        </a:p>
-      </dgm:t>
-    </dgm:pt>
-    <dgm:pt modelId="{50629C12-7464-4473-ADEF-1A284F8A9957}">
-      <dgm:prSet phldrT="[Text]"/>
-      <dgm:spPr/>
-      <dgm:t>
-        <a:bodyPr/>
-        <a:lstStyle/>
-        <a:p>
-          <a:r>
-            <a:rPr lang="en-US" dirty="0"/>
-            <a:t>Task 1</a:t>
-          </a:r>
-        </a:p>
-      </dgm:t>
-      <dgm:extLst>
-        <a:ext uri="{E40237B7-FDA0-4F09-8148-C483321AD2D9}">
-          <dgm14:cNvPr xmlns:dgm14="http://schemas.microsoft.com/office/drawing/2010/diagram" id="0" name="" title="task 1 and task 2 under Group C"/>
-        </a:ext>
-      </dgm:extLst>
-    </dgm:pt>
-    <dgm:pt modelId="{9D1CB46C-0CFA-4B27-9224-267431FBD094}" type="parTrans" cxnId="{1D32FCC9-657C-4348-9C0D-52115D559FEB}">
-      <dgm:prSet/>
-      <dgm:spPr/>
-      <dgm:t>
-        <a:bodyPr/>
-        <a:lstStyle/>
-        <a:p>
-          <a:endParaRPr lang="en-US"/>
-        </a:p>
-      </dgm:t>
-    </dgm:pt>
-    <dgm:pt modelId="{4576BCC5-0598-4332-A2E7-87AC3ADD4EB8}" type="sibTrans" cxnId="{1D32FCC9-657C-4348-9C0D-52115D559FEB}">
-      <dgm:prSet/>
-      <dgm:spPr/>
-      <dgm:t>
-        <a:bodyPr/>
-        <a:lstStyle/>
-        <a:p>
-          <a:endParaRPr lang="en-US"/>
-        </a:p>
-      </dgm:t>
-    </dgm:pt>
-    <dgm:pt modelId="{6C12717A-C427-4676-85CC-D57DEB43FFB3}">
-      <dgm:prSet phldrT="[Text]"/>
-      <dgm:spPr/>
-      <dgm:t>
-        <a:bodyPr/>
-        <a:lstStyle/>
-        <a:p>
-          <a:r>
-            <a:rPr lang="en-US" dirty="0"/>
-            <a:t>Task 2</a:t>
-          </a:r>
-        </a:p>
-      </dgm:t>
-      <dgm:extLst/>
-    </dgm:pt>
-    <dgm:pt modelId="{3E75B972-4410-4FD9-A98E-C4213800B2B2}" type="parTrans" cxnId="{8318B367-F065-4A81-A66B-17D3F0534E7C}">
-      <dgm:prSet/>
-      <dgm:spPr/>
-      <dgm:t>
-        <a:bodyPr/>
-        <a:lstStyle/>
-        <a:p>
-          <a:endParaRPr lang="en-US"/>
-        </a:p>
-      </dgm:t>
-    </dgm:pt>
-    <dgm:pt modelId="{07FEAF71-3425-4DA9-8482-9A26484C4E31}" type="sibTrans" cxnId="{8318B367-F065-4A81-A66B-17D3F0534E7C}">
-      <dgm:prSet/>
-      <dgm:spPr/>
-      <dgm:t>
-        <a:bodyPr/>
-        <a:lstStyle/>
-        <a:p>
-          <a:endParaRPr lang="en-US"/>
-        </a:p>
-      </dgm:t>
-    </dgm:pt>
-    <dgm:pt modelId="{14684AA3-854C-4F22-B102-C48C278E4B3D}" type="pres">
-      <dgm:prSet presAssocID="{3F442EA2-39BA-4C9A-AD59-755D4917D532}" presName="linear" presStyleCnt="0">
-        <dgm:presLayoutVars>
-          <dgm:dir/>
-          <dgm:animLvl val="lvl"/>
-          <dgm:resizeHandles val="exact"/>
-        </dgm:presLayoutVars>
-      </dgm:prSet>
-      <dgm:spPr/>
-    </dgm:pt>
-    <dgm:pt modelId="{6FF7C20C-B4DB-41EA-8122-C4F988DA694D}" type="pres">
-      <dgm:prSet presAssocID="{4DF9FE7B-F642-4898-A360-D4E3814E1A3D}" presName="parentLin" presStyleCnt="0"/>
-      <dgm:spPr/>
-    </dgm:pt>
-    <dgm:pt modelId="{2DC2F2DB-1CF5-43F3-816C-4FEB86861684}" type="pres">
-      <dgm:prSet presAssocID="{4DF9FE7B-F642-4898-A360-D4E3814E1A3D}" presName="parentLeftMargin" presStyleLbl="node1" presStyleIdx="0" presStyleCnt="3"/>
-      <dgm:spPr/>
-    </dgm:pt>
-    <dgm:pt modelId="{4F6431BA-E268-4E6C-BA89-FFF0C9BEFF7B}" type="pres">
-      <dgm:prSet presAssocID="{4DF9FE7B-F642-4898-A360-D4E3814E1A3D}" presName="parentText" presStyleLbl="node1" presStyleIdx="0" presStyleCnt="3">
-        <dgm:presLayoutVars>
-          <dgm:chMax val="0"/>
-          <dgm:bulletEnabled val="1"/>
-        </dgm:presLayoutVars>
-      </dgm:prSet>
-      <dgm:spPr/>
-    </dgm:pt>
-    <dgm:pt modelId="{6EFFE074-9A21-496C-ACB8-75E26A4830D6}" type="pres">
-      <dgm:prSet presAssocID="{4DF9FE7B-F642-4898-A360-D4E3814E1A3D}" presName="negativeSpace" presStyleCnt="0"/>
-      <dgm:spPr/>
-    </dgm:pt>
-    <dgm:pt modelId="{B41B2430-42E1-4A56-B7F2-00B7E7586DC3}" type="pres">
-      <dgm:prSet presAssocID="{4DF9FE7B-F642-4898-A360-D4E3814E1A3D}" presName="childText" presStyleLbl="conFgAcc1" presStyleIdx="0" presStyleCnt="3">
-        <dgm:presLayoutVars>
-          <dgm:bulletEnabled val="1"/>
-        </dgm:presLayoutVars>
-      </dgm:prSet>
-      <dgm:spPr/>
-    </dgm:pt>
-    <dgm:pt modelId="{4B288B39-84AE-4A8B-909C-56B4427472E5}" type="pres">
-      <dgm:prSet presAssocID="{43C18EFF-81FC-4D70-8C6B-E95FF3730413}" presName="spaceBetweenRectangles" presStyleCnt="0"/>
-      <dgm:spPr/>
-    </dgm:pt>
-    <dgm:pt modelId="{A8C431C7-A4E9-4C73-9291-D23F53A1C9F0}" type="pres">
-      <dgm:prSet presAssocID="{3929B1E1-4BC4-4C73-ABE8-27CEF96A3652}" presName="parentLin" presStyleCnt="0"/>
-      <dgm:spPr/>
-    </dgm:pt>
-    <dgm:pt modelId="{BD5F6CCD-DEED-4C50-A91E-4377EC956198}" type="pres">
-      <dgm:prSet presAssocID="{3929B1E1-4BC4-4C73-ABE8-27CEF96A3652}" presName="parentLeftMargin" presStyleLbl="node1" presStyleIdx="0" presStyleCnt="3"/>
-      <dgm:spPr/>
-    </dgm:pt>
-    <dgm:pt modelId="{8B95F1A1-DE88-4530-AB60-61A43EB4B743}" type="pres">
-      <dgm:prSet presAssocID="{3929B1E1-4BC4-4C73-ABE8-27CEF96A3652}" presName="parentText" presStyleLbl="node1" presStyleIdx="1" presStyleCnt="3">
-        <dgm:presLayoutVars>
-          <dgm:chMax val="0"/>
-          <dgm:bulletEnabled val="1"/>
-        </dgm:presLayoutVars>
-      </dgm:prSet>
-      <dgm:spPr/>
-    </dgm:pt>
-    <dgm:pt modelId="{98CCCCD6-5406-49A0-868A-D0C27F0870B6}" type="pres">
-      <dgm:prSet presAssocID="{3929B1E1-4BC4-4C73-ABE8-27CEF96A3652}" presName="negativeSpace" presStyleCnt="0"/>
-      <dgm:spPr/>
-    </dgm:pt>
-    <dgm:pt modelId="{5A82E6E5-86A0-475F-85E6-D325240A867A}" type="pres">
-      <dgm:prSet presAssocID="{3929B1E1-4BC4-4C73-ABE8-27CEF96A3652}" presName="childText" presStyleLbl="conFgAcc1" presStyleIdx="1" presStyleCnt="3">
-        <dgm:presLayoutVars>
-          <dgm:bulletEnabled val="1"/>
-        </dgm:presLayoutVars>
-      </dgm:prSet>
-      <dgm:spPr/>
-    </dgm:pt>
-    <dgm:pt modelId="{F50616FC-4502-4174-A972-F72050805BC1}" type="pres">
-      <dgm:prSet presAssocID="{19BA0C22-38BB-4E9F-89D5-0FF5FF9F12CE}" presName="spaceBetweenRectangles" presStyleCnt="0"/>
-      <dgm:spPr/>
-    </dgm:pt>
-    <dgm:pt modelId="{39DC2226-372F-4EE1-8257-F4C3B257309C}" type="pres">
-      <dgm:prSet presAssocID="{60CDF8D0-D4FC-4467-A51E-79C5A58B0B2C}" presName="parentLin" presStyleCnt="0"/>
-      <dgm:spPr/>
-    </dgm:pt>
-    <dgm:pt modelId="{48A215CB-F70B-48FA-997A-620A6834D116}" type="pres">
-      <dgm:prSet presAssocID="{60CDF8D0-D4FC-4467-A51E-79C5A58B0B2C}" presName="parentLeftMargin" presStyleLbl="node1" presStyleIdx="1" presStyleCnt="3"/>
-      <dgm:spPr/>
-    </dgm:pt>
-    <dgm:pt modelId="{E64E0815-54DA-43E1-9642-8F5153B8E00B}" type="pres">
-      <dgm:prSet presAssocID="{60CDF8D0-D4FC-4467-A51E-79C5A58B0B2C}" presName="parentText" presStyleLbl="node1" presStyleIdx="2" presStyleCnt="3">
-        <dgm:presLayoutVars>
-          <dgm:chMax val="0"/>
-          <dgm:bulletEnabled val="1"/>
-        </dgm:presLayoutVars>
-      </dgm:prSet>
-      <dgm:spPr/>
-    </dgm:pt>
-    <dgm:pt modelId="{0B96325C-8EBF-4248-9F38-C24034C1A6AF}" type="pres">
-      <dgm:prSet presAssocID="{60CDF8D0-D4FC-4467-A51E-79C5A58B0B2C}" presName="negativeSpace" presStyleCnt="0"/>
-      <dgm:spPr/>
-    </dgm:pt>
-    <dgm:pt modelId="{03C3B6C2-1763-4790-9A37-BA583B2A18C8}" type="pres">
-      <dgm:prSet presAssocID="{60CDF8D0-D4FC-4467-A51E-79C5A58B0B2C}" presName="childText" presStyleLbl="conFgAcc1" presStyleIdx="2" presStyleCnt="3">
-        <dgm:presLayoutVars>
-          <dgm:bulletEnabled val="1"/>
-        </dgm:presLayoutVars>
-      </dgm:prSet>
-      <dgm:spPr/>
-    </dgm:pt>
-  </dgm:ptLst>
-  <dgm:cxnLst>
-    <dgm:cxn modelId="{36E53D03-580A-4DEE-B752-52E2123A392F}" type="presOf" srcId="{60CDF8D0-D4FC-4467-A51E-79C5A58B0B2C}" destId="{E64E0815-54DA-43E1-9642-8F5153B8E00B}" srcOrd="1" destOrd="0" presId="urn:microsoft.com/office/officeart/2005/8/layout/list1"/>
-    <dgm:cxn modelId="{1339090C-9A95-4C05-841C-FA3AF987601B}" srcId="{3F442EA2-39BA-4C9A-AD59-755D4917D532}" destId="{3929B1E1-4BC4-4C73-ABE8-27CEF96A3652}" srcOrd="1" destOrd="0" parTransId="{F356CC76-9117-4B79-A270-BBBAFD3E9C79}" sibTransId="{19BA0C22-38BB-4E9F-89D5-0FF5FF9F12CE}"/>
-    <dgm:cxn modelId="{6E67910C-F58F-4F90-8E77-EEA220F145F6}" type="presOf" srcId="{99E0600D-9954-43F4-8926-13B8777FAAA1}" destId="{5A82E6E5-86A0-475F-85E6-D325240A867A}" srcOrd="0" destOrd="0" presId="urn:microsoft.com/office/officeart/2005/8/layout/list1"/>
-    <dgm:cxn modelId="{43207A10-DB15-4A8D-9508-23F2D97F3411}" type="presOf" srcId="{4DF9FE7B-F642-4898-A360-D4E3814E1A3D}" destId="{4F6431BA-E268-4E6C-BA89-FFF0C9BEFF7B}" srcOrd="1" destOrd="0" presId="urn:microsoft.com/office/officeart/2005/8/layout/list1"/>
-    <dgm:cxn modelId="{AA9D242C-1CCA-466E-A1DE-4AA2EBAFEF92}" type="presOf" srcId="{4DF9FE7B-F642-4898-A360-D4E3814E1A3D}" destId="{2DC2F2DB-1CF5-43F3-816C-4FEB86861684}" srcOrd="0" destOrd="0" presId="urn:microsoft.com/office/officeart/2005/8/layout/list1"/>
-    <dgm:cxn modelId="{A7868933-E160-4484-81F0-5AB058E81092}" type="presOf" srcId="{3F442EA2-39BA-4C9A-AD59-755D4917D532}" destId="{14684AA3-854C-4F22-B102-C48C278E4B3D}" srcOrd="0" destOrd="0" presId="urn:microsoft.com/office/officeart/2005/8/layout/list1"/>
-    <dgm:cxn modelId="{62C10234-45D3-426A-8820-4C0D1D8CBA21}" srcId="{4DF9FE7B-F642-4898-A360-D4E3814E1A3D}" destId="{789CD6DB-3A68-4A41-90BD-4F0CBB3617D1}" srcOrd="1" destOrd="0" parTransId="{C0BEB5FF-8DFB-40B9-A228-C0C6097DDDC4}" sibTransId="{1A702531-A59F-4EE2-8246-E2EB0955D8B1}"/>
-    <dgm:cxn modelId="{8318B367-F065-4A81-A66B-17D3F0534E7C}" srcId="{60CDF8D0-D4FC-4467-A51E-79C5A58B0B2C}" destId="{6C12717A-C427-4676-85CC-D57DEB43FFB3}" srcOrd="1" destOrd="0" parTransId="{3E75B972-4410-4FD9-A98E-C4213800B2B2}" sibTransId="{07FEAF71-3425-4DA9-8482-9A26484C4E31}"/>
-    <dgm:cxn modelId="{A7A3506B-7C90-430C-A1CB-E88B986A5FF1}" type="presOf" srcId="{50629C12-7464-4473-ADEF-1A284F8A9957}" destId="{03C3B6C2-1763-4790-9A37-BA583B2A18C8}" srcOrd="0" destOrd="0" presId="urn:microsoft.com/office/officeart/2005/8/layout/list1"/>
-    <dgm:cxn modelId="{D916DD4D-0B61-4F86-8942-741B59922B83}" type="presOf" srcId="{6C12717A-C427-4676-85CC-D57DEB43FFB3}" destId="{03C3B6C2-1763-4790-9A37-BA583B2A18C8}" srcOrd="0" destOrd="1" presId="urn:microsoft.com/office/officeart/2005/8/layout/list1"/>
-    <dgm:cxn modelId="{D2AD0F59-23CE-4550-AC15-1205536AD3DD}" type="presOf" srcId="{789CD6DB-3A68-4A41-90BD-4F0CBB3617D1}" destId="{B41B2430-42E1-4A56-B7F2-00B7E7586DC3}" srcOrd="0" destOrd="1" presId="urn:microsoft.com/office/officeart/2005/8/layout/list1"/>
-    <dgm:cxn modelId="{212DF689-93AC-4709-9FF9-0D6E1447F76C}" type="presOf" srcId="{3929B1E1-4BC4-4C73-ABE8-27CEF96A3652}" destId="{8B95F1A1-DE88-4530-AB60-61A43EB4B743}" srcOrd="1" destOrd="0" presId="urn:microsoft.com/office/officeart/2005/8/layout/list1"/>
-    <dgm:cxn modelId="{EBD8BE8D-6018-43E2-B081-034BB5656EB6}" srcId="{3F442EA2-39BA-4C9A-AD59-755D4917D532}" destId="{4DF9FE7B-F642-4898-A360-D4E3814E1A3D}" srcOrd="0" destOrd="0" parTransId="{1C10F06D-860A-4604-A7AD-02E614FE3976}" sibTransId="{43C18EFF-81FC-4D70-8C6B-E95FF3730413}"/>
-    <dgm:cxn modelId="{2BC6E399-88E2-44D4-8583-F4976C19B1D7}" type="presOf" srcId="{0791135C-9DAB-47F6-BE9C-A3E56A2DDA50}" destId="{5A82E6E5-86A0-475F-85E6-D325240A867A}" srcOrd="0" destOrd="1" presId="urn:microsoft.com/office/officeart/2005/8/layout/list1"/>
-    <dgm:cxn modelId="{B3B26E9A-58E5-497B-BD59-F5567958C609}" srcId="{3929B1E1-4BC4-4C73-ABE8-27CEF96A3652}" destId="{0791135C-9DAB-47F6-BE9C-A3E56A2DDA50}" srcOrd="1" destOrd="0" parTransId="{D6057E63-9793-4991-97C1-30FC405E95A5}" sibTransId="{B670C2A7-83CB-4F4C-BC19-A3A7C066A822}"/>
-    <dgm:cxn modelId="{09FCCB9D-A30A-4326-970E-26252D39327F}" srcId="{3929B1E1-4BC4-4C73-ABE8-27CEF96A3652}" destId="{99E0600D-9954-43F4-8926-13B8777FAAA1}" srcOrd="0" destOrd="0" parTransId="{BE23F476-2C5C-42ED-BF2B-CD5FC7ADDDF6}" sibTransId="{C44937DC-4907-4769-AA8B-1B3E7391D7B0}"/>
-    <dgm:cxn modelId="{A058DDA2-48CA-4E5B-B389-F71A59C262B0}" srcId="{4DF9FE7B-F642-4898-A360-D4E3814E1A3D}" destId="{EFF2750D-B4B3-474C-8B62-8B638DC31F7E}" srcOrd="0" destOrd="0" parTransId="{AEBC78E6-CDDC-4C8F-A157-3C51E907FACD}" sibTransId="{75C067D7-FCD2-4969-8F27-4BBDA88E75ED}"/>
-    <dgm:cxn modelId="{1D32FCC9-657C-4348-9C0D-52115D559FEB}" srcId="{60CDF8D0-D4FC-4467-A51E-79C5A58B0B2C}" destId="{50629C12-7464-4473-ADEF-1A284F8A9957}" srcOrd="0" destOrd="0" parTransId="{9D1CB46C-0CFA-4B27-9224-267431FBD094}" sibTransId="{4576BCC5-0598-4332-A2E7-87AC3ADD4EB8}"/>
-    <dgm:cxn modelId="{4A0AC0CD-FB41-45B7-8FE9-DBB6CC5B5855}" type="presOf" srcId="{60CDF8D0-D4FC-4467-A51E-79C5A58B0B2C}" destId="{48A215CB-F70B-48FA-997A-620A6834D116}" srcOrd="0" destOrd="0" presId="urn:microsoft.com/office/officeart/2005/8/layout/list1"/>
-    <dgm:cxn modelId="{374C5BD0-9B47-4CFC-ABA8-D97B340654A3}" type="presOf" srcId="{3929B1E1-4BC4-4C73-ABE8-27CEF96A3652}" destId="{BD5F6CCD-DEED-4C50-A91E-4377EC956198}" srcOrd="0" destOrd="0" presId="urn:microsoft.com/office/officeart/2005/8/layout/list1"/>
-    <dgm:cxn modelId="{2BA65DEC-E719-4ED3-8135-48349D42DD04}" srcId="{3F442EA2-39BA-4C9A-AD59-755D4917D532}" destId="{60CDF8D0-D4FC-4467-A51E-79C5A58B0B2C}" srcOrd="2" destOrd="0" parTransId="{E12A269F-AB82-486A-9077-80F2BBBE48C2}" sibTransId="{3F7FD59D-A716-4310-A89A-AB6F740D9FFF}"/>
-    <dgm:cxn modelId="{20F1E5ED-D04F-419E-B9B1-0485A4C84CE5}" type="presOf" srcId="{EFF2750D-B4B3-474C-8B62-8B638DC31F7E}" destId="{B41B2430-42E1-4A56-B7F2-00B7E7586DC3}" srcOrd="0" destOrd="0" presId="urn:microsoft.com/office/officeart/2005/8/layout/list1"/>
-    <dgm:cxn modelId="{C57D609F-D41A-481D-A248-A49D8E4FA935}" type="presParOf" srcId="{14684AA3-854C-4F22-B102-C48C278E4B3D}" destId="{6FF7C20C-B4DB-41EA-8122-C4F988DA694D}" srcOrd="0" destOrd="0" presId="urn:microsoft.com/office/officeart/2005/8/layout/list1"/>
-    <dgm:cxn modelId="{280508DB-9424-426E-A208-4D51D86D492F}" type="presParOf" srcId="{6FF7C20C-B4DB-41EA-8122-C4F988DA694D}" destId="{2DC2F2DB-1CF5-43F3-816C-4FEB86861684}" srcOrd="0" destOrd="0" presId="urn:microsoft.com/office/officeart/2005/8/layout/list1"/>
-    <dgm:cxn modelId="{30619381-1942-42E8-8E1D-6DDCE1E3CC48}" type="presParOf" srcId="{6FF7C20C-B4DB-41EA-8122-C4F988DA694D}" destId="{4F6431BA-E268-4E6C-BA89-FFF0C9BEFF7B}" srcOrd="1" destOrd="0" presId="urn:microsoft.com/office/officeart/2005/8/layout/list1"/>
-    <dgm:cxn modelId="{6884946A-C087-4C57-8EA3-381FED5881BA}" type="presParOf" srcId="{14684AA3-854C-4F22-B102-C48C278E4B3D}" destId="{6EFFE074-9A21-496C-ACB8-75E26A4830D6}" srcOrd="1" destOrd="0" presId="urn:microsoft.com/office/officeart/2005/8/layout/list1"/>
-    <dgm:cxn modelId="{CBF1902C-5712-4030-A180-B5A2124D2B6C}" type="presParOf" srcId="{14684AA3-854C-4F22-B102-C48C278E4B3D}" destId="{B41B2430-42E1-4A56-B7F2-00B7E7586DC3}" srcOrd="2" destOrd="0" presId="urn:microsoft.com/office/officeart/2005/8/layout/list1"/>
-    <dgm:cxn modelId="{10E80DCF-18FD-47F8-B732-938909F74D1A}" type="presParOf" srcId="{14684AA3-854C-4F22-B102-C48C278E4B3D}" destId="{4B288B39-84AE-4A8B-909C-56B4427472E5}" srcOrd="3" destOrd="0" presId="urn:microsoft.com/office/officeart/2005/8/layout/list1"/>
-    <dgm:cxn modelId="{968982D3-299D-4333-AA00-F4EBC8075E17}" type="presParOf" srcId="{14684AA3-854C-4F22-B102-C48C278E4B3D}" destId="{A8C431C7-A4E9-4C73-9291-D23F53A1C9F0}" srcOrd="4" destOrd="0" presId="urn:microsoft.com/office/officeart/2005/8/layout/list1"/>
-    <dgm:cxn modelId="{DA85BA93-358F-44D8-AD76-B54D6C8F9B29}" type="presParOf" srcId="{A8C431C7-A4E9-4C73-9291-D23F53A1C9F0}" destId="{BD5F6CCD-DEED-4C50-A91E-4377EC956198}" srcOrd="0" destOrd="0" presId="urn:microsoft.com/office/officeart/2005/8/layout/list1"/>
-    <dgm:cxn modelId="{376DE953-739B-4C0A-8170-6EC1A7BE7FAB}" type="presParOf" srcId="{A8C431C7-A4E9-4C73-9291-D23F53A1C9F0}" destId="{8B95F1A1-DE88-4530-AB60-61A43EB4B743}" srcOrd="1" destOrd="0" presId="urn:microsoft.com/office/officeart/2005/8/layout/list1"/>
-    <dgm:cxn modelId="{0EDC2434-8776-4013-A338-84D8064EF050}" type="presParOf" srcId="{14684AA3-854C-4F22-B102-C48C278E4B3D}" destId="{98CCCCD6-5406-49A0-868A-D0C27F0870B6}" srcOrd="5" destOrd="0" presId="urn:microsoft.com/office/officeart/2005/8/layout/list1"/>
-    <dgm:cxn modelId="{55D3F02D-E607-484A-9C5B-96EC7CE0E2F2}" type="presParOf" srcId="{14684AA3-854C-4F22-B102-C48C278E4B3D}" destId="{5A82E6E5-86A0-475F-85E6-D325240A867A}" srcOrd="6" destOrd="0" presId="urn:microsoft.com/office/officeart/2005/8/layout/list1"/>
-    <dgm:cxn modelId="{131474E7-A334-4C50-B383-52C80914341C}" type="presParOf" srcId="{14684AA3-854C-4F22-B102-C48C278E4B3D}" destId="{F50616FC-4502-4174-A972-F72050805BC1}" srcOrd="7" destOrd="0" presId="urn:microsoft.com/office/officeart/2005/8/layout/list1"/>
-    <dgm:cxn modelId="{2FDF9586-6806-402C-AC75-143417E3F41F}" type="presParOf" srcId="{14684AA3-854C-4F22-B102-C48C278E4B3D}" destId="{39DC2226-372F-4EE1-8257-F4C3B257309C}" srcOrd="8" destOrd="0" presId="urn:microsoft.com/office/officeart/2005/8/layout/list1"/>
-    <dgm:cxn modelId="{8668CE41-9FF3-4127-9BDD-B935E50C8A40}" type="presParOf" srcId="{39DC2226-372F-4EE1-8257-F4C3B257309C}" destId="{48A215CB-F70B-48FA-997A-620A6834D116}" srcOrd="0" destOrd="0" presId="urn:microsoft.com/office/officeart/2005/8/layout/list1"/>
-    <dgm:cxn modelId="{A2F277AD-6B5A-4176-A30C-5D45BC6FD851}" type="presParOf" srcId="{39DC2226-372F-4EE1-8257-F4C3B257309C}" destId="{E64E0815-54DA-43E1-9642-8F5153B8E00B}" srcOrd="1" destOrd="0" presId="urn:microsoft.com/office/officeart/2005/8/layout/list1"/>
-    <dgm:cxn modelId="{79CDAE8B-0717-4057-A980-40B49400C101}" type="presParOf" srcId="{14684AA3-854C-4F22-B102-C48C278E4B3D}" destId="{0B96325C-8EBF-4248-9F38-C24034C1A6AF}" srcOrd="9" destOrd="0" presId="urn:microsoft.com/office/officeart/2005/8/layout/list1"/>
-    <dgm:cxn modelId="{D241E28D-FF5B-4783-83BF-EE2EB252C5EB}" type="presParOf" srcId="{14684AA3-854C-4F22-B102-C48C278E4B3D}" destId="{03C3B6C2-1763-4790-9A37-BA583B2A18C8}" srcOrd="10" destOrd="0" presId="urn:microsoft.com/office/officeart/2005/8/layout/list1"/>
-  </dgm:cxnLst>
-  <dgm:bg/>
-  <dgm:whole/>
-  <dgm:extLst>
-    <a:ext uri="http://schemas.microsoft.com/office/drawing/2008/diagram">
-      <dsp:dataModelExt xmlns:dsp="http://schemas.microsoft.com/office/drawing/2008/diagram" relId="rId6" minVer="http://schemas.openxmlformats.org/drawingml/2006/diagram"/>
-    </a:ext>
-  </dgm:extLst>
-</dgm:dataModel>
-</file>
-
-<file path=ppt/diagrams/drawing1.xml><?xml version="1.0" encoding="utf-8"?>
-<dsp:drawing xmlns:dgm="http://schemas.openxmlformats.org/drawingml/2006/diagram" xmlns:dsp="http://schemas.microsoft.com/office/drawing/2008/diagram" xmlns:a="http://schemas.openxmlformats.org/drawingml/2006/main">
-  <dsp:spTree>
-    <dsp:nvGrpSpPr>
-      <dsp:cNvPr id="0" name=""/>
-      <dsp:cNvGrpSpPr/>
-    </dsp:nvGrpSpPr>
-    <dsp:grpSpPr/>
-    <dsp:sp modelId="{B41B2430-42E1-4A56-B7F2-00B7E7586DC3}">
-      <dsp:nvSpPr>
-        <dsp:cNvPr id="0" name=""/>
-        <dsp:cNvSpPr/>
-      </dsp:nvSpPr>
-      <dsp:spPr>
-        <a:xfrm>
-          <a:off x="0" y="306380"/>
-          <a:ext cx="5384800" cy="1134000"/>
-        </a:xfrm>
-        <a:prstGeom prst="rect">
-          <a:avLst/>
-        </a:prstGeom>
-        <a:solidFill>
-          <a:schemeClr val="lt1">
-            <a:alpha val="90000"/>
-            <a:hueOff val="0"/>
-            <a:satOff val="0"/>
-            <a:lumOff val="0"/>
-            <a:alphaOff val="0"/>
-          </a:schemeClr>
-        </a:solidFill>
-        <a:ln w="12700" cap="flat" cmpd="sng" algn="ctr">
-          <a:solidFill>
-            <a:schemeClr val="accent2">
-              <a:hueOff val="0"/>
-              <a:satOff val="0"/>
-              <a:lumOff val="0"/>
-              <a:alphaOff val="0"/>
-            </a:schemeClr>
-          </a:solidFill>
-          <a:prstDash val="solid"/>
-        </a:ln>
-        <a:effectLst/>
-      </dsp:spPr>
-      <dsp:style>
-        <a:lnRef idx="1">
-          <a:scrgbClr r="0" g="0" b="0"/>
-        </a:lnRef>
-        <a:fillRef idx="1">
-          <a:scrgbClr r="0" g="0" b="0"/>
-        </a:fillRef>
-        <a:effectRef idx="0">
-          <a:scrgbClr r="0" g="0" b="0"/>
-        </a:effectRef>
-        <a:fontRef idx="minor"/>
-      </dsp:style>
-      <dsp:txBody>
-        <a:bodyPr spcFirstLastPara="0" vert="horz" wrap="square" lIns="417920" tIns="416560" rIns="417920" bIns="142240" numCol="1" spcCol="1270" anchor="t" anchorCtr="0">
-          <a:noAutofit/>
-        </a:bodyPr>
-        <a:lstStyle/>
-        <a:p>
-          <a:pPr marL="228600" lvl="1" indent="-228600" algn="l" defTabSz="889000">
-            <a:lnSpc>
-              <a:spcPct val="90000"/>
-            </a:lnSpc>
-            <a:spcBef>
-              <a:spcPct val="0"/>
-            </a:spcBef>
-            <a:spcAft>
-              <a:spcPct val="15000"/>
-            </a:spcAft>
-            <a:buChar char="•"/>
-          </a:pPr>
-          <a:r>
-            <a:rPr lang="en-US" sz="2000" kern="1200" dirty="0"/>
-            <a:t>Task 1</a:t>
-          </a:r>
-        </a:p>
-        <a:p>
-          <a:pPr marL="228600" lvl="1" indent="-228600" algn="l" defTabSz="889000">
-            <a:lnSpc>
-              <a:spcPct val="90000"/>
-            </a:lnSpc>
-            <a:spcBef>
-              <a:spcPct val="0"/>
-            </a:spcBef>
-            <a:spcAft>
-              <a:spcPct val="15000"/>
-            </a:spcAft>
-            <a:buChar char="•"/>
-          </a:pPr>
-          <a:r>
-            <a:rPr lang="en-US" sz="2000" kern="1200" dirty="0"/>
-            <a:t>Task 2</a:t>
-          </a:r>
-        </a:p>
-      </dsp:txBody>
-      <dsp:txXfrm>
-        <a:off x="0" y="306380"/>
-        <a:ext cx="5384800" cy="1134000"/>
-      </dsp:txXfrm>
-    </dsp:sp>
-    <dsp:sp modelId="{4F6431BA-E268-4E6C-BA89-FFF0C9BEFF7B}">
-      <dsp:nvSpPr>
-        <dsp:cNvPr id="0" name=""/>
-        <dsp:cNvSpPr/>
-      </dsp:nvSpPr>
-      <dsp:spPr>
-        <a:xfrm>
-          <a:off x="269240" y="11180"/>
-          <a:ext cx="3769360" cy="590400"/>
-        </a:xfrm>
-        <a:prstGeom prst="roundRect">
-          <a:avLst/>
-        </a:prstGeom>
-        <a:gradFill rotWithShape="0">
-          <a:gsLst>
-            <a:gs pos="0">
-              <a:schemeClr val="accent2">
-                <a:hueOff val="0"/>
-                <a:satOff val="0"/>
-                <a:lumOff val="0"/>
-                <a:alphaOff val="0"/>
-                <a:shade val="15000"/>
-                <a:satMod val="180000"/>
-              </a:schemeClr>
-            </a:gs>
-            <a:gs pos="50000">
-              <a:schemeClr val="accent2">
-                <a:hueOff val="0"/>
-                <a:satOff val="0"/>
-                <a:lumOff val="0"/>
-                <a:alphaOff val="0"/>
-                <a:shade val="45000"/>
-                <a:satMod val="170000"/>
-              </a:schemeClr>
-            </a:gs>
-            <a:gs pos="70000">
-              <a:schemeClr val="accent2">
-                <a:hueOff val="0"/>
-                <a:satOff val="0"/>
-                <a:lumOff val="0"/>
-                <a:alphaOff val="0"/>
-                <a:tint val="99000"/>
-                <a:shade val="65000"/>
-                <a:satMod val="155000"/>
-              </a:schemeClr>
-            </a:gs>
-            <a:gs pos="100000">
-              <a:schemeClr val="accent2">
-                <a:hueOff val="0"/>
-                <a:satOff val="0"/>
-                <a:lumOff val="0"/>
-                <a:alphaOff val="0"/>
-                <a:tint val="95500"/>
-                <a:shade val="100000"/>
-                <a:satMod val="155000"/>
-              </a:schemeClr>
-            </a:gs>
-          </a:gsLst>
-          <a:lin ang="16200000" scaled="0"/>
-        </a:gradFill>
-        <a:ln>
-          <a:noFill/>
-        </a:ln>
-        <a:effectLst>
-          <a:outerShdw blurRad="50800" dist="38100" dir="5400000" rotWithShape="0">
-            <a:srgbClr val="000000">
-              <a:alpha val="35000"/>
-            </a:srgbClr>
-          </a:outerShdw>
-        </a:effectLst>
-      </dsp:spPr>
-      <dsp:style>
-        <a:lnRef idx="0">
-          <a:scrgbClr r="0" g="0" b="0"/>
-        </a:lnRef>
-        <a:fillRef idx="3">
-          <a:scrgbClr r="0" g="0" b="0"/>
-        </a:fillRef>
-        <a:effectRef idx="2">
-          <a:scrgbClr r="0" g="0" b="0"/>
-        </a:effectRef>
-        <a:fontRef idx="minor">
-          <a:schemeClr val="lt1"/>
-        </a:fontRef>
-      </dsp:style>
-      <dsp:txBody>
-        <a:bodyPr spcFirstLastPara="0" vert="horz" wrap="square" lIns="142473" tIns="0" rIns="142473" bIns="0" numCol="1" spcCol="1270" anchor="ctr" anchorCtr="0">
-          <a:noAutofit/>
-        </a:bodyPr>
-        <a:lstStyle/>
-        <a:p>
-          <a:pPr marL="0" lvl="0" indent="0" algn="l" defTabSz="889000">
-            <a:lnSpc>
-              <a:spcPct val="90000"/>
-            </a:lnSpc>
-            <a:spcBef>
-              <a:spcPct val="0"/>
-            </a:spcBef>
-            <a:spcAft>
-              <a:spcPct val="35000"/>
-            </a:spcAft>
-            <a:buNone/>
-          </a:pPr>
-          <a:r>
-            <a:rPr lang="en-US" sz="2000" kern="1200" dirty="0"/>
-            <a:t>Group A</a:t>
-          </a:r>
-        </a:p>
-      </dsp:txBody>
-      <dsp:txXfrm>
-        <a:off x="298061" y="40001"/>
-        <a:ext cx="3711718" cy="532758"/>
-      </dsp:txXfrm>
-    </dsp:sp>
-    <dsp:sp modelId="{5A82E6E5-86A0-475F-85E6-D325240A867A}">
-      <dsp:nvSpPr>
-        <dsp:cNvPr id="0" name=""/>
-        <dsp:cNvSpPr/>
-      </dsp:nvSpPr>
-      <dsp:spPr>
-        <a:xfrm>
-          <a:off x="0" y="1843580"/>
-          <a:ext cx="5384800" cy="1134000"/>
-        </a:xfrm>
-        <a:prstGeom prst="rect">
-          <a:avLst/>
-        </a:prstGeom>
-        <a:solidFill>
-          <a:schemeClr val="lt1">
-            <a:alpha val="90000"/>
-            <a:hueOff val="0"/>
-            <a:satOff val="0"/>
-            <a:lumOff val="0"/>
-            <a:alphaOff val="0"/>
-          </a:schemeClr>
-        </a:solidFill>
-        <a:ln w="12700" cap="flat" cmpd="sng" algn="ctr">
-          <a:solidFill>
-            <a:schemeClr val="accent2">
-              <a:hueOff val="-3277702"/>
-              <a:satOff val="-3888"/>
-              <a:lumOff val="-2059"/>
-              <a:alphaOff val="0"/>
-            </a:schemeClr>
-          </a:solidFill>
-          <a:prstDash val="solid"/>
-        </a:ln>
-        <a:effectLst/>
-      </dsp:spPr>
-      <dsp:style>
-        <a:lnRef idx="1">
-          <a:scrgbClr r="0" g="0" b="0"/>
-        </a:lnRef>
-        <a:fillRef idx="1">
-          <a:scrgbClr r="0" g="0" b="0"/>
-        </a:fillRef>
-        <a:effectRef idx="0">
-          <a:scrgbClr r="0" g="0" b="0"/>
-        </a:effectRef>
-        <a:fontRef idx="minor"/>
-      </dsp:style>
-      <dsp:txBody>
-        <a:bodyPr spcFirstLastPara="0" vert="horz" wrap="square" lIns="417920" tIns="416560" rIns="417920" bIns="142240" numCol="1" spcCol="1270" anchor="t" anchorCtr="0">
-          <a:noAutofit/>
-        </a:bodyPr>
-        <a:lstStyle/>
-        <a:p>
-          <a:pPr marL="228600" lvl="1" indent="-228600" algn="l" defTabSz="889000">
-            <a:lnSpc>
-              <a:spcPct val="90000"/>
-            </a:lnSpc>
-            <a:spcBef>
-              <a:spcPct val="0"/>
-            </a:spcBef>
-            <a:spcAft>
-              <a:spcPct val="15000"/>
-            </a:spcAft>
-            <a:buChar char="•"/>
-          </a:pPr>
-          <a:r>
-            <a:rPr lang="en-US" sz="2000" kern="1200" dirty="0"/>
-            <a:t>Task 1</a:t>
-          </a:r>
-        </a:p>
-        <a:p>
-          <a:pPr marL="228600" lvl="1" indent="-228600" algn="l" defTabSz="889000">
-            <a:lnSpc>
-              <a:spcPct val="90000"/>
-            </a:lnSpc>
-            <a:spcBef>
-              <a:spcPct val="0"/>
-            </a:spcBef>
-            <a:spcAft>
-              <a:spcPct val="15000"/>
-            </a:spcAft>
-            <a:buChar char="•"/>
-          </a:pPr>
-          <a:r>
-            <a:rPr lang="en-US" sz="2000" kern="1200" dirty="0"/>
-            <a:t>Task 2</a:t>
-          </a:r>
-        </a:p>
-      </dsp:txBody>
-      <dsp:txXfrm>
-        <a:off x="0" y="1843580"/>
-        <a:ext cx="5384800" cy="1134000"/>
-      </dsp:txXfrm>
-    </dsp:sp>
-    <dsp:sp modelId="{8B95F1A1-DE88-4530-AB60-61A43EB4B743}">
-      <dsp:nvSpPr>
-        <dsp:cNvPr id="0" name=""/>
-        <dsp:cNvSpPr/>
-      </dsp:nvSpPr>
-      <dsp:spPr>
-        <a:xfrm>
-          <a:off x="269240" y="1548380"/>
-          <a:ext cx="3769360" cy="590400"/>
-        </a:xfrm>
-        <a:prstGeom prst="roundRect">
-          <a:avLst/>
-        </a:prstGeom>
-        <a:gradFill rotWithShape="0">
-          <a:gsLst>
-            <a:gs pos="0">
-              <a:schemeClr val="accent2">
-                <a:hueOff val="-3277702"/>
-                <a:satOff val="-3888"/>
-                <a:lumOff val="-2059"/>
-                <a:alphaOff val="0"/>
-                <a:shade val="15000"/>
-                <a:satMod val="180000"/>
-              </a:schemeClr>
-            </a:gs>
-            <a:gs pos="50000">
-              <a:schemeClr val="accent2">
-                <a:hueOff val="-3277702"/>
-                <a:satOff val="-3888"/>
-                <a:lumOff val="-2059"/>
-                <a:alphaOff val="0"/>
-                <a:shade val="45000"/>
-                <a:satMod val="170000"/>
-              </a:schemeClr>
-            </a:gs>
-            <a:gs pos="70000">
-              <a:schemeClr val="accent2">
-                <a:hueOff val="-3277702"/>
-                <a:satOff val="-3888"/>
-                <a:lumOff val="-2059"/>
-                <a:alphaOff val="0"/>
-                <a:tint val="99000"/>
-                <a:shade val="65000"/>
-                <a:satMod val="155000"/>
-              </a:schemeClr>
-            </a:gs>
-            <a:gs pos="100000">
-              <a:schemeClr val="accent2">
-                <a:hueOff val="-3277702"/>
-                <a:satOff val="-3888"/>
-                <a:lumOff val="-2059"/>
-                <a:alphaOff val="0"/>
-                <a:tint val="95500"/>
-                <a:shade val="100000"/>
-                <a:satMod val="155000"/>
-              </a:schemeClr>
-            </a:gs>
-          </a:gsLst>
-          <a:lin ang="16200000" scaled="0"/>
-        </a:gradFill>
-        <a:ln>
-          <a:noFill/>
-        </a:ln>
-        <a:effectLst>
-          <a:outerShdw blurRad="50800" dist="38100" dir="5400000" rotWithShape="0">
-            <a:srgbClr val="000000">
-              <a:alpha val="35000"/>
-            </a:srgbClr>
-          </a:outerShdw>
-        </a:effectLst>
-      </dsp:spPr>
-      <dsp:style>
-        <a:lnRef idx="0">
-          <a:scrgbClr r="0" g="0" b="0"/>
-        </a:lnRef>
-        <a:fillRef idx="3">
-          <a:scrgbClr r="0" g="0" b="0"/>
-        </a:fillRef>
-        <a:effectRef idx="2">
-          <a:scrgbClr r="0" g="0" b="0"/>
-        </a:effectRef>
-        <a:fontRef idx="minor">
-          <a:schemeClr val="lt1"/>
-        </a:fontRef>
-      </dsp:style>
-      <dsp:txBody>
-        <a:bodyPr spcFirstLastPara="0" vert="horz" wrap="square" lIns="142473" tIns="0" rIns="142473" bIns="0" numCol="1" spcCol="1270" anchor="ctr" anchorCtr="0">
-          <a:noAutofit/>
-        </a:bodyPr>
-        <a:lstStyle/>
-        <a:p>
-          <a:pPr marL="0" lvl="0" indent="0" algn="l" defTabSz="889000">
-            <a:lnSpc>
-              <a:spcPct val="90000"/>
-            </a:lnSpc>
-            <a:spcBef>
-              <a:spcPct val="0"/>
-            </a:spcBef>
-            <a:spcAft>
-              <a:spcPct val="35000"/>
-            </a:spcAft>
-            <a:buNone/>
-          </a:pPr>
-          <a:r>
-            <a:rPr lang="en-US" sz="2000" kern="1200" dirty="0"/>
-            <a:t>Group B</a:t>
-          </a:r>
-        </a:p>
-      </dsp:txBody>
-      <dsp:txXfrm>
-        <a:off x="298061" y="1577201"/>
-        <a:ext cx="3711718" cy="532758"/>
-      </dsp:txXfrm>
-    </dsp:sp>
-    <dsp:sp modelId="{03C3B6C2-1763-4790-9A37-BA583B2A18C8}">
-      <dsp:nvSpPr>
-        <dsp:cNvPr id="0" name=""/>
-        <dsp:cNvSpPr/>
-      </dsp:nvSpPr>
-      <dsp:spPr>
-        <a:xfrm>
-          <a:off x="0" y="3380781"/>
-          <a:ext cx="5384800" cy="1134000"/>
-        </a:xfrm>
-        <a:prstGeom prst="rect">
-          <a:avLst/>
-        </a:prstGeom>
-        <a:solidFill>
-          <a:schemeClr val="lt1">
-            <a:alpha val="90000"/>
-            <a:hueOff val="0"/>
-            <a:satOff val="0"/>
-            <a:lumOff val="0"/>
-            <a:alphaOff val="0"/>
-          </a:schemeClr>
-        </a:solidFill>
-        <a:ln w="12700" cap="flat" cmpd="sng" algn="ctr">
-          <a:solidFill>
-            <a:schemeClr val="accent2">
-              <a:hueOff val="-6555403"/>
-              <a:satOff val="-7776"/>
-              <a:lumOff val="-4117"/>
-              <a:alphaOff val="0"/>
-            </a:schemeClr>
-          </a:solidFill>
-          <a:prstDash val="solid"/>
-        </a:ln>
-        <a:effectLst/>
-      </dsp:spPr>
-      <dsp:style>
-        <a:lnRef idx="1">
-          <a:scrgbClr r="0" g="0" b="0"/>
-        </a:lnRef>
-        <a:fillRef idx="1">
-          <a:scrgbClr r="0" g="0" b="0"/>
-        </a:fillRef>
-        <a:effectRef idx="0">
-          <a:scrgbClr r="0" g="0" b="0"/>
-        </a:effectRef>
-        <a:fontRef idx="minor"/>
-      </dsp:style>
-      <dsp:txBody>
-        <a:bodyPr spcFirstLastPara="0" vert="horz" wrap="square" lIns="417920" tIns="416560" rIns="417920" bIns="142240" numCol="1" spcCol="1270" anchor="t" anchorCtr="0">
-          <a:noAutofit/>
-        </a:bodyPr>
-        <a:lstStyle/>
-        <a:p>
-          <a:pPr marL="228600" lvl="1" indent="-228600" algn="l" defTabSz="889000">
-            <a:lnSpc>
-              <a:spcPct val="90000"/>
-            </a:lnSpc>
-            <a:spcBef>
-              <a:spcPct val="0"/>
-            </a:spcBef>
-            <a:spcAft>
-              <a:spcPct val="15000"/>
-            </a:spcAft>
-            <a:buChar char="•"/>
-          </a:pPr>
-          <a:r>
-            <a:rPr lang="en-US" sz="2000" kern="1200" dirty="0"/>
-            <a:t>Task 1</a:t>
-          </a:r>
-        </a:p>
-        <a:p>
-          <a:pPr marL="228600" lvl="1" indent="-228600" algn="l" defTabSz="889000">
-            <a:lnSpc>
-              <a:spcPct val="90000"/>
-            </a:lnSpc>
-            <a:spcBef>
-              <a:spcPct val="0"/>
-            </a:spcBef>
-            <a:spcAft>
-              <a:spcPct val="15000"/>
-            </a:spcAft>
-            <a:buChar char="•"/>
-          </a:pPr>
-          <a:r>
-            <a:rPr lang="en-US" sz="2000" kern="1200" dirty="0"/>
-            <a:t>Task 2</a:t>
-          </a:r>
-        </a:p>
-      </dsp:txBody>
-      <dsp:txXfrm>
-        <a:off x="0" y="3380781"/>
-        <a:ext cx="5384800" cy="1134000"/>
-      </dsp:txXfrm>
-    </dsp:sp>
-    <dsp:sp modelId="{E64E0815-54DA-43E1-9642-8F5153B8E00B}">
-      <dsp:nvSpPr>
-        <dsp:cNvPr id="0" name=""/>
-        <dsp:cNvSpPr/>
-      </dsp:nvSpPr>
-      <dsp:spPr>
-        <a:xfrm>
-          <a:off x="269240" y="3085580"/>
-          <a:ext cx="3769360" cy="590400"/>
-        </a:xfrm>
-        <a:prstGeom prst="roundRect">
-          <a:avLst/>
-        </a:prstGeom>
-        <a:gradFill rotWithShape="0">
-          <a:gsLst>
-            <a:gs pos="0">
-              <a:schemeClr val="accent2">
-                <a:hueOff val="-6555403"/>
-                <a:satOff val="-7776"/>
-                <a:lumOff val="-4117"/>
-                <a:alphaOff val="0"/>
-                <a:shade val="15000"/>
-                <a:satMod val="180000"/>
-              </a:schemeClr>
-            </a:gs>
-            <a:gs pos="50000">
-              <a:schemeClr val="accent2">
-                <a:hueOff val="-6555403"/>
-                <a:satOff val="-7776"/>
-                <a:lumOff val="-4117"/>
-                <a:alphaOff val="0"/>
-                <a:shade val="45000"/>
-                <a:satMod val="170000"/>
-              </a:schemeClr>
-            </a:gs>
-            <a:gs pos="70000">
-              <a:schemeClr val="accent2">
-                <a:hueOff val="-6555403"/>
-                <a:satOff val="-7776"/>
-                <a:lumOff val="-4117"/>
-                <a:alphaOff val="0"/>
-                <a:tint val="99000"/>
-                <a:shade val="65000"/>
-                <a:satMod val="155000"/>
-              </a:schemeClr>
-            </a:gs>
-            <a:gs pos="100000">
-              <a:schemeClr val="accent2">
-                <a:hueOff val="-6555403"/>
-                <a:satOff val="-7776"/>
-                <a:lumOff val="-4117"/>
-                <a:alphaOff val="0"/>
-                <a:tint val="95500"/>
-                <a:shade val="100000"/>
-                <a:satMod val="155000"/>
-              </a:schemeClr>
-            </a:gs>
-          </a:gsLst>
-          <a:lin ang="16200000" scaled="0"/>
-        </a:gradFill>
-        <a:ln>
-          <a:noFill/>
-        </a:ln>
-        <a:effectLst>
-          <a:outerShdw blurRad="50800" dist="38100" dir="5400000" rotWithShape="0">
-            <a:srgbClr val="000000">
-              <a:alpha val="35000"/>
-            </a:srgbClr>
-          </a:outerShdw>
-        </a:effectLst>
-      </dsp:spPr>
-      <dsp:style>
-        <a:lnRef idx="0">
-          <a:scrgbClr r="0" g="0" b="0"/>
-        </a:lnRef>
-        <a:fillRef idx="3">
-          <a:scrgbClr r="0" g="0" b="0"/>
-        </a:fillRef>
-        <a:effectRef idx="2">
-          <a:scrgbClr r="0" g="0" b="0"/>
-        </a:effectRef>
-        <a:fontRef idx="minor">
-          <a:schemeClr val="lt1"/>
-        </a:fontRef>
-      </dsp:style>
-      <dsp:txBody>
-        <a:bodyPr spcFirstLastPara="0" vert="horz" wrap="square" lIns="142473" tIns="0" rIns="142473" bIns="0" numCol="1" spcCol="1270" anchor="ctr" anchorCtr="0">
-          <a:noAutofit/>
-        </a:bodyPr>
-        <a:lstStyle/>
-        <a:p>
-          <a:pPr marL="0" lvl="0" indent="0" algn="l" defTabSz="889000">
-            <a:lnSpc>
-              <a:spcPct val="90000"/>
-            </a:lnSpc>
-            <a:spcBef>
-              <a:spcPct val="0"/>
-            </a:spcBef>
-            <a:spcAft>
-              <a:spcPct val="35000"/>
-            </a:spcAft>
-            <a:buNone/>
-          </a:pPr>
-          <a:r>
-            <a:rPr lang="en-US" sz="2000" kern="1200" dirty="0"/>
-            <a:t>Group C</a:t>
-          </a:r>
-        </a:p>
-      </dsp:txBody>
-      <dsp:txXfrm>
-        <a:off x="298061" y="3114401"/>
-        <a:ext cx="3711718" cy="532758"/>
-      </dsp:txXfrm>
-    </dsp:sp>
-  </dsp:spTree>
-</dsp:drawing>
-</file>
-
-<file path=ppt/diagrams/layout1.xml><?xml version="1.0" encoding="utf-8"?>
-<dgm:layoutDef xmlns:dgm="http://schemas.openxmlformats.org/drawingml/2006/diagram" xmlns:a="http://schemas.openxmlformats.org/drawingml/2006/main" uniqueId="urn:microsoft.com/office/officeart/2005/8/layout/list1">
-  <dgm:title val=""/>
-  <dgm:desc val=""/>
-  <dgm:catLst>
-    <dgm:cat type="list" pri="4000"/>
-  </dgm:catLst>
-  <dgm:sampData>
-    <dgm:dataModel>
-      <dgm:ptLst>
-        <dgm:pt modelId="0" type="doc"/>
-        <dgm:pt modelId="1">
-          <dgm:prSet phldr="1"/>
-        </dgm:pt>
-        <dgm:pt modelId="2">
-          <dgm:prSet phldr="1"/>
-        </dgm:pt>
-        <dgm:pt modelId="3">
-          <dgm:prSet phldr="1"/>
-        </dgm:pt>
-      </dgm:ptLst>
-      <dgm:cxnLst>
-        <dgm:cxn modelId="4" srcId="0" destId="1" srcOrd="0" destOrd="0"/>
-        <dgm:cxn modelId="5" srcId="0" destId="2" srcOrd="1" destOrd="0"/>
-        <dgm:cxn modelId="6" srcId="0" destId="3" srcOrd="2" destOrd="0"/>
-      </dgm:cxnLst>
-      <dgm:bg/>
-      <dgm:whole/>
-    </dgm:dataModel>
-  </dgm:sampData>
-  <dgm:styleData>
-    <dgm:dataModel>
-      <dgm:ptLst>
-        <dgm:pt modelId="0" type="doc"/>
-        <dgm:pt modelId="1"/>
-        <dgm:pt modelId="2"/>
-      </dgm:ptLst>
-      <dgm:cxnLst>
-        <dgm:cxn modelId="4" srcId="0" destId="1" srcOrd="0" destOrd="0"/>
-        <dgm:cxn modelId="5" srcId="0" destId="2" srcOrd="1" destOrd="0"/>
-      </dgm:cxnLst>
-      <dgm:bg/>
-      <dgm:whole/>
-    </dgm:dataModel>
-  </dgm:styleData>
-  <dgm:clrData>
-    <dgm:dataModel>
-      <dgm:ptLst>
-        <dgm:pt modelId="0" type="doc"/>
-        <dgm:pt modelId="1"/>
-        <dgm:pt modelId="2"/>
-        <dgm:pt modelId="3"/>
-        <dgm:pt modelId="4"/>
-      </dgm:ptLst>
-      <dgm:cxnLst>
-        <dgm:cxn modelId="5" srcId="0" destId="1" srcOrd="0" destOrd="0"/>
-        <dgm:cxn modelId="6" srcId="0" destId="2" srcOrd="1" destOrd="0"/>
-        <dgm:cxn modelId="7" srcId="0" destId="3" srcOrd="2" destOrd="0"/>
-        <dgm:cxn modelId="8" srcId="0" destId="4" srcOrd="3" destOrd="0"/>
-      </dgm:cxnLst>
-      <dgm:bg/>
-      <dgm:whole/>
-    </dgm:dataModel>
-  </dgm:clrData>
-  <dgm:layoutNode name="linear">
-    <dgm:varLst>
-      <dgm:dir/>
-      <dgm:animLvl val="lvl"/>
-      <dgm:resizeHandles val="exact"/>
-    </dgm:varLst>
-    <dgm:choose name="Name0">
-      <dgm:if name="Name1" func="var" arg="dir" op="equ" val="norm">
-        <dgm:alg type="lin">
-          <dgm:param type="linDir" val="fromT"/>
-          <dgm:param type="vertAlign" val="mid"/>
-          <dgm:param type="horzAlign" val="l"/>
-          <dgm:param type="nodeHorzAlign" val="l"/>
-        </dgm:alg>
-      </dgm:if>
-      <dgm:else name="Name2">
-        <dgm:alg type="lin">
-          <dgm:param type="linDir" val="fromT"/>
-          <dgm:param type="vertAlign" val="mid"/>
-          <dgm:param type="horzAlign" val="r"/>
-          <dgm:param type="nodeHorzAlign" val="r"/>
-        </dgm:alg>
-      </dgm:else>
-    </dgm:choose>
-    <dgm:shape xmlns:r="http://schemas.openxmlformats.org/officeDocument/2006/relationships" r:blip="">
-      <dgm:adjLst/>
-    </dgm:shape>
-    <dgm:presOf/>
-    <dgm:constrLst>
-      <dgm:constr type="w" for="ch" forName="parentLin" refType="w"/>
-      <dgm:constr type="h" for="ch" forName="parentLin" val="INF"/>
-      <dgm:constr type="w" for="des" forName="parentLeftMargin" refType="w" fact="0.05"/>
-      <dgm:constr type="w" for="des" forName="parentText" refType="w" fact="0.7"/>
-      <dgm:constr type="h" for="des" forName="parentText" refType="primFontSz" refFor="des" refForName="parentText" fact="0.82"/>
-      <dgm:constr type="h" for="ch" forName="negativeSpace" refType="primFontSz" refFor="des" refForName="parentText" fact="-0.41"/>
-      <dgm:constr type="h" for="ch" forName="negativeSpace" refType="h" refFor="des" refForName="parentText" op="lte" fact="-0.82"/>
-      <dgm:constr type="h" for="ch" forName="negativeSpace" refType="h" refFor="des" refForName="parentText" op="gte" fact="-0.82"/>
-      <dgm:constr type="w" for="ch" forName="childText" refType="w"/>
-      <dgm:constr type="h" for="ch" forName="childText" refType="primFontSz" refFor="des" refForName="parentText" fact="0.7"/>
-      <dgm:constr type="primFontSz" for="des" forName="parentText" val="65"/>
-      <dgm:constr type="primFontSz" for="ch" forName="childText" refType="primFontSz" refFor="des" refForName="parentText"/>
-      <dgm:constr type="tMarg" for="ch" forName="childText" refType="primFontSz" refFor="des" refForName="parentText" fact="1.64"/>
-      <dgm:constr type="tMarg" for="ch" forName="childText" refType="h" refFor="des" refForName="parentText" op="lte" fact="3.28"/>
-      <dgm:constr type="tMarg" for="ch" forName="childText" refType="h" refFor="des" refForName="parentText" op="gte" fact="3.28"/>
-      <dgm:constr type="lMarg" for="ch" forName="childText" refType="w" fact="0.22"/>
-      <dgm:constr type="rMarg" for="ch" forName="childText" refType="lMarg" refFor="ch" refForName="childText"/>
-      <dgm:constr type="lMarg" for="des" forName="parentText" refType="w" fact="0.075"/>
-      <dgm:constr type="rMarg" for="des" forName="parentText" refType="lMarg" refFor="des" refForName="parentText"/>
-      <dgm:constr type="h" for="ch" forName="spaceBetweenRectangles" refType="primFontSz" refFor="des" refForName="parentText" fact="0.15"/>
-    </dgm:constrLst>
-    <dgm:ruleLst>
-      <dgm:rule type="primFontSz" for="des" forName="parentText" val="5" fact="NaN" max="NaN"/>
-    </dgm:ruleLst>
-    <dgm:forEach name="Name3" axis="ch" ptType="node">
-      <dgm:layoutNode name="parentLin">
-        <dgm:choose name="Name4">
-          <dgm:if name="Name5" func="var" arg="dir" op="equ" val="norm">
-            <dgm:alg type="lin">
-              <dgm:param type="linDir" val="fromL"/>
-              <dgm:param type="horzAlign" val="l"/>
-              <dgm:param type="nodeHorzAlign" val="l"/>
-            </dgm:alg>
-          </dgm:if>
-          <dgm:else name="Name6">
-            <dgm:alg type="lin">
-              <dgm:param type="linDir" val="fromR"/>
-              <dgm:param type="horzAlign" val="r"/>
-              <dgm:param type="nodeHorzAlign" val="r"/>
-            </dgm:alg>
-          </dgm:else>
-        </dgm:choose>
-        <dgm:shape xmlns:r="http://schemas.openxmlformats.org/officeDocument/2006/relationships" r:blip="">
-          <dgm:adjLst/>
-        </dgm:shape>
-        <dgm:presOf/>
-        <dgm:constrLst/>
-        <dgm:ruleLst/>
-        <dgm:layoutNode name="parentLeftMargin">
-          <dgm:alg type="sp"/>
-          <dgm:shape xmlns:r="http://schemas.openxmlformats.org/officeDocument/2006/relationships" type="rect" r:blip="" hideGeom="1">
-            <dgm:adjLst/>
-          </dgm:shape>
-          <dgm:presOf axis="self"/>
-          <dgm:constrLst>
-            <dgm:constr type="h"/>
-          </dgm:constrLst>
-          <dgm:ruleLst/>
-        </dgm:layoutNode>
-        <dgm:layoutNode name="parentText" styleLbl="node1">
-          <dgm:varLst>
-            <dgm:chMax val="0"/>
-            <dgm:bulletEnabled val="1"/>
-          </dgm:varLst>
-          <dgm:choose name="Name7">
-            <dgm:if name="Name8" func="var" arg="dir" op="equ" val="norm">
-              <dgm:alg type="tx">
-                <dgm:param type="parTxLTRAlign" val="l"/>
-                <dgm:param type="parTxRTLAlign" val="l"/>
-              </dgm:alg>
-            </dgm:if>
-            <dgm:else name="Name9">
-              <dgm:alg type="tx">
-                <dgm:param type="parTxLTRAlign" val="r"/>
-                <dgm:param type="parTxRTLAlign" val="r"/>
-              </dgm:alg>
-            </dgm:else>
-          </dgm:choose>
-          <dgm:shape xmlns:r="http://schemas.openxmlformats.org/officeDocument/2006/relationships" type="roundRect" r:blip="">
-            <dgm:adjLst/>
-          </dgm:shape>
-          <dgm:presOf axis="self" ptType="node"/>
-          <dgm:constrLst>
-            <dgm:constr type="tMarg"/>
-            <dgm:constr type="bMarg"/>
-          </dgm:constrLst>
-          <dgm:ruleLst/>
-        </dgm:layoutNode>
-      </dgm:layoutNode>
-      <dgm:layoutNode name="negativeSpace">
-        <dgm:alg type="sp"/>
-        <dgm:shape xmlns:r="http://schemas.openxmlformats.org/officeDocument/2006/relationships" r:blip="">
-          <dgm:adjLst/>
-        </dgm:shape>
-        <dgm:presOf/>
-        <dgm:constrLst/>
-        <dgm:ruleLst/>
-      </dgm:layoutNode>
-      <dgm:layoutNode name="childText" styleLbl="conFgAcc1">
-        <dgm:varLst>
-          <dgm:bulletEnabled val="1"/>
-        </dgm:varLst>
-        <dgm:alg type="tx">
-          <dgm:param type="stBulletLvl" val="1"/>
-        </dgm:alg>
-        <dgm:shape xmlns:r="http://schemas.openxmlformats.org/officeDocument/2006/relationships" type="rect" r:blip="" zOrderOff="-2">
-          <dgm:adjLst/>
-        </dgm:shape>
-        <dgm:presOf axis="des" ptType="node"/>
-        <dgm:constrLst>
-          <dgm:constr type="secFontSz" refType="primFontSz"/>
-        </dgm:constrLst>
-        <dgm:ruleLst>
-          <dgm:rule type="h" val="INF" fact="NaN" max="NaN"/>
-        </dgm:ruleLst>
-      </dgm:layoutNode>
-      <dgm:forEach name="Name10" axis="followSib" ptType="sibTrans" cnt="1">
-        <dgm:layoutNode name="spaceBetweenRectangles">
-          <dgm:alg type="sp"/>
-          <dgm:shape xmlns:r="http://schemas.openxmlformats.org/officeDocument/2006/relationships" r:blip="">
-            <dgm:adjLst/>
-          </dgm:shape>
-          <dgm:presOf/>
-          <dgm:constrLst/>
-          <dgm:ruleLst/>
-        </dgm:layoutNode>
-      </dgm:forEach>
-    </dgm:forEach>
-  </dgm:layoutNode>
-</dgm:layoutDef>
-</file>
-
-<file path=ppt/diagrams/quickStyle1.xml><?xml version="1.0" encoding="utf-8"?>
-<dgm:styleDef xmlns:dgm="http://schemas.openxmlformats.org/drawingml/2006/diagram" xmlns:a="http://schemas.openxmlformats.org/drawingml/2006/main" uniqueId="urn:microsoft.com/office/officeart/2005/8/quickstyle/simple4">
-  <dgm:title val=""/>
-  <dgm:desc val=""/>
-  <dgm:catLst>
-    <dgm:cat type="simple" pri="10400"/>
-  </dgm:catLst>
-  <dgm:scene3d>
-    <a:camera prst="orthographicFront"/>
-    <a:lightRig rig="threePt" dir="t"/>
-  </dgm:scene3d>
-  <dgm:styleLbl name="node0">
-    <dgm:scene3d>
-      <a:camera prst="orthographicFront"/>
-      <a:lightRig rig="threePt" dir="t"/>
-    </dgm:scene3d>
-    <dgm:sp3d/>
-    <dgm:txPr/>
-    <dgm:style>
-      <a:lnRef idx="0">
-        <a:scrgbClr r="0" g="0" b="0"/>
-      </a:lnRef>
-      <a:fillRef idx="3">
-        <a:scrgbClr r="0" g="0" b="0"/>
-      </a:fillRef>
-      <a:effectRef idx="2">
-        <a:scrgbClr r="0" g="0" b="0"/>
-      </a:effectRef>
-      <a:fontRef idx="minor">
-        <a:schemeClr val="lt1"/>
-      </a:fontRef>
-    </dgm:style>
-  </dgm:styleLbl>
-  <dgm:styleLbl name="lnNode1">
-    <dgm:scene3d>
-      <a:camera prst="orthographicFront"/>
-      <a:lightRig rig="threePt" dir="t"/>
-    </dgm:scene3d>
-    <dgm:sp3d/>
-    <dgm:txPr/>
-    <dgm:style>
-      <a:lnRef idx="1">
-        <a:scrgbClr r="0" g="0" b="0"/>
-      </a:lnRef>
-      <a:fillRef idx="3">
-        <a:scrgbClr r="0" g="0" b="0"/>
-      </a:fillRef>
-      <a:effectRef idx="2">
-        <a:scrgbClr r="0" g="0" b="0"/>
-      </a:effectRef>
-      <a:fontRef idx="minor">
-        <a:schemeClr val="lt1"/>
-      </a:fontRef>
-    </dgm:style>
-  </dgm:styleLbl>
-  <dgm:styleLbl name="vennNode1">
-    <dgm:scene3d>
-      <a:camera prst="orthographicFront"/>
-      <a:lightRig rig="threePt" dir="t"/>
-    </dgm:scene3d>
-    <dgm:sp3d/>
-    <dgm:txPr/>
-    <dgm:style>
-      <a:lnRef idx="0">
-        <a:scrgbClr r="0" g="0" b="0"/>
-      </a:lnRef>
-      <a:fillRef idx="3">
-        <a:scrgbClr r="0" g="0" b="0"/>
-      </a:fillRef>
-      <a:effectRef idx="0">
-        <a:scrgbClr r="0" g="0" b="0"/>
-      </a:effectRef>
-      <a:fontRef idx="minor">
-        <a:schemeClr val="tx1"/>
-      </a:fontRef>
-    </dgm:style>
-  </dgm:styleLbl>
-  <dgm:styleLbl name="alignNode1">
-    <dgm:scene3d>
-      <a:camera prst="orthographicFront"/>
-      <a:lightRig rig="threePt" dir="t"/>
-    </dgm:scene3d>
-    <dgm:sp3d/>
-    <dgm:txPr/>
-    <dgm:style>
-      <a:lnRef idx="1">
-        <a:scrgbClr r="0" g="0" b="0"/>
-      </a:lnRef>
-      <a:fillRef idx="3">
-        <a:scrgbClr r="0" g="0" b="0"/>
-      </a:fillRef>
-      <a:effectRef idx="2">
-        <a:scrgbClr r="0" g="0" b="0"/>
-      </a:effectRef>
-      <a:fontRef idx="minor">
-        <a:schemeClr val="lt1"/>
-      </a:fontRef>
-    </dgm:style>
-  </dgm:styleLbl>
-  <dgm:styleLbl name="node1">
-    <dgm:scene3d>
-      <a:camera prst="orthographicFront"/>
-      <a:lightRig rig="threePt" dir="t"/>
-    </dgm:scene3d>
-    <dgm:sp3d/>
-    <dgm:txPr/>
-    <dgm:style>
-      <a:lnRef idx="0">
-        <a:scrgbClr r="0" g="0" b="0"/>
-      </a:lnRef>
-      <a:fillRef idx="3">
-        <a:scrgbClr r="0" g="0" b="0"/>
-      </a:fillRef>
-      <a:effectRef idx="2">
-        <a:scrgbClr r="0" g="0" b="0"/>
-      </a:effectRef>
-      <a:fontRef idx="minor">
-        <a:schemeClr val="lt1"/>
-      </a:fontRef>
-    </dgm:style>
-  </dgm:styleLbl>
-  <dgm:styleLbl name="node2">
-    <dgm:scene3d>
-      <a:camera prst="orthographicFront"/>
-      <a:lightRig rig="threePt" dir="t"/>
-    </dgm:scene3d>
-    <dgm:sp3d/>
-    <dgm:txPr/>
-    <dgm:style>
-      <a:lnRef idx="0">
-        <a:scrgbClr r="0" g="0" b="0"/>
-      </a:lnRef>
-      <a:fillRef idx="3">
-        <a:scrgbClr r="0" g="0" b="0"/>
-      </a:fillRef>
-      <a:effectRef idx="2">
-        <a:scrgbClr r="0" g="0" b="0"/>
-      </a:effectRef>
-      <a:fontRef idx="minor">
-        <a:schemeClr val="lt1"/>
-      </a:fontRef>
-    </dgm:style>
-  </dgm:styleLbl>
-  <dgm:styleLbl name="node3">
-    <dgm:scene3d>
-      <a:camera prst="orthographicFront"/>
-      <a:lightRig rig="threePt" dir="t"/>
-    </dgm:scene3d>
-    <dgm:sp3d/>
-    <dgm:txPr/>
-    <dgm:style>
-      <a:lnRef idx="0">
-        <a:scrgbClr r="0" g="0" b="0"/>
-      </a:lnRef>
-      <a:fillRef idx="3">
-        <a:scrgbClr r="0" g="0" b="0"/>
-      </a:fillRef>
-      <a:effectRef idx="2">
-        <a:scrgbClr r="0" g="0" b="0"/>
-      </a:effectRef>
-      <a:fontRef idx="minor">
-        <a:schemeClr val="lt1"/>
-      </a:fontRef>
-    </dgm:style>
-  </dgm:styleLbl>
-  <dgm:styleLbl name="node4">
-    <dgm:scene3d>
-      <a:camera prst="orthographicFront"/>
-      <a:lightRig rig="threePt" dir="t"/>
-    </dgm:scene3d>
-    <dgm:sp3d/>
-    <dgm:txPr/>
-    <dgm:style>
-      <a:lnRef idx="0">
-        <a:scrgbClr r="0" g="0" b="0"/>
-      </a:lnRef>
-      <a:fillRef idx="3">
-        <a:scrgbClr r="0" g="0" b="0"/>
-      </a:fillRef>
-      <a:effectRef idx="2">
-        <a:scrgbClr r="0" g="0" b="0"/>
-      </a:effectRef>
-      <a:fontRef idx="minor">
-        <a:schemeClr val="lt1"/>
-      </a:fontRef>
-    </dgm:style>
-  </dgm:styleLbl>
-  <dgm:styleLbl name="fgImgPlace1">
-    <dgm:scene3d>
-      <a:camera prst="orthographicFront"/>
-      <a:lightRig rig="threePt" dir="t"/>
-    </dgm:scene3d>
-    <dgm:sp3d/>
-    <dgm:txPr/>
-    <dgm:style>
-      <a:lnRef idx="0">
-        <a:scrgbClr r="0" g="0" b="0"/>
-      </a:lnRef>
-      <a:fillRef idx="1">
-        <a:scrgbClr r="0" g="0" b="0"/>
-      </a:fillRef>
-      <a:effectRef idx="2">
-        <a:scrgbClr r="0" g="0" b="0"/>
-      </a:effectRef>
-      <a:fontRef idx="minor"/>
-    </dgm:style>
-  </dgm:styleLbl>
-  <dgm:styleLbl name="alignImgPlace1">
-    <dgm:scene3d>
-      <a:camera prst="orthographicFront"/>
-      <a:lightRig rig="threePt" dir="t"/>
-    </dgm:scene3d>
-    <dgm:sp3d/>
-    <dgm:txPr/>
-    <dgm:style>
-      <a:lnRef idx="0">
-        <a:scrgbClr r="0" g="0" b="0"/>
-      </a:lnRef>
-      <a:fillRef idx="1">
-        <a:scrgbClr r="0" g="0" b="0"/>
-      </a:fillRef>
-      <a:effectRef idx="2">
-        <a:scrgbClr r="0" g="0" b="0"/>
-      </a:effectRef>
-      <a:fontRef idx="minor"/>
-    </dgm:style>
-  </dgm:styleLbl>
-  <dgm:styleLbl name="bgImgPlace1">
-    <dgm:scene3d>
-      <a:camera prst="orthographicFront"/>
-      <a:lightRig rig="threePt" dir="t"/>
-    </dgm:scene3d>
-    <dgm:sp3d/>
-    <dgm:txPr/>
-    <dgm:style>
-      <a:lnRef idx="0">
-        <a:scrgbClr r="0" g="0" b="0"/>
-      </a:lnRef>
-      <a:fillRef idx="1">
-        <a:scrgbClr r="0" g="0" b="0"/>
-      </a:fillRef>
-      <a:effectRef idx="2">
-        <a:scrgbClr r="0" g="0" b="0"/>
-      </a:effectRef>
-      <a:fontRef idx="minor"/>
-    </dgm:style>
-  </dgm:styleLbl>
-  <dgm:styleLbl name="sibTrans2D1">
-    <dgm:scene3d>
-      <a:camera prst="orthographicFront"/>
-      <a:lightRig rig="threePt" dir="t"/>
-    </dgm:scene3d>
-    <dgm:sp3d/>
-    <dgm:txPr/>
-    <dgm:style>
-      <a:lnRef idx="0">
-        <a:scrgbClr r="0" g="0" b="0"/>
-      </a:lnRef>
-      <a:fillRef idx="3">
-        <a:scrgbClr r="0" g="0" b="0"/>
-      </a:fillRef>
-      <a:effectRef idx="2">
-        <a:scrgbClr r="0" g="0" b="0"/>
-      </a:effectRef>
-      <a:fontRef idx="minor">
-        <a:schemeClr val="lt1"/>
-      </a:fontRef>
-    </dgm:style>
-  </dgm:styleLbl>
-  <dgm:styleLbl name="fgSibTrans2D1">
-    <dgm:scene3d>
-      <a:camera prst="orthographicFront"/>
-      <a:lightRig rig="threePt" dir="t"/>
-    </dgm:scene3d>
-    <dgm:sp3d/>
-    <dgm:txPr/>
-    <dgm:style>
-      <a:lnRef idx="0">
-        <a:scrgbClr r="0" g="0" b="0"/>
-      </a:lnRef>
-      <a:fillRef idx="3">
-        <a:scrgbClr r="0" g="0" b="0"/>
-      </a:fillRef>
-      <a:effectRef idx="2">
-        <a:scrgbClr r="0" g="0" b="0"/>
-      </a:effectRef>
-      <a:fontRef idx="minor">
-        <a:schemeClr val="lt1"/>
-      </a:fontRef>
-    </dgm:style>
-  </dgm:styleLbl>
-  <dgm:styleLbl name="bgSibTrans2D1">
-    <dgm:scene3d>
-      <a:camera prst="orthographicFront"/>
-      <a:lightRig rig="threePt" dir="t"/>
-    </dgm:scene3d>
-    <dgm:sp3d/>
-    <dgm:txPr/>
-    <dgm:style>
-      <a:lnRef idx="0">
-        <a:scrgbClr r="0" g="0" b="0"/>
-      </a:lnRef>
-      <a:fillRef idx="3">
-        <a:scrgbClr r="0" g="0" b="0"/>
-      </a:fillRef>
-      <a:effectRef idx="2">
-        <a:scrgbClr r="0" g="0" b="0"/>
-      </a:effectRef>
-      <a:fontRef idx="minor">
-        <a:schemeClr val="lt1"/>
-      </a:fontRef>
-    </dgm:style>
-  </dgm:styleLbl>
-  <dgm:styleLbl name="sibTrans1D1">
-    <dgm:scene3d>
-      <a:camera prst="orthographicFront"/>
-      <a:lightRig rig="threePt" dir="t"/>
-    </dgm:scene3d>
-    <dgm:sp3d/>
-    <dgm:txPr/>
-    <dgm:style>
-      <a:lnRef idx="1">
-        <a:scrgbClr r="0" g="0" b="0"/>
-      </a:lnRef>
-      <a:fillRef idx="0">
-        <a:scrgbClr r="0" g="0" b="0"/>
-      </a:fillRef>
-      <a:effectRef idx="0">
-        <a:scrgbClr r="0" g="0" b="0"/>
-      </a:effectRef>
-      <a:fontRef idx="minor"/>
-    </dgm:style>
-  </dgm:styleLbl>
-  <dgm:styleLbl name="callout">
-    <dgm:scene3d>
-      <a:camera prst="orthographicFront"/>
-      <a:lightRig rig="threePt" dir="t"/>
-    </dgm:scene3d>
-    <dgm:sp3d/>
-    <dgm:txPr/>
-    <dgm:style>
-      <a:lnRef idx="2">
-        <a:scrgbClr r="0" g="0" b="0"/>
-      </a:lnRef>
-      <a:fillRef idx="1">
-        <a:scrgbClr r="0" g="0" b="0"/>
-      </a:fillRef>
-      <a:effectRef idx="1">
-        <a:scrgbClr r="0" g="0" b="0"/>
-      </a:effectRef>
-      <a:fontRef idx="minor"/>
-    </dgm:style>
-  </dgm:styleLbl>
-  <dgm:styleLbl name="asst0">
-    <dgm:scene3d>
-      <a:camera prst="orthographicFront"/>
-      <a:lightRig rig="threePt" dir="t"/>
-    </dgm:scene3d>
-    <dgm:sp3d/>
-    <dgm:txPr/>
-    <dgm:style>
-      <a:lnRef idx="0">
-        <a:scrgbClr r="0" g="0" b="0"/>
-      </a:lnRef>
-      <a:fillRef idx="3">
-        <a:scrgbClr r="0" g="0" b="0"/>
-      </a:fillRef>
-      <a:effectRef idx="2">
-        <a:scrgbClr r="0" g="0" b="0"/>
-      </a:effectRef>
-      <a:fontRef idx="minor">
-        <a:schemeClr val="lt1"/>
-      </a:fontRef>
-    </dgm:style>
-  </dgm:styleLbl>
-  <dgm:styleLbl name="asst1">
-    <dgm:scene3d>
-      <a:camera prst="orthographicFront"/>
-      <a:lightRig rig="threePt" dir="t"/>
-    </dgm:scene3d>
-    <dgm:sp3d/>
-    <dgm:txPr/>
-    <dgm:style>
-      <a:lnRef idx="0">
-        <a:scrgbClr r="0" g="0" b="0"/>
-      </a:lnRef>
-      <a:fillRef idx="3">
-        <a:scrgbClr r="0" g="0" b="0"/>
-      </a:fillRef>
-      <a:effectRef idx="2">
-        <a:scrgbClr r="0" g="0" b="0"/>
-      </a:effectRef>
-      <a:fontRef idx="minor">
-        <a:schemeClr val="lt1"/>
-      </a:fontRef>
-    </dgm:style>
-  </dgm:styleLbl>
-  <dgm:styleLbl name="asst2">
-    <dgm:scene3d>
-      <a:camera prst="orthographicFront"/>
-      <a:lightRig rig="threePt" dir="t"/>
-    </dgm:scene3d>
-    <dgm:sp3d/>
-    <dgm:txPr/>
-    <dgm:style>
-      <a:lnRef idx="0">
-        <a:scrgbClr r="0" g="0" b="0"/>
-      </a:lnRef>
-      <a:fillRef idx="3">
-        <a:scrgbClr r="0" g="0" b="0"/>
-      </a:fillRef>
-      <a:effectRef idx="2">
-        <a:scrgbClr r="0" g="0" b="0"/>
-      </a:effectRef>
-      <a:fontRef idx="minor">
-        <a:schemeClr val="lt1"/>
-      </a:fontRef>
-    </dgm:style>
-  </dgm:styleLbl>
-  <dgm:styleLbl name="asst3">
-    <dgm:scene3d>
-      <a:camera prst="orthographicFront"/>
-      <a:lightRig rig="threePt" dir="t"/>
-    </dgm:scene3d>
-    <dgm:sp3d/>
-    <dgm:txPr/>
-    <dgm:style>
-      <a:lnRef idx="0">
-        <a:scrgbClr r="0" g="0" b="0"/>
-      </a:lnRef>
-      <a:fillRef idx="3">
-        <a:scrgbClr r="0" g="0" b="0"/>
-      </a:fillRef>
-      <a:effectRef idx="2">
-        <a:scrgbClr r="0" g="0" b="0"/>
-      </a:effectRef>
-      <a:fontRef idx="minor">
-        <a:schemeClr val="lt1"/>
-      </a:fontRef>
-    </dgm:style>
-  </dgm:styleLbl>
-  <dgm:styleLbl name="asst4">
-    <dgm:scene3d>
-      <a:camera prst="orthographicFront"/>
-      <a:lightRig rig="threePt" dir="t"/>
-    </dgm:scene3d>
-    <dgm:sp3d/>
-    <dgm:txPr/>
-    <dgm:style>
-      <a:lnRef idx="0">
-        <a:scrgbClr r="0" g="0" b="0"/>
-      </a:lnRef>
-      <a:fillRef idx="3">
-        <a:scrgbClr r="0" g="0" b="0"/>
-      </a:fillRef>
-      <a:effectRef idx="2">
-        <a:scrgbClr r="0" g="0" b="0"/>
-      </a:effectRef>
-      <a:fontRef idx="minor">
-        <a:schemeClr val="lt1"/>
-      </a:fontRef>
-    </dgm:style>
-  </dgm:styleLbl>
-  <dgm:styleLbl name="parChTrans2D1">
-    <dgm:scene3d>
-      <a:camera prst="orthographicFront"/>
-      <a:lightRig rig="threePt" dir="t"/>
-    </dgm:scene3d>
-    <dgm:sp3d/>
-    <dgm:txPr/>
-    <dgm:style>
-      <a:lnRef idx="0">
-        <a:scrgbClr r="0" g="0" b="0"/>
-      </a:lnRef>
-      <a:fillRef idx="3">
-        <a:scrgbClr r="0" g="0" b="0"/>
-      </a:fillRef>
-      <a:effectRef idx="2">
-        <a:scrgbClr r="0" g="0" b="0"/>
-      </a:effectRef>
-      <a:fontRef idx="minor">
-        <a:schemeClr val="lt1"/>
-      </a:fontRef>
-    </dgm:style>
-  </dgm:styleLbl>
-  <dgm:styleLbl name="parChTrans2D2">
-    <dgm:scene3d>
-      <a:camera prst="orthographicFront"/>
-      <a:lightRig rig="threePt" dir="t"/>
-    </dgm:scene3d>
-    <dgm:sp3d/>
-    <dgm:txPr/>
-    <dgm:style>
-      <a:lnRef idx="0">
-        <a:scrgbClr r="0" g="0" b="0"/>
-      </a:lnRef>
-      <a:fillRef idx="3">
-        <a:scrgbClr r="0" g="0" b="0"/>
-      </a:fillRef>
-      <a:effectRef idx="2">
-        <a:scrgbClr r="0" g="0" b="0"/>
-      </a:effectRef>
-      <a:fontRef idx="minor">
-        <a:schemeClr val="lt1"/>
-      </a:fontRef>
-    </dgm:style>
-  </dgm:styleLbl>
-  <dgm:styleLbl name="parChTrans2D3">
-    <dgm:scene3d>
-      <a:camera prst="orthographicFront"/>
-      <a:lightRig rig="threePt" dir="t"/>
-    </dgm:scene3d>
-    <dgm:sp3d/>
-    <dgm:txPr/>
-    <dgm:style>
-      <a:lnRef idx="1">
-        <a:scrgbClr r="0" g="0" b="0"/>
-      </a:lnRef>
-      <a:fillRef idx="3">
-        <a:scrgbClr r="0" g="0" b="0"/>
-      </a:fillRef>
-      <a:effectRef idx="2">
-        <a:scrgbClr r="0" g="0" b="0"/>
-      </a:effectRef>
-      <a:fontRef idx="minor">
-        <a:schemeClr val="lt1"/>
-      </a:fontRef>
-    </dgm:style>
-  </dgm:styleLbl>
-  <dgm:styleLbl name="parChTrans2D4">
-    <dgm:scene3d>
-      <a:camera prst="orthographicFront"/>
-      <a:lightRig rig="threePt" dir="t"/>
-    </dgm:scene3d>
-    <dgm:sp3d/>
-    <dgm:txPr/>
-    <dgm:style>
-      <a:lnRef idx="1">
-        <a:scrgbClr r="0" g="0" b="0"/>
-      </a:lnRef>
-      <a:fillRef idx="3">
-        <a:scrgbClr r="0" g="0" b="0"/>
-      </a:fillRef>
-      <a:effectRef idx="2">
-        <a:scrgbClr r="0" g="0" b="0"/>
-      </a:effectRef>
-      <a:fontRef idx="minor">
-        <a:schemeClr val="lt1"/>
-      </a:fontRef>
-    </dgm:style>
-  </dgm:styleLbl>
-  <dgm:styleLbl name="parChTrans1D1">
-    <dgm:scene3d>
-      <a:camera prst="orthographicFront"/>
-      <a:lightRig rig="threePt" dir="t"/>
-    </dgm:scene3d>
-    <dgm:sp3d/>
-    <dgm:txPr/>
-    <dgm:style>
-      <a:lnRef idx="1">
-        <a:scrgbClr r="0" g="0" b="0"/>
-      </a:lnRef>
-      <a:fillRef idx="0">
-        <a:scrgbClr r="0" g="0" b="0"/>
-      </a:fillRef>
-      <a:effectRef idx="0">
-        <a:scrgbClr r="0" g="0" b="0"/>
-      </a:effectRef>
-      <a:fontRef idx="minor"/>
-    </dgm:style>
-  </dgm:styleLbl>
-  <dgm:styleLbl name="parChTrans1D2">
-    <dgm:scene3d>
-      <a:camera prst="orthographicFront"/>
-      <a:lightRig rig="threePt" dir="t"/>
-    </dgm:scene3d>
-    <dgm:sp3d/>
-    <dgm:txPr/>
-    <dgm:style>
-      <a:lnRef idx="1">
-        <a:scrgbClr r="0" g="0" b="0"/>
-      </a:lnRef>
-      <a:fillRef idx="0">
-        <a:scrgbClr r="0" g="0" b="0"/>
-      </a:fillRef>
-      <a:effectRef idx="0">
-        <a:scrgbClr r="0" g="0" b="0"/>
-      </a:effectRef>
-      <a:fontRef idx="minor"/>
-    </dgm:style>
-  </dgm:styleLbl>
-  <dgm:styleLbl name="parChTrans1D3">
-    <dgm:scene3d>
-      <a:camera prst="orthographicFront"/>
-      <a:lightRig rig="threePt" dir="t"/>
-    </dgm:scene3d>
-    <dgm:sp3d/>
-    <dgm:txPr/>
-    <dgm:style>
-      <a:lnRef idx="1">
-        <a:scrgbClr r="0" g="0" b="0"/>
-      </a:lnRef>
-      <a:fillRef idx="0">
-        <a:scrgbClr r="0" g="0" b="0"/>
-      </a:fillRef>
-      <a:effectRef idx="0">
-        <a:scrgbClr r="0" g="0" b="0"/>
-      </a:effectRef>
-      <a:fontRef idx="minor"/>
-    </dgm:style>
-  </dgm:styleLbl>
-  <dgm:styleLbl name="parChTrans1D4">
-    <dgm:scene3d>
-      <a:camera prst="orthographicFront"/>
-      <a:lightRig rig="threePt" dir="t"/>
-    </dgm:scene3d>
-    <dgm:sp3d/>
-    <dgm:txPr/>
-    <dgm:style>
-      <a:lnRef idx="1">
-        <a:scrgbClr r="0" g="0" b="0"/>
-      </a:lnRef>
-      <a:fillRef idx="0">
-        <a:scrgbClr r="0" g="0" b="0"/>
-      </a:fillRef>
-      <a:effectRef idx="0">
-        <a:scrgbClr r="0" g="0" b="0"/>
-      </a:effectRef>
-      <a:fontRef idx="minor"/>
-    </dgm:style>
-  </dgm:styleLbl>
-  <dgm:styleLbl name="fgAcc1">
-    <dgm:scene3d>
-      <a:camera prst="orthographicFront"/>
-      <a:lightRig rig="threePt" dir="t"/>
-    </dgm:scene3d>
-    <dgm:sp3d/>
-    <dgm:txPr/>
-    <dgm:style>
-      <a:lnRef idx="1">
-        <a:scrgbClr r="0" g="0" b="0"/>
-      </a:lnRef>
-      <a:fillRef idx="1">
-        <a:scrgbClr r="0" g="0" b="0"/>
-      </a:fillRef>
-      <a:effectRef idx="0">
-        <a:scrgbClr r="0" g="0" b="0"/>
-      </a:effectRef>
-      <a:fontRef idx="minor"/>
-    </dgm:style>
-  </dgm:styleLbl>
-  <dgm:styleLbl name="conFgAcc1">
-    <dgm:scene3d>
-      <a:camera prst="orthographicFront"/>
-      <a:lightRig rig="threePt" dir="t"/>
-    </dgm:scene3d>
-    <dgm:sp3d/>
-    <dgm:txPr/>
-    <dgm:style>
-      <a:lnRef idx="1">
-        <a:scrgbClr r="0" g="0" b="0"/>
-      </a:lnRef>
-      <a:fillRef idx="1">
-        <a:scrgbClr r="0" g="0" b="0"/>
-      </a:fillRef>
-      <a:effectRef idx="0">
-        <a:scrgbClr r="0" g="0" b="0"/>
-      </a:effectRef>
-      <a:fontRef idx="minor"/>
-    </dgm:style>
-  </dgm:styleLbl>
-  <dgm:styleLbl name="alignAcc1">
-    <dgm:scene3d>
-      <a:camera prst="orthographicFront"/>
-      <a:lightRig rig="threePt" dir="t"/>
-    </dgm:scene3d>
-    <dgm:sp3d/>
-    <dgm:txPr/>
-    <dgm:style>
-      <a:lnRef idx="1">
-        <a:scrgbClr r="0" g="0" b="0"/>
-      </a:lnRef>
-      <a:fillRef idx="1">
-        <a:scrgbClr r="0" g="0" b="0"/>
-      </a:fillRef>
-      <a:effectRef idx="0">
-        <a:scrgbClr r="0" g="0" b="0"/>
-      </a:effectRef>
-      <a:fontRef idx="minor"/>
-    </dgm:style>
-  </dgm:styleLbl>
-  <dgm:styleLbl name="trAlignAcc1">
-    <dgm:scene3d>
-      <a:camera prst="orthographicFront"/>
-      <a:lightRig rig="threePt" dir="t"/>
-    </dgm:scene3d>
-    <dgm:sp3d/>
-    <dgm:txPr/>
-    <dgm:style>
-      <a:lnRef idx="1">
-        <a:scrgbClr r="0" g="0" b="0"/>
-      </a:lnRef>
-      <a:fillRef idx="1">
-        <a:scrgbClr r="0" g="0" b="0"/>
-      </a:fillRef>
-      <a:effectRef idx="0">
-        <a:scrgbClr r="0" g="0" b="0"/>
-      </a:effectRef>
-      <a:fontRef idx="minor"/>
-    </dgm:style>
-  </dgm:styleLbl>
-  <dgm:styleLbl name="bgAcc1">
-    <dgm:scene3d>
-      <a:camera prst="orthographicFront"/>
-      <a:lightRig rig="threePt" dir="t"/>
-    </dgm:scene3d>
-    <dgm:sp3d/>
-    <dgm:txPr/>
-    <dgm:style>
-      <a:lnRef idx="1">
-        <a:scrgbClr r="0" g="0" b="0"/>
-      </a:lnRef>
-      <a:fillRef idx="1">
-        <a:scrgbClr r="0" g="0" b="0"/>
-      </a:fillRef>
-      <a:effectRef idx="0">
-        <a:scrgbClr r="0" g="0" b="0"/>
-      </a:effectRef>
-      <a:fontRef idx="minor"/>
-    </dgm:style>
-  </dgm:styleLbl>
-  <dgm:styleLbl name="solidFgAcc1">
-    <dgm:scene3d>
-      <a:camera prst="orthographicFront"/>
-      <a:lightRig rig="threePt" dir="t"/>
-    </dgm:scene3d>
-    <dgm:sp3d/>
-    <dgm:txPr/>
-    <dgm:style>
-      <a:lnRef idx="1">
-        <a:scrgbClr r="0" g="0" b="0"/>
-      </a:lnRef>
-      <a:fillRef idx="1">
-        <a:scrgbClr r="0" g="0" b="0"/>
-      </a:fillRef>
-      <a:effectRef idx="0">
-        <a:scrgbClr r="0" g="0" b="0"/>
-      </a:effectRef>
-      <a:fontRef idx="minor"/>
-    </dgm:style>
-  </dgm:styleLbl>
-  <dgm:styleLbl name="solidAlignAcc1">
-    <dgm:scene3d>
-      <a:camera prst="orthographicFront"/>
-      <a:lightRig rig="threePt" dir="t"/>
-    </dgm:scene3d>
-    <dgm:sp3d/>
-    <dgm:txPr/>
-    <dgm:style>
-      <a:lnRef idx="1">
-        <a:scrgbClr r="0" g="0" b="0"/>
-      </a:lnRef>
-      <a:fillRef idx="1">
-        <a:scrgbClr r="0" g="0" b="0"/>
-      </a:fillRef>
-      <a:effectRef idx="0">
-        <a:scrgbClr r="0" g="0" b="0"/>
-      </a:effectRef>
-      <a:fontRef idx="minor"/>
-    </dgm:style>
-  </dgm:styleLbl>
-  <dgm:styleLbl name="solidBgAcc1">
-    <dgm:scene3d>
-      <a:camera prst="orthographicFront"/>
-      <a:lightRig rig="threePt" dir="t"/>
-    </dgm:scene3d>
-    <dgm:sp3d/>
-    <dgm:txPr/>
-    <dgm:style>
-      <a:lnRef idx="1">
-        <a:scrgbClr r="0" g="0" b="0"/>
-      </a:lnRef>
-      <a:fillRef idx="1">
-        <a:scrgbClr r="0" g="0" b="0"/>
-      </a:fillRef>
-      <a:effectRef idx="0">
-        <a:scrgbClr r="0" g="0" b="0"/>
-      </a:effectRef>
-      <a:fontRef idx="minor"/>
-    </dgm:style>
-  </dgm:styleLbl>
-  <dgm:styleLbl name="fgAccFollowNode1">
-    <dgm:scene3d>
-      <a:camera prst="orthographicFront"/>
-      <a:lightRig rig="threePt" dir="t"/>
-    </dgm:scene3d>
-    <dgm:sp3d/>
-    <dgm:txPr/>
-    <dgm:style>
-      <a:lnRef idx="1">
-        <a:scrgbClr r="0" g="0" b="0"/>
-      </a:lnRef>
-      <a:fillRef idx="1">
-        <a:scrgbClr r="0" g="0" b="0"/>
-      </a:fillRef>
-      <a:effectRef idx="0">
-        <a:scrgbClr r="0" g="0" b="0"/>
-      </a:effectRef>
-      <a:fontRef idx="minor"/>
-    </dgm:style>
-  </dgm:styleLbl>
-  <dgm:styleLbl name="alignAccFollowNode1">
-    <dgm:scene3d>
-      <a:camera prst="orthographicFront"/>
-      <a:lightRig rig="threePt" dir="t"/>
-    </dgm:scene3d>
-    <dgm:sp3d/>
-    <dgm:txPr/>
-    <dgm:style>
-      <a:lnRef idx="1">
-        <a:scrgbClr r="0" g="0" b="0"/>
-      </a:lnRef>
-      <a:fillRef idx="1">
-        <a:scrgbClr r="0" g="0" b="0"/>
-      </a:fillRef>
-      <a:effectRef idx="0">
-        <a:scrgbClr r="0" g="0" b="0"/>
-      </a:effectRef>
-      <a:fontRef idx="minor"/>
-    </dgm:style>
-  </dgm:styleLbl>
-  <dgm:styleLbl name="bgAccFollowNode1">
-    <dgm:scene3d>
-      <a:camera prst="orthographicFront"/>
-      <a:lightRig rig="threePt" dir="t"/>
-    </dgm:scene3d>
-    <dgm:sp3d/>
-    <dgm:txPr/>
-    <dgm:style>
-      <a:lnRef idx="1">
-        <a:scrgbClr r="0" g="0" b="0"/>
-      </a:lnRef>
-      <a:fillRef idx="1">
-        <a:scrgbClr r="0" g="0" b="0"/>
-      </a:fillRef>
-      <a:effectRef idx="0">
-        <a:scrgbClr r="0" g="0" b="0"/>
-      </a:effectRef>
-      <a:fontRef idx="minor"/>
-    </dgm:style>
-  </dgm:styleLbl>
-  <dgm:styleLbl name="fgAcc0">
-    <dgm:scene3d>
-      <a:camera prst="orthographicFront"/>
-      <a:lightRig rig="threePt" dir="t"/>
-    </dgm:scene3d>
-    <dgm:sp3d/>
-    <dgm:txPr/>
-    <dgm:style>
-      <a:lnRef idx="1">
-        <a:scrgbClr r="0" g="0" b="0"/>
-      </a:lnRef>
-      <a:fillRef idx="1">
-        <a:scrgbClr r="0" g="0" b="0"/>
-      </a:fillRef>
-      <a:effectRef idx="0">
-        <a:scrgbClr r="0" g="0" b="0"/>
-      </a:effectRef>
-      <a:fontRef idx="minor"/>
-    </dgm:style>
-  </dgm:styleLbl>
-  <dgm:styleLbl name="fgAcc2">
-    <dgm:scene3d>
-      <a:camera prst="orthographicFront"/>
-      <a:lightRig rig="threePt" dir="t"/>
-    </dgm:scene3d>
-    <dgm:sp3d/>
-    <dgm:txPr/>
-    <dgm:style>
-      <a:lnRef idx="1">
-        <a:scrgbClr r="0" g="0" b="0"/>
-      </a:lnRef>
-      <a:fillRef idx="1">
-        <a:scrgbClr r="0" g="0" b="0"/>
-      </a:fillRef>
-      <a:effectRef idx="0">
-        <a:scrgbClr r="0" g="0" b="0"/>
-      </a:effectRef>
-      <a:fontRef idx="minor"/>
-    </dgm:style>
-  </dgm:styleLbl>
-  <dgm:styleLbl name="fgAcc3">
-    <dgm:scene3d>
-      <a:camera prst="orthographicFront"/>
-      <a:lightRig rig="threePt" dir="t"/>
-    </dgm:scene3d>
-    <dgm:sp3d/>
-    <dgm:txPr/>
-    <dgm:style>
-      <a:lnRef idx="1">
-        <a:scrgbClr r="0" g="0" b="0"/>
-      </a:lnRef>
-      <a:fillRef idx="1">
-        <a:scrgbClr r="0" g="0" b="0"/>
-      </a:fillRef>
-      <a:effectRef idx="0">
-        <a:scrgbClr r="0" g="0" b="0"/>
-      </a:effectRef>
-      <a:fontRef idx="minor"/>
-    </dgm:style>
-  </dgm:styleLbl>
-  <dgm:styleLbl name="fgAcc4">
-    <dgm:scene3d>
-      <a:camera prst="orthographicFront"/>
-      <a:lightRig rig="threePt" dir="t"/>
-    </dgm:scene3d>
-    <dgm:sp3d/>
-    <dgm:txPr/>
-    <dgm:style>
-      <a:lnRef idx="1">
-        <a:scrgbClr r="0" g="0" b="0"/>
-      </a:lnRef>
-      <a:fillRef idx="1">
-        <a:scrgbClr r="0" g="0" b="0"/>
-      </a:fillRef>
-      <a:effectRef idx="0">
-        <a:scrgbClr r="0" g="0" b="0"/>
-      </a:effectRef>
-      <a:fontRef idx="minor"/>
-    </dgm:style>
-  </dgm:styleLbl>
-  <dgm:styleLbl name="bgShp">
-    <dgm:scene3d>
-      <a:camera prst="orthographicFront"/>
-      <a:lightRig rig="threePt" dir="t"/>
-    </dgm:scene3d>
-    <dgm:sp3d/>
-    <dgm:txPr/>
-    <dgm:style>
-      <a:lnRef idx="0">
-        <a:scrgbClr r="0" g="0" b="0"/>
-      </a:lnRef>
-      <a:fillRef idx="1">
-        <a:scrgbClr r="0" g="0" b="0"/>
-      </a:fillRef>
-      <a:effectRef idx="2">
-        <a:scrgbClr r="0" g="0" b="0"/>
-      </a:effectRef>
-      <a:fontRef idx="minor"/>
-    </dgm:style>
-  </dgm:styleLbl>
-  <dgm:styleLbl name="dkBgShp">
-    <dgm:scene3d>
-      <a:camera prst="orthographicFront"/>
-      <a:lightRig rig="threePt" dir="t"/>
-    </dgm:scene3d>
-    <dgm:sp3d/>
-    <dgm:txPr/>
-    <dgm:style>
-      <a:lnRef idx="0">
-        <a:scrgbClr r="0" g="0" b="0"/>
-      </a:lnRef>
-      <a:fillRef idx="1">
-        <a:scrgbClr r="0" g="0" b="0"/>
-      </a:fillRef>
-      <a:effectRef idx="2">
-        <a:scrgbClr r="0" g="0" b="0"/>
-      </a:effectRef>
-      <a:fontRef idx="minor"/>
-    </dgm:style>
-  </dgm:styleLbl>
-  <dgm:styleLbl name="trBgShp">
-    <dgm:scene3d>
-      <a:camera prst="orthographicFront"/>
-      <a:lightRig rig="threePt" dir="t"/>
-    </dgm:scene3d>
-    <dgm:sp3d/>
-    <dgm:txPr/>
-    <dgm:style>
-      <a:lnRef idx="0">
-        <a:scrgbClr r="0" g="0" b="0"/>
-      </a:lnRef>
-      <a:fillRef idx="1">
-        <a:scrgbClr r="0" g="0" b="0"/>
-      </a:fillRef>
-      <a:effectRef idx="0">
-        <a:scrgbClr r="0" g="0" b="0"/>
-      </a:effectRef>
-      <a:fontRef idx="minor"/>
-    </dgm:style>
-  </dgm:styleLbl>
-  <dgm:styleLbl name="fgShp">
-    <dgm:scene3d>
-      <a:camera prst="orthographicFront"/>
-      <a:lightRig rig="threePt" dir="t"/>
-    </dgm:scene3d>
-    <dgm:sp3d/>
-    <dgm:txPr/>
-    <dgm:style>
-      <a:lnRef idx="0">
-        <a:scrgbClr r="0" g="0" b="0"/>
-      </a:lnRef>
-      <a:fillRef idx="3">
-        <a:scrgbClr r="0" g="0" b="0"/>
-      </a:fillRef>
-      <a:effectRef idx="2">
-        <a:scrgbClr r="0" g="0" b="0"/>
-      </a:effectRef>
-      <a:fontRef idx="minor"/>
-    </dgm:style>
-  </dgm:styleLbl>
-  <dgm:styleLbl name="revTx">
-    <dgm:scene3d>
-      <a:camera prst="orthographicFront"/>
-      <a:lightRig rig="threePt" dir="t"/>
-    </dgm:scene3d>
-    <dgm:sp3d/>
-    <dgm:txPr/>
-    <dgm:style>
-      <a:lnRef idx="0">
-        <a:scrgbClr r="0" g="0" b="0"/>
-      </a:lnRef>
-      <a:fillRef idx="0">
-        <a:scrgbClr r="0" g="0" b="0"/>
-      </a:fillRef>
-      <a:effectRef idx="0">
-        <a:scrgbClr r="0" g="0" b="0"/>
-      </a:effectRef>
-      <a:fontRef idx="minor"/>
-    </dgm:style>
-  </dgm:styleLbl>
-</dgm:styleDef>
 </file>
 
 <file path=ppt/handoutMasters/handoutMaster1.xml><?xml version="1.0" encoding="utf-8"?>
@@ -3425,7 +224,7 @@
           <a:p>
             <a:fld id="{8906F081-8781-4431-8FD4-2CF608CD7C47}" type="datetimeFigureOut">
               <a:rPr lang="en-US" smtClean="0"/>
-              <a:t>5/15/2017</a:t>
+              <a:t>5/15/17</a:t>
             </a:fld>
             <a:endParaRPr lang="en-US"/>
           </a:p>
@@ -3590,7 +389,7 @@
           <a:p>
             <a:fld id="{F06CA47C-B7FD-4BE9-B0E6-81BA758D95F2}" type="datetimeFigureOut">
               <a:rPr lang="en-US" smtClean="0"/>
-              <a:t>5/15/2017</a:t>
+              <a:t>5/15/17</a:t>
             </a:fld>
             <a:endParaRPr lang="en-US"/>
           </a:p>
@@ -4101,7 +900,7 @@
           <a:p>
             <a:fld id="{33024136-D290-48F3-A182-4C46BEB5146B}" type="datetime1">
               <a:rPr lang="en-US" smtClean="0"/>
-              <a:t>5/15/2017</a:t>
+              <a:t>5/15/17</a:t>
             </a:fld>
             <a:endParaRPr lang="en-US" dirty="0"/>
           </a:p>
@@ -4285,7 +1084,7 @@
           <a:p>
             <a:fld id="{9CC7D44C-38B1-4D0F-9006-D5774F331095}" type="datetime1">
               <a:rPr lang="en-US" smtClean="0"/>
-              <a:t>5/15/2017</a:t>
+              <a:t>5/15/17</a:t>
             </a:fld>
             <a:endParaRPr lang="en-US"/>
           </a:p>
@@ -4479,7 +1278,7 @@
           <a:p>
             <a:fld id="{F98D518A-FD4F-4358-B95B-9DB5A17160FB}" type="datetime1">
               <a:rPr lang="en-US" smtClean="0"/>
-              <a:t>5/15/2017</a:t>
+              <a:t>5/15/17</a:t>
             </a:fld>
             <a:endParaRPr lang="en-US"/>
           </a:p>
@@ -4672,7 +1471,7 @@
           <a:p>
             <a:fld id="{5E2A9F4F-03AD-4497-A65D-076601BD41D2}" type="datetime1">
               <a:rPr lang="en-US" smtClean="0"/>
-              <a:t>5/15/2017</a:t>
+              <a:t>5/15/17</a:t>
             </a:fld>
             <a:endParaRPr lang="en-US"/>
           </a:p>
@@ -4895,7 +1694,7 @@
           <a:p>
             <a:fld id="{EDFBF3AC-A781-43AA-8BD5-B12F49168B94}" type="datetime1">
               <a:rPr lang="en-US" smtClean="0"/>
-              <a:t>5/15/2017</a:t>
+              <a:t>5/15/17</a:t>
             </a:fld>
             <a:endParaRPr lang="en-US"/>
           </a:p>
@@ -5180,7 +1979,7 @@
           <a:p>
             <a:fld id="{C5256A41-C91B-43FF-9881-F5DA9878418F}" type="datetime1">
               <a:rPr lang="en-US" smtClean="0"/>
-              <a:t>5/15/2017</a:t>
+              <a:t>5/15/17</a:t>
             </a:fld>
             <a:endParaRPr lang="en-US"/>
           </a:p>
@@ -5583,7 +2382,7 @@
           <a:p>
             <a:fld id="{FFD7AA76-41EE-4C13-950E-E611B8B8FC52}" type="datetime1">
               <a:rPr lang="en-US" smtClean="0"/>
-              <a:t>5/15/2017</a:t>
+              <a:t>5/15/17</a:t>
             </a:fld>
             <a:endParaRPr lang="en-US"/>
           </a:p>
@@ -5730,7 +2529,7 @@
           <a:p>
             <a:fld id="{89407A26-E7BC-4498-97E4-87AF12377CA9}" type="datetime1">
               <a:rPr lang="en-US" smtClean="0"/>
-              <a:t>5/15/2017</a:t>
+              <a:t>5/15/17</a:t>
             </a:fld>
             <a:endParaRPr lang="en-US"/>
           </a:p>
@@ -5845,7 +2644,7 @@
           <a:p>
             <a:fld id="{93EA4171-1117-4486-993C-35A7470D8847}" type="datetime1">
               <a:rPr lang="en-US" smtClean="0"/>
-              <a:t>5/15/2017</a:t>
+              <a:t>5/15/17</a:t>
             </a:fld>
             <a:endParaRPr lang="en-US"/>
           </a:p>
@@ -6117,7 +2916,7 @@
           <a:p>
             <a:fld id="{472A4CB8-1563-4663-81DB-74EB416C19BE}" type="datetime1">
               <a:rPr lang="en-US" smtClean="0"/>
-              <a:t>5/15/2017</a:t>
+              <a:t>5/15/17</a:t>
             </a:fld>
             <a:endParaRPr lang="en-US"/>
           </a:p>
@@ -6453,7 +3252,7 @@
           <a:p>
             <a:fld id="{0C6724CE-2468-448B-87C1-A92EDD78369B}" type="datetime1">
               <a:rPr lang="en-US" smtClean="0"/>
-              <a:t>5/15/2017</a:t>
+              <a:t>5/15/17</a:t>
             </a:fld>
             <a:endParaRPr lang="en-US"/>
           </a:p>
@@ -6714,7 +3513,7 @@
           <a:p>
             <a:fld id="{4CD11720-76E7-46E6-B0AA-057287C42052}" type="datetime1">
               <a:rPr lang="en-US" smtClean="0"/>
-              <a:t>5/15/2017</a:t>
+              <a:t>5/15/17</a:t>
             </a:fld>
             <a:endParaRPr lang="en-US" dirty="0"/>
           </a:p>
@@ -7232,37 +4031,44 @@
           <a:p>
             <a:pPr lvl="0"/>
             <a:r>
-              <a:rPr lang="en-US" dirty="0"/>
-              <a:t>First level</a:t>
-            </a:r>
-          </a:p>
-          <a:p>
-            <a:pPr lvl="1"/>
-            <a:r>
-              <a:rPr lang="en-US" dirty="0"/>
-              <a:t>Second level</a:t>
-            </a:r>
-          </a:p>
-          <a:p>
-            <a:pPr lvl="2"/>
-            <a:r>
-              <a:rPr lang="en-US" dirty="0"/>
-              <a:t>Third level</a:t>
-            </a:r>
-          </a:p>
-          <a:p>
-            <a:pPr lvl="3"/>
-            <a:r>
-              <a:rPr lang="en-US" dirty="0"/>
-              <a:t>Fourth level</a:t>
-            </a:r>
-          </a:p>
-          <a:p>
-            <a:pPr lvl="4"/>
-            <a:r>
-              <a:rPr lang="en-US" dirty="0"/>
-              <a:t>Fifth level</a:t>
-            </a:r>
+              <a:rPr lang="en-US" dirty="0" err="1" smtClean="0"/>
+              <a:t>Ebisu</a:t>
+            </a:r>
+            <a:r>
+              <a:rPr lang="en-US" dirty="0" smtClean="0"/>
+              <a:t> is meant to function as an Input device by tracking and categorizing gestures.</a:t>
+            </a:r>
+          </a:p>
+          <a:p>
+            <a:pPr lvl="0"/>
+            <a:r>
+              <a:rPr lang="en-US" dirty="0" smtClean="0"/>
+              <a:t>Unsupervised learning means that </a:t>
+            </a:r>
+            <a:r>
+              <a:rPr lang="en-US" dirty="0" err="1" smtClean="0"/>
+              <a:t>Ebisu</a:t>
+            </a:r>
+            <a:r>
+              <a:rPr lang="en-US" dirty="0" smtClean="0"/>
+              <a:t> can learn on the go and gradually adapt to the user.</a:t>
+            </a:r>
+          </a:p>
+          <a:p>
+            <a:pPr lvl="0"/>
+            <a:r>
+              <a:rPr lang="en-US" dirty="0" smtClean="0"/>
+              <a:t>Advantages of gesture-based input are numerous. Including silence, subtlety, and the ability to use </a:t>
+            </a:r>
+            <a:r>
+              <a:rPr lang="en-US" dirty="0" err="1" smtClean="0"/>
+              <a:t>Ebisu</a:t>
+            </a:r>
+            <a:r>
+              <a:rPr lang="en-US" dirty="0" smtClean="0"/>
+              <a:t> while on the move.</a:t>
+            </a:r>
+            <a:endParaRPr lang="en-US" dirty="0"/>
           </a:p>
         </p:txBody>
       </p:sp>
@@ -7347,10 +4153,16 @@
           <a:p>
             <a:r>
               <a:rPr lang="en-US" dirty="0"/>
-              <a:t>Design wearable combined with MLA to use as input device</a:t>
-            </a:r>
-          </a:p>
-          <a:p>
+              <a:t>Design wearable combined with MLA to use as </a:t>
+            </a:r>
+            <a:r>
+              <a:rPr lang="en-US"/>
+              <a:t>input </a:t>
+            </a:r>
+            <a:r>
+              <a:rPr lang="en-US" smtClean="0"/>
+              <a:t>device</a:t>
+            </a:r>
             <a:endParaRPr lang="en-US" dirty="0"/>
           </a:p>
         </p:txBody>
@@ -7448,21 +4260,21 @@
                 <a:gridCol w="1794934">
                   <a:extLst>
                     <a:ext uri="{9D8B030D-6E8A-4147-A177-3AD203B41FA5}">
-                      <a16:colId xmlns:a16="http://schemas.microsoft.com/office/drawing/2014/main" val="20000"/>
+                      <a16:colId xmlns:a16="http://schemas.microsoft.com/office/drawing/2014/main" xmlns="" val="20000"/>
                     </a:ext>
                   </a:extLst>
                 </a:gridCol>
                 <a:gridCol w="1794934">
                   <a:extLst>
                     <a:ext uri="{9D8B030D-6E8A-4147-A177-3AD203B41FA5}">
-                      <a16:colId xmlns:a16="http://schemas.microsoft.com/office/drawing/2014/main" val="20001"/>
+                      <a16:colId xmlns:a16="http://schemas.microsoft.com/office/drawing/2014/main" xmlns="" val="20001"/>
                     </a:ext>
                   </a:extLst>
                 </a:gridCol>
                 <a:gridCol w="1794934">
                   <a:extLst>
                     <a:ext uri="{9D8B030D-6E8A-4147-A177-3AD203B41FA5}">
-                      <a16:colId xmlns:a16="http://schemas.microsoft.com/office/drawing/2014/main" val="20002"/>
+                      <a16:colId xmlns:a16="http://schemas.microsoft.com/office/drawing/2014/main" xmlns="" val="20002"/>
                     </a:ext>
                   </a:extLst>
                 </a:gridCol>
@@ -7511,7 +4323,7 @@
                 </a:tc>
                 <a:extLst>
                   <a:ext uri="{0D108BD9-81ED-4DB2-BD59-A6C34878D82A}">
-                    <a16:rowId xmlns:a16="http://schemas.microsoft.com/office/drawing/2014/main" val="10000"/>
+                    <a16:rowId xmlns:a16="http://schemas.microsoft.com/office/drawing/2014/main" xmlns="" val="10000"/>
                   </a:ext>
                 </a:extLst>
               </a:tr>
@@ -7559,7 +4371,7 @@
                 </a:tc>
                 <a:extLst>
                   <a:ext uri="{0D108BD9-81ED-4DB2-BD59-A6C34878D82A}">
-                    <a16:rowId xmlns:a16="http://schemas.microsoft.com/office/drawing/2014/main" val="10001"/>
+                    <a16:rowId xmlns:a16="http://schemas.microsoft.com/office/drawing/2014/main" xmlns="" val="10001"/>
                   </a:ext>
                 </a:extLst>
               </a:tr>
@@ -7607,7 +4419,7 @@
                 </a:tc>
                 <a:extLst>
                   <a:ext uri="{0D108BD9-81ED-4DB2-BD59-A6C34878D82A}">
-                    <a16:rowId xmlns:a16="http://schemas.microsoft.com/office/drawing/2014/main" val="10002"/>
+                    <a16:rowId xmlns:a16="http://schemas.microsoft.com/office/drawing/2014/main" xmlns="" val="10002"/>
                   </a:ext>
                 </a:extLst>
               </a:tr>
@@ -7655,7 +4467,7 @@
                 </a:tc>
                 <a:extLst>
                   <a:ext uri="{0D108BD9-81ED-4DB2-BD59-A6C34878D82A}">
-                    <a16:rowId xmlns:a16="http://schemas.microsoft.com/office/drawing/2014/main" val="10003"/>
+                    <a16:rowId xmlns:a16="http://schemas.microsoft.com/office/drawing/2014/main" xmlns="" val="10003"/>
                   </a:ext>
                 </a:extLst>
               </a:tr>
@@ -7679,22 +4491,21 @@
           <a:lstStyle/>
           <a:p>
             <a:r>
-              <a:rPr lang="en-US"/>
+              <a:rPr lang="en-US" dirty="0"/>
               <a:t>First bullet point here</a:t>
             </a:r>
           </a:p>
           <a:p>
             <a:r>
-              <a:rPr lang="en-US"/>
+              <a:rPr lang="en-US" dirty="0"/>
               <a:t>Second bullet point here</a:t>
             </a:r>
           </a:p>
           <a:p>
             <a:r>
-              <a:rPr lang="en-US"/>
+              <a:rPr lang="en-US" dirty="0"/>
               <a:t>Third bullet point here</a:t>
             </a:r>
-            <a:endParaRPr lang="en-US" dirty="0"/>
           </a:p>
         </p:txBody>
       </p:sp>
@@ -7762,39 +4573,65 @@
           </a:p>
         </p:txBody>
       </p:sp>
-      <p:graphicFrame>
-        <p:nvGraphicFramePr>
-          <p:cNvPr id="9" name="Content Placeholder 8" descr="Vertical accent list showing 3 groups arranged one below the other and bullet points are present under each group"/>
-          <p:cNvGraphicFramePr>
-            <a:graphicFrameLocks noGrp="1"/>
-          </p:cNvGraphicFramePr>
+      <p:sp>
+        <p:nvSpPr>
+          <p:cNvPr id="10" name="Content Placeholder 9"/>
+          <p:cNvSpPr>
+            <a:spLocks noGrp="1"/>
+          </p:cNvSpPr>
+          <p:nvPr>
+            <p:ph sz="half" idx="1"/>
+          </p:nvPr>
+        </p:nvSpPr>
+        <p:spPr/>
+        <p:txBody>
+          <a:bodyPr/>
+          <a:lstStyle/>
+          <a:p>
+            <a:r>
+              <a:rPr lang="en-US" dirty="0" smtClean="0"/>
+              <a:t>The Algorithm: DBSCAN</a:t>
+            </a:r>
+            <a:endParaRPr lang="en-US" dirty="0" smtClean="0"/>
+          </a:p>
+          <a:p>
+            <a:pPr lvl="1"/>
+            <a:r>
+              <a:rPr lang="en-US" dirty="0" smtClean="0"/>
+              <a:t>Curse of Dimensionality</a:t>
+            </a:r>
+            <a:endParaRPr lang="en-US" dirty="0"/>
+          </a:p>
+          <a:p>
+            <a:pPr lvl="1"/>
+            <a:r>
+              <a:rPr lang="en-US" dirty="0" smtClean="0"/>
+              <a:t>Overall performance</a:t>
+            </a:r>
+          </a:p>
+          <a:p>
+            <a:pPr lvl="1"/>
+            <a:r>
+              <a:rPr lang="en-US" dirty="0" smtClean="0"/>
+              <a:t>Limitations</a:t>
+            </a:r>
+          </a:p>
+          <a:p>
+            <a:pPr marL="454914" lvl="1" indent="0">
+              <a:buNone/>
+            </a:pPr>
+            <a:endParaRPr lang="en-US" dirty="0" smtClean="0"/>
+          </a:p>
+        </p:txBody>
+      </p:sp>
+      <p:sp>
+        <p:nvSpPr>
+          <p:cNvPr id="3" name="Content Placeholder 2"/>
+          <p:cNvSpPr>
+            <a:spLocks noGrp="1"/>
+          </p:cNvSpPr>
           <p:nvPr>
             <p:ph sz="half" idx="2"/>
-            <p:extLst>
-              <p:ext uri="{D42A27DB-BD31-4B8C-83A1-F6EECF244321}">
-                <p14:modId xmlns:p14="http://schemas.microsoft.com/office/powerpoint/2010/main" val="3390058904"/>
-              </p:ext>
-            </p:extLst>
-          </p:nvPr>
-        </p:nvGraphicFramePr>
-        <p:xfrm>
-          <a:off x="6207125" y="1770063"/>
-          <a:ext cx="5384800" cy="4525962"/>
-        </p:xfrm>
-        <a:graphic>
-          <a:graphicData uri="http://schemas.openxmlformats.org/drawingml/2006/diagram">
-            <dgm:relIds xmlns:dgm="http://schemas.openxmlformats.org/drawingml/2006/diagram" xmlns:r="http://schemas.openxmlformats.org/officeDocument/2006/relationships" r:dm="rId2" r:lo="rId3" r:qs="rId4" r:cs="rId5"/>
-          </a:graphicData>
-        </a:graphic>
-      </p:graphicFrame>
-      <p:sp>
-        <p:nvSpPr>
-          <p:cNvPr id="10" name="Content Placeholder 9"/>
-          <p:cNvSpPr>
-            <a:spLocks noGrp="1"/>
-          </p:cNvSpPr>
-          <p:nvPr>
-            <p:ph sz="half" idx="1"/>
           </p:nvPr>
         </p:nvSpPr>
         <p:spPr/>
@@ -7803,21 +4640,29 @@
           <a:lstStyle/>
           <a:p>
             <a:r>
-              <a:rPr lang="en-US" dirty="0"/>
-              <a:t>First bullet point here</a:t>
-            </a:r>
-          </a:p>
-          <a:p>
-            <a:r>
-              <a:rPr lang="en-US" dirty="0"/>
-              <a:t>Second bullet point here</a:t>
-            </a:r>
-          </a:p>
-          <a:p>
-            <a:r>
-              <a:rPr lang="en-US" dirty="0"/>
-              <a:t>Third bullet point here</a:t>
-            </a:r>
+              <a:rPr lang="en-US" dirty="0" smtClean="0"/>
+              <a:t>Next Steps</a:t>
+            </a:r>
+          </a:p>
+          <a:p>
+            <a:pPr lvl="1"/>
+            <a:r>
+              <a:rPr lang="en-US" dirty="0" smtClean="0"/>
+              <a:t>Integration</a:t>
+            </a:r>
+          </a:p>
+          <a:p>
+            <a:pPr lvl="1"/>
+            <a:r>
+              <a:rPr lang="en-US" dirty="0" smtClean="0"/>
+              <a:t>Dynamic Gestures</a:t>
+            </a:r>
+          </a:p>
+          <a:p>
+            <a:pPr marL="454914" lvl="1" indent="0">
+              <a:buNone/>
+            </a:pPr>
+            <a:endParaRPr lang="en-US" dirty="0"/>
           </a:p>
         </p:txBody>
       </p:sp>
@@ -7825,6 +4670,256 @@
     <p:extLst>
       <p:ext uri="{BB962C8B-B14F-4D97-AF65-F5344CB8AC3E}">
         <p14:creationId xmlns:p14="http://schemas.microsoft.com/office/powerpoint/2010/main" val="1317527291"/>
+      </p:ext>
+    </p:extLst>
+  </p:cSld>
+  <p:clrMapOvr>
+    <a:masterClrMapping/>
+  </p:clrMapOvr>
+  <mc:AlternateContent xmlns:mc="http://schemas.openxmlformats.org/markup-compatibility/2006" xmlns:p14="http://schemas.microsoft.com/office/powerpoint/2010/main">
+    <mc:Choice Requires="p14">
+      <p:transition spd="med" p14:dur="700">
+        <p:fade/>
+      </p:transition>
+    </mc:Choice>
+    <mc:Fallback xmlns="">
+      <p:transition spd="med">
+        <p:fade/>
+      </p:transition>
+    </mc:Fallback>
+  </mc:AlternateContent>
+</p:sld>
+</file>
+
+<file path=ppt/slides/slide6.xml><?xml version="1.0" encoding="utf-8"?>
+<p:sld xmlns:a="http://schemas.openxmlformats.org/drawingml/2006/main" xmlns:r="http://schemas.openxmlformats.org/officeDocument/2006/relationships" xmlns:p="http://schemas.openxmlformats.org/presentationml/2006/main">
+  <p:cSld>
+    <p:spTree>
+      <p:nvGrpSpPr>
+        <p:cNvPr id="1" name=""/>
+        <p:cNvGrpSpPr/>
+        <p:nvPr/>
+      </p:nvGrpSpPr>
+      <p:grpSpPr>
+        <a:xfrm>
+          <a:off x="0" y="0"/>
+          <a:ext cx="0" cy="0"/>
+          <a:chOff x="0" y="0"/>
+          <a:chExt cx="0" cy="0"/>
+        </a:xfrm>
+      </p:grpSpPr>
+      <p:sp>
+        <p:nvSpPr>
+          <p:cNvPr id="2" name="Title 1"/>
+          <p:cNvSpPr>
+            <a:spLocks noGrp="1"/>
+          </p:cNvSpPr>
+          <p:nvPr>
+            <p:ph type="title"/>
+          </p:nvPr>
+        </p:nvSpPr>
+        <p:spPr>
+          <a:xfrm>
+            <a:off x="4792869" y="2208696"/>
+            <a:ext cx="8114748" cy="3578087"/>
+          </a:xfrm>
+        </p:spPr>
+        <p:txBody>
+          <a:bodyPr/>
+          <a:lstStyle/>
+          <a:p>
+            <a:r>
+              <a:rPr lang="en-US" dirty="0" smtClean="0"/>
+              <a:t>DEMO</a:t>
+            </a:r>
+            <a:endParaRPr lang="en-US" dirty="0"/>
+          </a:p>
+        </p:txBody>
+      </p:sp>
+      <p:sp>
+        <p:nvSpPr>
+          <p:cNvPr id="3" name="Content Placeholder 2"/>
+          <p:cNvSpPr>
+            <a:spLocks noGrp="1"/>
+          </p:cNvSpPr>
+          <p:nvPr>
+            <p:ph sz="half" idx="1"/>
+          </p:nvPr>
+        </p:nvSpPr>
+        <p:spPr>
+          <a:xfrm flipH="1">
+            <a:off x="6003924" y="6250609"/>
+            <a:ext cx="47901" cy="45856"/>
+          </a:xfrm>
+        </p:spPr>
+        <p:txBody>
+          <a:bodyPr>
+            <a:normAutofit fontScale="25000" lnSpcReduction="20000"/>
+          </a:bodyPr>
+          <a:lstStyle/>
+          <a:p>
+            <a:pPr marL="68580" indent="0">
+              <a:buNone/>
+            </a:pPr>
+            <a:endParaRPr lang="en-US" dirty="0"/>
+          </a:p>
+        </p:txBody>
+      </p:sp>
+      <p:sp>
+        <p:nvSpPr>
+          <p:cNvPr id="4" name="Content Placeholder 3"/>
+          <p:cNvSpPr>
+            <a:spLocks noGrp="1"/>
+          </p:cNvSpPr>
+          <p:nvPr>
+            <p:ph sz="half" idx="2"/>
+          </p:nvPr>
+        </p:nvSpPr>
+        <p:spPr>
+          <a:xfrm>
+            <a:off x="11507303" y="6250746"/>
+            <a:ext cx="84621" cy="45719"/>
+          </a:xfrm>
+        </p:spPr>
+        <p:txBody>
+          <a:bodyPr>
+            <a:normAutofit fontScale="25000" lnSpcReduction="20000"/>
+          </a:bodyPr>
+          <a:lstStyle/>
+          <a:p>
+            <a:pPr marL="68580" indent="0">
+              <a:buNone/>
+            </a:pPr>
+            <a:endParaRPr lang="en-US" dirty="0"/>
+          </a:p>
+        </p:txBody>
+      </p:sp>
+    </p:spTree>
+    <p:extLst>
+      <p:ext uri="{BB962C8B-B14F-4D97-AF65-F5344CB8AC3E}">
+        <p14:creationId xmlns:p14="http://schemas.microsoft.com/office/powerpoint/2010/main" val="606496872"/>
+      </p:ext>
+    </p:extLst>
+  </p:cSld>
+  <p:clrMapOvr>
+    <a:masterClrMapping/>
+  </p:clrMapOvr>
+  <mc:AlternateContent xmlns:mc="http://schemas.openxmlformats.org/markup-compatibility/2006" xmlns:p14="http://schemas.microsoft.com/office/powerpoint/2010/main">
+    <mc:Choice Requires="p14">
+      <p:transition spd="med" p14:dur="700">
+        <p:fade/>
+      </p:transition>
+    </mc:Choice>
+    <mc:Fallback xmlns="">
+      <p:transition spd="med">
+        <p:fade/>
+      </p:transition>
+    </mc:Fallback>
+  </mc:AlternateContent>
+</p:sld>
+</file>
+
+<file path=ppt/slides/slide7.xml><?xml version="1.0" encoding="utf-8"?>
+<p:sld xmlns:a="http://schemas.openxmlformats.org/drawingml/2006/main" xmlns:r="http://schemas.openxmlformats.org/officeDocument/2006/relationships" xmlns:p="http://schemas.openxmlformats.org/presentationml/2006/main">
+  <p:cSld>
+    <p:spTree>
+      <p:nvGrpSpPr>
+        <p:cNvPr id="1" name=""/>
+        <p:cNvGrpSpPr/>
+        <p:nvPr/>
+      </p:nvGrpSpPr>
+      <p:grpSpPr>
+        <a:xfrm>
+          <a:off x="0" y="0"/>
+          <a:ext cx="0" cy="0"/>
+          <a:chOff x="0" y="0"/>
+          <a:chExt cx="0" cy="0"/>
+        </a:xfrm>
+      </p:grpSpPr>
+      <p:sp>
+        <p:nvSpPr>
+          <p:cNvPr id="2" name="Title 1"/>
+          <p:cNvSpPr>
+            <a:spLocks noGrp="1"/>
+          </p:cNvSpPr>
+          <p:nvPr>
+            <p:ph type="title"/>
+          </p:nvPr>
+        </p:nvSpPr>
+        <p:spPr>
+          <a:xfrm>
+            <a:off x="4253948" y="2477804"/>
+            <a:ext cx="10972800" cy="914400"/>
+          </a:xfrm>
+        </p:spPr>
+        <p:txBody>
+          <a:bodyPr/>
+          <a:lstStyle/>
+          <a:p>
+            <a:r>
+              <a:rPr lang="en-US" dirty="0" smtClean="0"/>
+              <a:t>Questions?</a:t>
+            </a:r>
+            <a:endParaRPr lang="en-US" dirty="0"/>
+          </a:p>
+        </p:txBody>
+      </p:sp>
+      <p:sp>
+        <p:nvSpPr>
+          <p:cNvPr id="3" name="Content Placeholder 2"/>
+          <p:cNvSpPr>
+            <a:spLocks noGrp="1"/>
+          </p:cNvSpPr>
+          <p:nvPr>
+            <p:ph sz="half" idx="1"/>
+          </p:nvPr>
+        </p:nvSpPr>
+        <p:spPr>
+          <a:xfrm>
+            <a:off x="5930347" y="6239565"/>
+            <a:ext cx="73577" cy="56900"/>
+          </a:xfrm>
+        </p:spPr>
+        <p:txBody>
+          <a:bodyPr>
+            <a:normAutofit fontScale="25000" lnSpcReduction="20000"/>
+          </a:bodyPr>
+          <a:lstStyle/>
+          <a:p>
+            <a:endParaRPr lang="en-US" dirty="0"/>
+          </a:p>
+        </p:txBody>
+      </p:sp>
+      <p:sp>
+        <p:nvSpPr>
+          <p:cNvPr id="4" name="Content Placeholder 3"/>
+          <p:cNvSpPr>
+            <a:spLocks noGrp="1"/>
+          </p:cNvSpPr>
+          <p:nvPr>
+            <p:ph sz="half" idx="2"/>
+          </p:nvPr>
+        </p:nvSpPr>
+        <p:spPr>
+          <a:xfrm>
+            <a:off x="11695043" y="6493565"/>
+            <a:ext cx="73578" cy="112117"/>
+          </a:xfrm>
+        </p:spPr>
+        <p:txBody>
+          <a:bodyPr>
+            <a:normAutofit fontScale="25000" lnSpcReduction="20000"/>
+          </a:bodyPr>
+          <a:lstStyle/>
+          <a:p>
+            <a:endParaRPr lang="en-US"/>
+          </a:p>
+        </p:txBody>
+      </p:sp>
+    </p:spTree>
+    <p:extLst>
+      <p:ext uri="{BB962C8B-B14F-4D97-AF65-F5344CB8AC3E}">
+        <p14:creationId xmlns:p14="http://schemas.microsoft.com/office/powerpoint/2010/main" val="471961673"/>
       </p:ext>
     </p:extLst>
   </p:cSld>
@@ -7889,7 +4984,7 @@
     </a:clrScheme>
     <a:fontScheme name="Arial">
       <a:majorFont>
-        <a:latin typeface="Arial" panose="020B0604020202020204"/>
+        <a:latin typeface="Arial"/>
         <a:ea typeface=""/>
         <a:cs typeface=""/>
         <a:font script="Jpan" typeface="ＭＳ ゴシック"/>
@@ -7924,7 +5019,7 @@
         <a:font script="Geor" typeface="Sylfaen"/>
       </a:majorFont>
       <a:minorFont>
-        <a:latin typeface="Arial" panose="020B0604020202020204"/>
+        <a:latin typeface="Arial"/>
         <a:ea typeface=""/>
         <a:cs typeface=""/>
         <a:font script="Jpan" typeface="ＭＳ ゴシック"/>
@@ -8140,7 +5235,7 @@
   <a:extraClrSchemeLst/>
   <a:extLst>
     <a:ext uri="{05A4C25C-085E-4340-85A3-A5531E510DB2}">
-      <thm15:themeFamily xmlns:thm15="http://schemas.microsoft.com/office/thememl/2012/main" name="Nightfall design slides.potx" id="{86629933-8834-4C4E-B3F9-618E4139F8B8}" vid="{B0B8406C-BC7D-4A04-AE79-53D6E7D7D91D}"/>
+      <thm15:themeFamily xmlns:thm15="http://schemas.microsoft.com/office/thememl/2012/main" xmlns="" name="Nightfall design slides.potx" id="{86629933-8834-4C4E-B3F9-618E4139F8B8}" vid="{B0B8406C-BC7D-4A04-AE79-53D6E7D7D91D}"/>
     </a:ext>
   </a:extLst>
 </a:theme>
@@ -8189,7 +5284,7 @@
     </a:clrScheme>
     <a:fontScheme name="Arial">
       <a:majorFont>
-        <a:latin typeface="Arial" panose="020B0604020202020204"/>
+        <a:latin typeface="Arial"/>
         <a:ea typeface=""/>
         <a:cs typeface=""/>
         <a:font script="Jpan" typeface="ＭＳ ゴシック"/>
@@ -8224,7 +5319,7 @@
         <a:font script="Geor" typeface="Sylfaen"/>
       </a:majorFont>
       <a:minorFont>
-        <a:latin typeface="Arial" panose="020B0604020202020204"/>
+        <a:latin typeface="Arial"/>
         <a:ea typeface=""/>
         <a:cs typeface=""/>
         <a:font script="Jpan" typeface="ＭＳ ゴシック"/>
@@ -8435,7 +5530,7 @@
   <a:extraClrSchemeLst/>
   <a:extLst>
     <a:ext uri="{05A4C25C-085E-4340-85A3-A5531E510DB2}">
-      <thm15:themeFamily xmlns:thm15="http://schemas.microsoft.com/office/thememl/2012/main" name="Office Theme" id="{62F939B6-93AF-4DB8-9C6B-D6C7DFDC589F}" vid="{4A3C46E8-61CC-4603-A589-7422A47A8E4A}"/>
+      <thm15:themeFamily xmlns:thm15="http://schemas.microsoft.com/office/thememl/2012/main" xmlns="" name="Office Theme" id="{62F939B6-93AF-4DB8-9C6B-D6C7DFDC589F}" vid="{4A3C46E8-61CC-4603-A589-7422A47A8E4A}"/>
     </a:ext>
   </a:extLst>
 </a:theme>
@@ -8484,7 +5579,7 @@
     </a:clrScheme>
     <a:fontScheme name="Arial">
       <a:majorFont>
-        <a:latin typeface="Arial" panose="020B0604020202020204"/>
+        <a:latin typeface="Arial"/>
         <a:ea typeface=""/>
         <a:cs typeface=""/>
         <a:font script="Jpan" typeface="ＭＳ ゴシック"/>
@@ -8519,7 +5614,7 @@
         <a:font script="Geor" typeface="Sylfaen"/>
       </a:majorFont>
       <a:minorFont>
-        <a:latin typeface="Arial" panose="020B0604020202020204"/>
+        <a:latin typeface="Arial"/>
         <a:ea typeface=""/>
         <a:cs typeface=""/>
         <a:font script="Jpan" typeface="ＭＳ ゴシック"/>
@@ -8730,7 +5825,7 @@
   <a:extraClrSchemeLst/>
   <a:extLst>
     <a:ext uri="{05A4C25C-085E-4340-85A3-A5531E510DB2}">
-      <thm15:themeFamily xmlns:thm15="http://schemas.microsoft.com/office/thememl/2012/main" name="Office Theme" id="{62F939B6-93AF-4DB8-9C6B-D6C7DFDC589F}" vid="{4A3C46E8-61CC-4603-A589-7422A47A8E4A}"/>
+      <thm15:themeFamily xmlns:thm15="http://schemas.microsoft.com/office/thememl/2012/main" xmlns="" name="Office Theme" id="{62F939B6-93AF-4DB8-9C6B-D6C7DFDC589F}" vid="{4A3C46E8-61CC-4603-A589-7422A47A8E4A}"/>
     </a:ext>
   </a:extLst>
 </a:theme>

--- a/FinalPresentation.pptx
+++ b/FinalPresentation.pptx
@@ -5,19 +5,18 @@
     <p:sldMasterId id="2147483696" r:id="rId4"/>
   </p:sldMasterIdLst>
   <p:notesMasterIdLst>
-    <p:notesMasterId r:id="rId12"/>
+    <p:notesMasterId r:id="rId11"/>
   </p:notesMasterIdLst>
   <p:handoutMasterIdLst>
-    <p:handoutMasterId r:id="rId13"/>
+    <p:handoutMasterId r:id="rId12"/>
   </p:handoutMasterIdLst>
   <p:sldIdLst>
     <p:sldId id="258" r:id="rId5"/>
     <p:sldId id="259" r:id="rId6"/>
-    <p:sldId id="263" r:id="rId7"/>
-    <p:sldId id="261" r:id="rId8"/>
-    <p:sldId id="262" r:id="rId9"/>
-    <p:sldId id="264" r:id="rId10"/>
-    <p:sldId id="265" r:id="rId11"/>
+    <p:sldId id="261" r:id="rId7"/>
+    <p:sldId id="262" r:id="rId8"/>
+    <p:sldId id="264" r:id="rId9"/>
+    <p:sldId id="265" r:id="rId10"/>
   </p:sldIdLst>
   <p:sldSz cx="12192000" cy="6858000"/>
   <p:notesSz cx="6858000" cy="9144000"/>
@@ -118,7 +117,7 @@
   </p:defaultTextStyle>
   <p:extLst>
     <p:ext uri="{EFAFB233-063F-42B5-8137-9DF3F51BA10A}">
-      <p15:sldGuideLst xmlns:p15="http://schemas.microsoft.com/office/powerpoint/2012/main" xmlns="">
+      <p15:sldGuideLst xmlns="" xmlns:p15="http://schemas.microsoft.com/office/powerpoint/2012/main">
         <p15:guide id="1" orient="horz" pos="2160" userDrawn="1">
           <p15:clr>
             <a:srgbClr val="A4A3A4"/>
@@ -132,7 +131,7 @@
       </p15:sldGuideLst>
     </p:ext>
     <p:ext uri="{2D200454-40CA-4A62-9FC3-DE9A4176ACB9}">
-      <p15:notesGuideLst xmlns:p15="http://schemas.microsoft.com/office/powerpoint/2012/main" xmlns=""/>
+      <p15:notesGuideLst xmlns="" xmlns:p15="http://schemas.microsoft.com/office/powerpoint/2012/main"/>
     </p:ext>
   </p:extLst>
 </p:presentation>
@@ -4131,8 +4130,30 @@
           <a:p>
             <a:r>
               <a:rPr lang="en-US" dirty="0"/>
-              <a:t>Overview</a:t>
-            </a:r>
+              <a:t>Hardware Details</a:t>
+            </a:r>
+          </a:p>
+        </p:txBody>
+      </p:sp>
+      <p:sp>
+        <p:nvSpPr>
+          <p:cNvPr id="11" name="Content Placeholder 10"/>
+          <p:cNvSpPr>
+            <a:spLocks noGrp="1"/>
+          </p:cNvSpPr>
+          <p:nvPr>
+            <p:ph sz="half" idx="2"/>
+          </p:nvPr>
+        </p:nvSpPr>
+        <p:spPr/>
+        <p:txBody>
+          <a:bodyPr/>
+          <a:lstStyle/>
+          <a:p>
+            <a:pPr marL="68580" indent="0">
+              <a:buNone/>
+            </a:pPr>
+            <a:endParaRPr lang="en-US" dirty="0"/>
           </a:p>
         </p:txBody>
       </p:sp>
@@ -4143,7 +4164,7 @@
             <a:spLocks noGrp="1"/>
           </p:cNvSpPr>
           <p:nvPr>
-            <p:ph idx="1"/>
+            <p:ph sz="half" idx="1"/>
           </p:nvPr>
         </p:nvSpPr>
         <p:spPr/>
@@ -4152,25 +4173,35 @@
           <a:lstStyle/>
           <a:p>
             <a:r>
-              <a:rPr lang="en-US" dirty="0"/>
-              <a:t>Design wearable combined with MLA to use as </a:t>
-            </a:r>
-            <a:r>
-              <a:rPr lang="en-US"/>
-              <a:t>input </a:t>
+              <a:rPr lang="en-US" dirty="0" smtClean="0"/>
+              <a:t>Flex sensors for each finger</a:t>
+            </a:r>
+          </a:p>
+          <a:p>
+            <a:r>
+              <a:rPr lang="en-US" dirty="0" smtClean="0"/>
+              <a:t>Accelerometer for directionality</a:t>
+            </a:r>
+          </a:p>
+          <a:p>
+            <a:r>
+              <a:rPr lang="en-US" dirty="0" smtClean="0"/>
+              <a:t>Glove </a:t>
             </a:r>
             <a:r>
               <a:rPr lang="en-US" smtClean="0"/>
-              <a:t>device</a:t>
-            </a:r>
-            <a:endParaRPr lang="en-US" dirty="0"/>
+              <a:t>as wearable</a:t>
+            </a:r>
+          </a:p>
+          <a:p>
+            <a:endParaRPr lang="en-US"/>
           </a:p>
         </p:txBody>
       </p:sp>
     </p:spTree>
     <p:extLst>
       <p:ext uri="{BB962C8B-B14F-4D97-AF65-F5344CB8AC3E}">
-        <p14:creationId xmlns:p14="http://schemas.microsoft.com/office/powerpoint/2010/main" val="1014649821"/>
+        <p14:creationId xmlns:p14="http://schemas.microsoft.com/office/powerpoint/2010/main" val="881439031"/>
       </p:ext>
     </p:extLst>
   </p:cSld>
@@ -4189,6 +4220,13 @@
       </p:transition>
     </mc:Fallback>
   </mc:AlternateContent>
+  <p:timing>
+    <p:tnLst>
+      <p:par>
+        <p:cTn xmlns:p14="http://schemas.microsoft.com/office/powerpoint/2010/main" id="1" dur="indefinite" restart="never" nodeType="tmRoot"/>
+      </p:par>
+    </p:tnLst>
+  </p:timing>
 </p:sld>
 </file>
 
@@ -4226,258 +4264,64 @@
           <a:p>
             <a:r>
               <a:rPr lang="en-US" dirty="0"/>
-              <a:t>Hardware Details</a:t>
-            </a:r>
-          </a:p>
-        </p:txBody>
-      </p:sp>
-      <p:graphicFrame>
-        <p:nvGraphicFramePr>
-          <p:cNvPr id="4" name="Content Placeholder 3"/>
-          <p:cNvGraphicFramePr>
-            <a:graphicFrameLocks noGrp="1"/>
-          </p:cNvGraphicFramePr>
+              <a:t>Software Details</a:t>
+            </a:r>
+          </a:p>
+        </p:txBody>
+      </p:sp>
+      <p:sp>
+        <p:nvSpPr>
+          <p:cNvPr id="10" name="Content Placeholder 9"/>
+          <p:cNvSpPr>
+            <a:spLocks noGrp="1"/>
+          </p:cNvSpPr>
           <p:nvPr>
             <p:ph sz="half" idx="1"/>
-            <p:extLst>
-              <p:ext uri="{D42A27DB-BD31-4B8C-83A1-F6EECF244321}">
-                <p14:modId xmlns:p14="http://schemas.microsoft.com/office/powerpoint/2010/main" val="1850871605"/>
-              </p:ext>
-            </p:extLst>
-          </p:nvPr>
-        </p:nvGraphicFramePr>
-        <p:xfrm>
-          <a:off x="619125" y="1770063"/>
-          <a:ext cx="5384802" cy="2082800"/>
-        </p:xfrm>
-        <a:graphic>
-          <a:graphicData uri="http://schemas.openxmlformats.org/drawingml/2006/table">
-            <a:tbl>
-              <a:tblPr firstRow="1" bandRow="1">
-                <a:tableStyleId>{6E25E649-3F16-4E02-A733-19D2CDBF48F0}</a:tableStyleId>
-              </a:tblPr>
-              <a:tblGrid>
-                <a:gridCol w="1794934">
-                  <a:extLst>
-                    <a:ext uri="{9D8B030D-6E8A-4147-A177-3AD203B41FA5}">
-                      <a16:colId xmlns:a16="http://schemas.microsoft.com/office/drawing/2014/main" xmlns="" val="20000"/>
-                    </a:ext>
-                  </a:extLst>
-                </a:gridCol>
-                <a:gridCol w="1794934">
-                  <a:extLst>
-                    <a:ext uri="{9D8B030D-6E8A-4147-A177-3AD203B41FA5}">
-                      <a16:colId xmlns:a16="http://schemas.microsoft.com/office/drawing/2014/main" xmlns="" val="20001"/>
-                    </a:ext>
-                  </a:extLst>
-                </a:gridCol>
-                <a:gridCol w="1794934">
-                  <a:extLst>
-                    <a:ext uri="{9D8B030D-6E8A-4147-A177-3AD203B41FA5}">
-                      <a16:colId xmlns:a16="http://schemas.microsoft.com/office/drawing/2014/main" xmlns="" val="20002"/>
-                    </a:ext>
-                  </a:extLst>
-                </a:gridCol>
-              </a:tblGrid>
-              <a:tr h="520700">
-                <a:tc>
-                  <a:txBody>
-                    <a:bodyPr/>
-                    <a:lstStyle/>
-                    <a:p>
-                      <a:r>
-                        <a:rPr lang="en-US" dirty="0"/>
-                        <a:t>Class</a:t>
-                      </a:r>
-                    </a:p>
-                  </a:txBody>
-                  <a:tcPr marL="103148" marR="103148" anchor="ctr"/>
-                </a:tc>
-                <a:tc>
-                  <a:txBody>
-                    <a:bodyPr/>
-                    <a:lstStyle/>
-                    <a:p>
-                      <a:pPr algn="ctr"/>
-                      <a:r>
-                        <a:rPr lang="en-US" dirty="0"/>
-                        <a:t>Group A</a:t>
-                      </a:r>
-                    </a:p>
-                  </a:txBody>
-                  <a:tcPr marL="103148" marR="103148" anchor="ctr"/>
-                </a:tc>
-                <a:tc>
-                  <a:txBody>
-                    <a:bodyPr/>
-                    <a:lstStyle/>
-                    <a:p>
-                      <a:pPr algn="ctr"/>
-                      <a:r>
-                        <a:rPr lang="en-US" dirty="0"/>
-                        <a:t>Group B</a:t>
-                      </a:r>
-                    </a:p>
-                  </a:txBody>
-                  <a:tcPr marL="103148" marR="103148" anchor="ctr"/>
-                </a:tc>
-                <a:extLst>
-                  <a:ext uri="{0D108BD9-81ED-4DB2-BD59-A6C34878D82A}">
-                    <a16:rowId xmlns:a16="http://schemas.microsoft.com/office/drawing/2014/main" xmlns="" val="10000"/>
-                  </a:ext>
-                </a:extLst>
-              </a:tr>
-              <a:tr h="520700">
-                <a:tc>
-                  <a:txBody>
-                    <a:bodyPr/>
-                    <a:lstStyle/>
-                    <a:p>
-                      <a:r>
-                        <a:rPr lang="en-US" dirty="0"/>
-                        <a:t>Class 1</a:t>
-                      </a:r>
-                    </a:p>
-                  </a:txBody>
-                  <a:tcPr marL="103148" marR="103148" anchor="ctr"/>
-                </a:tc>
-                <a:tc>
-                  <a:txBody>
-                    <a:bodyPr/>
-                    <a:lstStyle/>
-                    <a:p>
-                      <a:pPr algn="ctr"/>
-                      <a:r>
-                        <a:rPr lang="en-US" dirty="0"/>
-                        <a:t>82</a:t>
-                      </a:r>
-                    </a:p>
-                  </a:txBody>
-                  <a:tcPr marL="103148" marR="103148" anchor="ctr"/>
-                </a:tc>
-                <a:tc>
-                  <a:txBody>
-                    <a:bodyPr/>
-                    <a:lstStyle/>
-                    <a:p>
-                      <a:pPr algn="ctr"/>
-                      <a:r>
-                        <a:rPr lang="en-US" dirty="0"/>
-                        <a:t>85</a:t>
-                      </a:r>
-                    </a:p>
-                  </a:txBody>
-                  <a:tcPr marL="103148" marR="103148" anchor="ctr"/>
-                </a:tc>
-                <a:extLst>
-                  <a:ext uri="{0D108BD9-81ED-4DB2-BD59-A6C34878D82A}">
-                    <a16:rowId xmlns:a16="http://schemas.microsoft.com/office/drawing/2014/main" xmlns="" val="10001"/>
-                  </a:ext>
-                </a:extLst>
-              </a:tr>
-              <a:tr h="520700">
-                <a:tc>
-                  <a:txBody>
-                    <a:bodyPr/>
-                    <a:lstStyle/>
-                    <a:p>
-                      <a:r>
-                        <a:rPr lang="en-US" dirty="0"/>
-                        <a:t>Class 2</a:t>
-                      </a:r>
-                    </a:p>
-                  </a:txBody>
-                  <a:tcPr marL="103148" marR="103148" anchor="ctr"/>
-                </a:tc>
-                <a:tc>
-                  <a:txBody>
-                    <a:bodyPr/>
-                    <a:lstStyle/>
-                    <a:p>
-                      <a:pPr algn="ctr"/>
-                      <a:r>
-                        <a:rPr lang="en-US" dirty="0"/>
-                        <a:t>76</a:t>
-                      </a:r>
-                    </a:p>
-                  </a:txBody>
-                  <a:tcPr marL="103148" marR="103148" anchor="ctr"/>
-                </a:tc>
-                <a:tc>
-                  <a:txBody>
-                    <a:bodyPr/>
-                    <a:lstStyle/>
-                    <a:p>
-                      <a:pPr algn="ctr"/>
-                      <a:r>
-                        <a:rPr lang="en-US" dirty="0"/>
-                        <a:t>88</a:t>
-                      </a:r>
-                    </a:p>
-                  </a:txBody>
-                  <a:tcPr marL="103148" marR="103148" anchor="ctr"/>
-                </a:tc>
-                <a:extLst>
-                  <a:ext uri="{0D108BD9-81ED-4DB2-BD59-A6C34878D82A}">
-                    <a16:rowId xmlns:a16="http://schemas.microsoft.com/office/drawing/2014/main" xmlns="" val="10002"/>
-                  </a:ext>
-                </a:extLst>
-              </a:tr>
-              <a:tr h="520700">
-                <a:tc>
-                  <a:txBody>
-                    <a:bodyPr/>
-                    <a:lstStyle/>
-                    <a:p>
-                      <a:r>
-                        <a:rPr lang="en-US" dirty="0"/>
-                        <a:t>Class 3</a:t>
-                      </a:r>
-                    </a:p>
-                  </a:txBody>
-                  <a:tcPr marL="103148" marR="103148" anchor="ctr"/>
-                </a:tc>
-                <a:tc>
-                  <a:txBody>
-                    <a:bodyPr/>
-                    <a:lstStyle/>
-                    <a:p>
-                      <a:pPr algn="ctr"/>
-                      <a:r>
-                        <a:rPr lang="en-US" dirty="0"/>
-                        <a:t>84</a:t>
-                      </a:r>
-                    </a:p>
-                  </a:txBody>
-                  <a:tcPr marL="103148" marR="103148" anchor="ctr"/>
-                </a:tc>
-                <a:tc>
-                  <a:txBody>
-                    <a:bodyPr/>
-                    <a:lstStyle/>
-                    <a:p>
-                      <a:pPr algn="ctr"/>
-                      <a:r>
-                        <a:rPr lang="en-US" dirty="0"/>
-                        <a:t>90</a:t>
-                      </a:r>
-                    </a:p>
-                  </a:txBody>
-                  <a:tcPr marL="103148" marR="103148" anchor="ctr"/>
-                </a:tc>
-                <a:extLst>
-                  <a:ext uri="{0D108BD9-81ED-4DB2-BD59-A6C34878D82A}">
-                    <a16:rowId xmlns:a16="http://schemas.microsoft.com/office/drawing/2014/main" xmlns="" val="10003"/>
-                  </a:ext>
-                </a:extLst>
-              </a:tr>
-            </a:tbl>
-          </a:graphicData>
-        </a:graphic>
-      </p:graphicFrame>
-      <p:sp>
-        <p:nvSpPr>
-          <p:cNvPr id="11" name="Content Placeholder 10"/>
+          </p:nvPr>
+        </p:nvSpPr>
+        <p:spPr/>
+        <p:txBody>
+          <a:bodyPr/>
+          <a:lstStyle/>
+          <a:p>
+            <a:r>
+              <a:rPr lang="en-US" dirty="0" smtClean="0"/>
+              <a:t>The Algorithm: DBSCAN</a:t>
+            </a:r>
+          </a:p>
+          <a:p>
+            <a:pPr lvl="1"/>
+            <a:r>
+              <a:rPr lang="en-US" dirty="0" smtClean="0"/>
+              <a:t>Curse of Dimensionality</a:t>
+            </a:r>
+            <a:endParaRPr lang="en-US" dirty="0"/>
+          </a:p>
+          <a:p>
+            <a:pPr lvl="1"/>
+            <a:r>
+              <a:rPr lang="en-US" dirty="0" smtClean="0"/>
+              <a:t>Overall performance</a:t>
+            </a:r>
+          </a:p>
+          <a:p>
+            <a:pPr lvl="1"/>
+            <a:r>
+              <a:rPr lang="en-US" dirty="0" smtClean="0"/>
+              <a:t>Limitations</a:t>
+            </a:r>
+          </a:p>
+          <a:p>
+            <a:pPr marL="454914" lvl="1" indent="0">
+              <a:buNone/>
+            </a:pPr>
+            <a:endParaRPr lang="en-US" dirty="0" smtClean="0"/>
+          </a:p>
+        </p:txBody>
+      </p:sp>
+      <p:sp>
+        <p:nvSpPr>
+          <p:cNvPr id="3" name="Content Placeholder 2"/>
           <p:cNvSpPr>
             <a:spLocks noGrp="1"/>
           </p:cNvSpPr>
@@ -4491,28 +4335,36 @@
           <a:lstStyle/>
           <a:p>
             <a:r>
-              <a:rPr lang="en-US" dirty="0"/>
-              <a:t>First bullet point here</a:t>
-            </a:r>
-          </a:p>
-          <a:p>
-            <a:r>
-              <a:rPr lang="en-US" dirty="0"/>
-              <a:t>Second bullet point here</a:t>
-            </a:r>
-          </a:p>
-          <a:p>
-            <a:r>
-              <a:rPr lang="en-US" dirty="0"/>
-              <a:t>Third bullet point here</a:t>
-            </a:r>
+              <a:rPr lang="en-US" dirty="0" smtClean="0"/>
+              <a:t>Next Steps</a:t>
+            </a:r>
+          </a:p>
+          <a:p>
+            <a:pPr lvl="1"/>
+            <a:r>
+              <a:rPr lang="en-US" dirty="0" smtClean="0"/>
+              <a:t>Integration</a:t>
+            </a:r>
+          </a:p>
+          <a:p>
+            <a:pPr lvl="1"/>
+            <a:r>
+              <a:rPr lang="en-US" dirty="0" smtClean="0"/>
+              <a:t>Dynamic Gestures</a:t>
+            </a:r>
+          </a:p>
+          <a:p>
+            <a:pPr marL="454914" lvl="1" indent="0">
+              <a:buNone/>
+            </a:pPr>
+            <a:endParaRPr lang="en-US" dirty="0"/>
           </a:p>
         </p:txBody>
       </p:sp>
     </p:spTree>
     <p:extLst>
       <p:ext uri="{BB962C8B-B14F-4D97-AF65-F5344CB8AC3E}">
-        <p14:creationId xmlns:p14="http://schemas.microsoft.com/office/powerpoint/2010/main" val="881439031"/>
+        <p14:creationId xmlns:p14="http://schemas.microsoft.com/office/powerpoint/2010/main" val="1317527291"/>
       </p:ext>
     </p:extLst>
   </p:cSld>
@@ -4561,163 +4413,6 @@
             <p:ph type="title"/>
           </p:nvPr>
         </p:nvSpPr>
-        <p:spPr/>
-        <p:txBody>
-          <a:bodyPr/>
-          <a:lstStyle/>
-          <a:p>
-            <a:r>
-              <a:rPr lang="en-US" dirty="0"/>
-              <a:t>Software Details</a:t>
-            </a:r>
-          </a:p>
-        </p:txBody>
-      </p:sp>
-      <p:sp>
-        <p:nvSpPr>
-          <p:cNvPr id="10" name="Content Placeholder 9"/>
-          <p:cNvSpPr>
-            <a:spLocks noGrp="1"/>
-          </p:cNvSpPr>
-          <p:nvPr>
-            <p:ph sz="half" idx="1"/>
-          </p:nvPr>
-        </p:nvSpPr>
-        <p:spPr/>
-        <p:txBody>
-          <a:bodyPr/>
-          <a:lstStyle/>
-          <a:p>
-            <a:r>
-              <a:rPr lang="en-US" dirty="0" smtClean="0"/>
-              <a:t>The Algorithm: DBSCAN</a:t>
-            </a:r>
-            <a:endParaRPr lang="en-US" dirty="0" smtClean="0"/>
-          </a:p>
-          <a:p>
-            <a:pPr lvl="1"/>
-            <a:r>
-              <a:rPr lang="en-US" dirty="0" smtClean="0"/>
-              <a:t>Curse of Dimensionality</a:t>
-            </a:r>
-            <a:endParaRPr lang="en-US" dirty="0"/>
-          </a:p>
-          <a:p>
-            <a:pPr lvl="1"/>
-            <a:r>
-              <a:rPr lang="en-US" dirty="0" smtClean="0"/>
-              <a:t>Overall performance</a:t>
-            </a:r>
-          </a:p>
-          <a:p>
-            <a:pPr lvl="1"/>
-            <a:r>
-              <a:rPr lang="en-US" dirty="0" smtClean="0"/>
-              <a:t>Limitations</a:t>
-            </a:r>
-          </a:p>
-          <a:p>
-            <a:pPr marL="454914" lvl="1" indent="0">
-              <a:buNone/>
-            </a:pPr>
-            <a:endParaRPr lang="en-US" dirty="0" smtClean="0"/>
-          </a:p>
-        </p:txBody>
-      </p:sp>
-      <p:sp>
-        <p:nvSpPr>
-          <p:cNvPr id="3" name="Content Placeholder 2"/>
-          <p:cNvSpPr>
-            <a:spLocks noGrp="1"/>
-          </p:cNvSpPr>
-          <p:nvPr>
-            <p:ph sz="half" idx="2"/>
-          </p:nvPr>
-        </p:nvSpPr>
-        <p:spPr/>
-        <p:txBody>
-          <a:bodyPr/>
-          <a:lstStyle/>
-          <a:p>
-            <a:r>
-              <a:rPr lang="en-US" dirty="0" smtClean="0"/>
-              <a:t>Next Steps</a:t>
-            </a:r>
-          </a:p>
-          <a:p>
-            <a:pPr lvl="1"/>
-            <a:r>
-              <a:rPr lang="en-US" dirty="0" smtClean="0"/>
-              <a:t>Integration</a:t>
-            </a:r>
-          </a:p>
-          <a:p>
-            <a:pPr lvl="1"/>
-            <a:r>
-              <a:rPr lang="en-US" dirty="0" smtClean="0"/>
-              <a:t>Dynamic Gestures</a:t>
-            </a:r>
-          </a:p>
-          <a:p>
-            <a:pPr marL="454914" lvl="1" indent="0">
-              <a:buNone/>
-            </a:pPr>
-            <a:endParaRPr lang="en-US" dirty="0"/>
-          </a:p>
-        </p:txBody>
-      </p:sp>
-    </p:spTree>
-    <p:extLst>
-      <p:ext uri="{BB962C8B-B14F-4D97-AF65-F5344CB8AC3E}">
-        <p14:creationId xmlns:p14="http://schemas.microsoft.com/office/powerpoint/2010/main" val="1317527291"/>
-      </p:ext>
-    </p:extLst>
-  </p:cSld>
-  <p:clrMapOvr>
-    <a:masterClrMapping/>
-  </p:clrMapOvr>
-  <mc:AlternateContent xmlns:mc="http://schemas.openxmlformats.org/markup-compatibility/2006" xmlns:p14="http://schemas.microsoft.com/office/powerpoint/2010/main">
-    <mc:Choice Requires="p14">
-      <p:transition spd="med" p14:dur="700">
-        <p:fade/>
-      </p:transition>
-    </mc:Choice>
-    <mc:Fallback xmlns="">
-      <p:transition spd="med">
-        <p:fade/>
-      </p:transition>
-    </mc:Fallback>
-  </mc:AlternateContent>
-</p:sld>
-</file>
-
-<file path=ppt/slides/slide6.xml><?xml version="1.0" encoding="utf-8"?>
-<p:sld xmlns:a="http://schemas.openxmlformats.org/drawingml/2006/main" xmlns:r="http://schemas.openxmlformats.org/officeDocument/2006/relationships" xmlns:p="http://schemas.openxmlformats.org/presentationml/2006/main">
-  <p:cSld>
-    <p:spTree>
-      <p:nvGrpSpPr>
-        <p:cNvPr id="1" name=""/>
-        <p:cNvGrpSpPr/>
-        <p:nvPr/>
-      </p:nvGrpSpPr>
-      <p:grpSpPr>
-        <a:xfrm>
-          <a:off x="0" y="0"/>
-          <a:ext cx="0" cy="0"/>
-          <a:chOff x="0" y="0"/>
-          <a:chExt cx="0" cy="0"/>
-        </a:xfrm>
-      </p:grpSpPr>
-      <p:sp>
-        <p:nvSpPr>
-          <p:cNvPr id="2" name="Title 1"/>
-          <p:cNvSpPr>
-            <a:spLocks noGrp="1"/>
-          </p:cNvSpPr>
-          <p:nvPr>
-            <p:ph type="title"/>
-          </p:nvPr>
-        </p:nvSpPr>
         <p:spPr>
           <a:xfrm>
             <a:off x="4792869" y="2208696"/>
@@ -4819,7 +4514,7 @@
 </p:sld>
 </file>
 
-<file path=ppt/slides/slide7.xml><?xml version="1.0" encoding="utf-8"?>
+<file path=ppt/slides/slide6.xml><?xml version="1.0" encoding="utf-8"?>
 <p:sld xmlns:a="http://schemas.openxmlformats.org/drawingml/2006/main" xmlns:r="http://schemas.openxmlformats.org/officeDocument/2006/relationships" xmlns:p="http://schemas.openxmlformats.org/presentationml/2006/main">
   <p:cSld>
     <p:spTree>
@@ -5235,7 +4930,7 @@
   <a:extraClrSchemeLst/>
   <a:extLst>
     <a:ext uri="{05A4C25C-085E-4340-85A3-A5531E510DB2}">
-      <thm15:themeFamily xmlns:thm15="http://schemas.microsoft.com/office/thememl/2012/main" xmlns="" name="Nightfall design slides.potx" id="{86629933-8834-4C4E-B3F9-618E4139F8B8}" vid="{B0B8406C-BC7D-4A04-AE79-53D6E7D7D91D}"/>
+      <thm15:themeFamily xmlns="" xmlns:thm15="http://schemas.microsoft.com/office/thememl/2012/main" name="Nightfall design slides.potx" id="{86629933-8834-4C4E-B3F9-618E4139F8B8}" vid="{B0B8406C-BC7D-4A04-AE79-53D6E7D7D91D}"/>
     </a:ext>
   </a:extLst>
 </a:theme>
@@ -5530,7 +5225,7 @@
   <a:extraClrSchemeLst/>
   <a:extLst>
     <a:ext uri="{05A4C25C-085E-4340-85A3-A5531E510DB2}">
-      <thm15:themeFamily xmlns:thm15="http://schemas.microsoft.com/office/thememl/2012/main" xmlns="" name="Office Theme" id="{62F939B6-93AF-4DB8-9C6B-D6C7DFDC589F}" vid="{4A3C46E8-61CC-4603-A589-7422A47A8E4A}"/>
+      <thm15:themeFamily xmlns="" xmlns:thm15="http://schemas.microsoft.com/office/thememl/2012/main" name="Office Theme" id="{62F939B6-93AF-4DB8-9C6B-D6C7DFDC589F}" vid="{4A3C46E8-61CC-4603-A589-7422A47A8E4A}"/>
     </a:ext>
   </a:extLst>
 </a:theme>
@@ -5825,7 +5520,7 @@
   <a:extraClrSchemeLst/>
   <a:extLst>
     <a:ext uri="{05A4C25C-085E-4340-85A3-A5531E510DB2}">
-      <thm15:themeFamily xmlns:thm15="http://schemas.microsoft.com/office/thememl/2012/main" xmlns="" name="Office Theme" id="{62F939B6-93AF-4DB8-9C6B-D6C7DFDC589F}" vid="{4A3C46E8-61CC-4603-A589-7422A47A8E4A}"/>
+      <thm15:themeFamily xmlns="" xmlns:thm15="http://schemas.microsoft.com/office/thememl/2012/main" name="Office Theme" id="{62F939B6-93AF-4DB8-9C6B-D6C7DFDC589F}" vid="{4A3C46E8-61CC-4603-A589-7422A47A8E4A}"/>
     </a:ext>
   </a:extLst>
 </a:theme>

--- a/FinalPresentation.pptx
+++ b/FinalPresentation.pptx
@@ -117,7 +117,7 @@
   </p:defaultTextStyle>
   <p:extLst>
     <p:ext uri="{EFAFB233-063F-42B5-8137-9DF3F51BA10A}">
-      <p15:sldGuideLst xmlns="" xmlns:p15="http://schemas.microsoft.com/office/powerpoint/2012/main">
+      <p15:sldGuideLst xmlns:p15="http://schemas.microsoft.com/office/powerpoint/2012/main" xmlns="">
         <p15:guide id="1" orient="horz" pos="2160" userDrawn="1">
           <p15:clr>
             <a:srgbClr val="A4A3A4"/>
@@ -131,7 +131,7 @@
       </p15:sldGuideLst>
     </p:ext>
     <p:ext uri="{2D200454-40CA-4A62-9FC3-DE9A4176ACB9}">
-      <p15:notesGuideLst xmlns="" xmlns:p15="http://schemas.microsoft.com/office/powerpoint/2012/main"/>
+      <p15:notesGuideLst xmlns:p15="http://schemas.microsoft.com/office/powerpoint/2012/main" xmlns=""/>
     </p:ext>
   </p:extLst>
 </p:presentation>
@@ -4145,7 +4145,12 @@
             <p:ph sz="half" idx="2"/>
           </p:nvPr>
         </p:nvSpPr>
-        <p:spPr/>
+        <p:spPr>
+          <a:xfrm>
+            <a:off x="5717660" y="8372174"/>
+            <a:ext cx="5384800" cy="4525963"/>
+          </a:xfrm>
+        </p:spPr>
         <p:txBody>
           <a:bodyPr/>
           <a:lstStyle/>
@@ -4930,7 +4935,7 @@
   <a:extraClrSchemeLst/>
   <a:extLst>
     <a:ext uri="{05A4C25C-085E-4340-85A3-A5531E510DB2}">
-      <thm15:themeFamily xmlns="" xmlns:thm15="http://schemas.microsoft.com/office/thememl/2012/main" name="Nightfall design slides.potx" id="{86629933-8834-4C4E-B3F9-618E4139F8B8}" vid="{B0B8406C-BC7D-4A04-AE79-53D6E7D7D91D}"/>
+      <thm15:themeFamily xmlns:thm15="http://schemas.microsoft.com/office/thememl/2012/main" xmlns="" name="Nightfall design slides.potx" id="{86629933-8834-4C4E-B3F9-618E4139F8B8}" vid="{B0B8406C-BC7D-4A04-AE79-53D6E7D7D91D}"/>
     </a:ext>
   </a:extLst>
 </a:theme>
@@ -5225,7 +5230,7 @@
   <a:extraClrSchemeLst/>
   <a:extLst>
     <a:ext uri="{05A4C25C-085E-4340-85A3-A5531E510DB2}">
-      <thm15:themeFamily xmlns="" xmlns:thm15="http://schemas.microsoft.com/office/thememl/2012/main" name="Office Theme" id="{62F939B6-93AF-4DB8-9C6B-D6C7DFDC589F}" vid="{4A3C46E8-61CC-4603-A589-7422A47A8E4A}"/>
+      <thm15:themeFamily xmlns:thm15="http://schemas.microsoft.com/office/thememl/2012/main" xmlns="" name="Office Theme" id="{62F939B6-93AF-4DB8-9C6B-D6C7DFDC589F}" vid="{4A3C46E8-61CC-4603-A589-7422A47A8E4A}"/>
     </a:ext>
   </a:extLst>
 </a:theme>
@@ -5520,7 +5525,7 @@
   <a:extraClrSchemeLst/>
   <a:extLst>
     <a:ext uri="{05A4C25C-085E-4340-85A3-A5531E510DB2}">
-      <thm15:themeFamily xmlns="" xmlns:thm15="http://schemas.microsoft.com/office/thememl/2012/main" name="Office Theme" id="{62F939B6-93AF-4DB8-9C6B-D6C7DFDC589F}" vid="{4A3C46E8-61CC-4603-A589-7422A47A8E4A}"/>
+      <thm15:themeFamily xmlns:thm15="http://schemas.microsoft.com/office/thememl/2012/main" xmlns="" name="Office Theme" id="{62F939B6-93AF-4DB8-9C6B-D6C7DFDC589F}" vid="{4A3C46E8-61CC-4603-A589-7422A47A8E4A}"/>
     </a:ext>
   </a:extLst>
 </a:theme>
